--- a/Seminar/Project_PPT.pptx
+++ b/Seminar/Project_PPT.pptx
@@ -5,27 +5,26 @@
     <p:sldMasterId id="2147483662" r:id="rId4"/>
   </p:sldMasterIdLst>
   <p:notesMasterIdLst>
-    <p:notesMasterId r:id="rId20"/>
+    <p:notesMasterId r:id="rId19"/>
   </p:notesMasterIdLst>
   <p:handoutMasterIdLst>
-    <p:handoutMasterId r:id="rId21"/>
+    <p:handoutMasterId r:id="rId20"/>
   </p:handoutMasterIdLst>
   <p:sldIdLst>
     <p:sldId id="268" r:id="rId5"/>
     <p:sldId id="279" r:id="rId6"/>
-    <p:sldId id="257" r:id="rId7"/>
-    <p:sldId id="270" r:id="rId8"/>
-    <p:sldId id="269" r:id="rId9"/>
-    <p:sldId id="288" r:id="rId10"/>
-    <p:sldId id="281" r:id="rId11"/>
-    <p:sldId id="292" r:id="rId12"/>
-    <p:sldId id="273" r:id="rId13"/>
-    <p:sldId id="282" r:id="rId14"/>
-    <p:sldId id="285" r:id="rId15"/>
-    <p:sldId id="274" r:id="rId16"/>
-    <p:sldId id="275" r:id="rId17"/>
-    <p:sldId id="287" r:id="rId18"/>
-    <p:sldId id="280" r:id="rId19"/>
+    <p:sldId id="294" r:id="rId7"/>
+    <p:sldId id="257" r:id="rId8"/>
+    <p:sldId id="270" r:id="rId9"/>
+    <p:sldId id="269" r:id="rId10"/>
+    <p:sldId id="288" r:id="rId11"/>
+    <p:sldId id="293" r:id="rId12"/>
+    <p:sldId id="281" r:id="rId13"/>
+    <p:sldId id="292" r:id="rId14"/>
+    <p:sldId id="274" r:id="rId15"/>
+    <p:sldId id="275" r:id="rId16"/>
+    <p:sldId id="287" r:id="rId17"/>
+    <p:sldId id="280" r:id="rId18"/>
   </p:sldIdLst>
   <p:sldSz cx="12192000" cy="6858000"/>
   <p:notesSz cx="6858000" cy="9144000"/>
@@ -765,96 +764,6 @@
 </p:notes>
 </file>
 
-<file path=ppt/notesSlides/notesSlide10.xml><?xml version="1.0" encoding="utf-8"?>
-<p:notes xmlns:a="http://schemas.openxmlformats.org/drawingml/2006/main" xmlns:r="http://schemas.openxmlformats.org/officeDocument/2006/relationships" xmlns:p="http://schemas.openxmlformats.org/presentationml/2006/main">
-  <p:cSld>
-    <p:spTree>
-      <p:nvGrpSpPr>
-        <p:cNvPr id="1" name=""/>
-        <p:cNvGrpSpPr/>
-        <p:nvPr/>
-      </p:nvGrpSpPr>
-      <p:grpSpPr>
-        <a:xfrm>
-          <a:off x="0" y="0"/>
-          <a:ext cx="0" cy="0"/>
-          <a:chOff x="0" y="0"/>
-          <a:chExt cx="0" cy="0"/>
-        </a:xfrm>
-      </p:grpSpPr>
-      <p:sp>
-        <p:nvSpPr>
-          <p:cNvPr id="2" name="Slide Image Placeholder 1"/>
-          <p:cNvSpPr>
-            <a:spLocks noGrp="1" noRot="1" noChangeAspect="1"/>
-          </p:cNvSpPr>
-          <p:nvPr>
-            <p:ph type="sldImg"/>
-          </p:nvPr>
-        </p:nvSpPr>
-        <p:spPr/>
-      </p:sp>
-      <p:sp>
-        <p:nvSpPr>
-          <p:cNvPr id="3" name="Notes Placeholder 2"/>
-          <p:cNvSpPr>
-            <a:spLocks noGrp="1"/>
-          </p:cNvSpPr>
-          <p:nvPr>
-            <p:ph type="body" idx="1"/>
-          </p:nvPr>
-        </p:nvSpPr>
-        <p:spPr/>
-        <p:txBody>
-          <a:bodyPr/>
-          <a:lstStyle/>
-          <a:p>
-            <a:endParaRPr lang="en-US" dirty="0"/>
-          </a:p>
-        </p:txBody>
-      </p:sp>
-      <p:sp>
-        <p:nvSpPr>
-          <p:cNvPr id="5" name="Slide Number Placeholder 4">
-            <a:extLst>
-              <a:ext uri="{FF2B5EF4-FFF2-40B4-BE49-F238E27FC236}">
-                <a16:creationId xmlns:a16="http://schemas.microsoft.com/office/drawing/2014/main" id="{7CFB9EC2-E41A-098C-8A6D-E230FDA7CA92}"/>
-              </a:ext>
-            </a:extLst>
-          </p:cNvPr>
-          <p:cNvSpPr>
-            <a:spLocks noGrp="1"/>
-          </p:cNvSpPr>
-          <p:nvPr>
-            <p:ph type="sldNum" sz="quarter" idx="5"/>
-          </p:nvPr>
-        </p:nvSpPr>
-        <p:spPr/>
-        <p:txBody>
-          <a:bodyPr/>
-          <a:lstStyle/>
-          <a:p>
-            <a:fld id="{5EA54082-0EDA-40C0-B23E-AB88047B2438}" type="slidenum">
-              <a:rPr lang="en-US" noProof="0" smtClean="0"/>
-              <a:t>13</a:t>
-            </a:fld>
-            <a:endParaRPr lang="en-US" noProof="0" dirty="0"/>
-          </a:p>
-        </p:txBody>
-      </p:sp>
-    </p:spTree>
-    <p:extLst>
-      <p:ext uri="{BB962C8B-B14F-4D97-AF65-F5344CB8AC3E}">
-        <p14:creationId xmlns:p14="http://schemas.microsoft.com/office/powerpoint/2010/main" val="2158920671"/>
-      </p:ext>
-    </p:extLst>
-  </p:cSld>
-  <p:clrMapOvr>
-    <a:masterClrMapping/>
-  </p:clrMapOvr>
-</p:notes>
-</file>
-
 <file path=ppt/notesSlides/notesSlide2.xml><?xml version="1.0" encoding="utf-8"?>
 <p:notes xmlns:a="http://schemas.openxmlformats.org/drawingml/2006/main" xmlns:r="http://schemas.openxmlformats.org/officeDocument/2006/relationships" xmlns:p="http://schemas.openxmlformats.org/presentationml/2006/main">
   <p:cSld>
@@ -926,7 +835,7 @@
           <a:p>
             <a:fld id="{5EA54082-0EDA-40C0-B23E-AB88047B2438}" type="slidenum">
               <a:rPr lang="en-US" noProof="0" smtClean="0"/>
-              <a:t>3</a:t>
+              <a:t>4</a:t>
             </a:fld>
             <a:endParaRPr lang="en-US" noProof="0" dirty="0"/>
           </a:p>
@@ -1016,7 +925,7 @@
           <a:p>
             <a:fld id="{5EA54082-0EDA-40C0-B23E-AB88047B2438}" type="slidenum">
               <a:rPr lang="en-US" noProof="0" smtClean="0"/>
-              <a:t>4</a:t>
+              <a:t>5</a:t>
             </a:fld>
             <a:endParaRPr lang="en-US" noProof="0" dirty="0"/>
           </a:p>
@@ -1106,7 +1015,7 @@
           <a:p>
             <a:fld id="{5EA54082-0EDA-40C0-B23E-AB88047B2438}" type="slidenum">
               <a:rPr lang="en-US" noProof="0" smtClean="0"/>
-              <a:t>5</a:t>
+              <a:t>6</a:t>
             </a:fld>
             <a:endParaRPr lang="en-US" noProof="0" dirty="0"/>
           </a:p>
@@ -1196,7 +1105,7 @@
           <a:p>
             <a:fld id="{5EA54082-0EDA-40C0-B23E-AB88047B2438}" type="slidenum">
               <a:rPr lang="en-US" noProof="0" smtClean="0"/>
-              <a:t>6</a:t>
+              <a:t>7</a:t>
             </a:fld>
             <a:endParaRPr lang="en-US" noProof="0" dirty="0"/>
           </a:p>
@@ -1286,7 +1195,7 @@
           <a:p>
             <a:fld id="{5EA54082-0EDA-40C0-B23E-AB88047B2438}" type="slidenum">
               <a:rPr lang="en-US" noProof="0" smtClean="0"/>
-              <a:t>8</a:t>
+              <a:t>10</a:t>
             </a:fld>
             <a:endParaRPr lang="en-US" noProof="0" dirty="0"/>
           </a:p>
@@ -1358,7 +1267,7 @@
           <p:cNvPr id="5" name="Slide Number Placeholder 4">
             <a:extLst>
               <a:ext uri="{FF2B5EF4-FFF2-40B4-BE49-F238E27FC236}">
-                <a16:creationId xmlns:a16="http://schemas.microsoft.com/office/drawing/2014/main" id="{AA03A76C-9C4E-BFF1-A3D1-7E59B64B53B4}"/>
+                <a16:creationId xmlns:a16="http://schemas.microsoft.com/office/drawing/2014/main" id="{A580B3A5-6BE1-98D1-840E-7724F1D88020}"/>
               </a:ext>
             </a:extLst>
           </p:cNvPr>
@@ -1376,7 +1285,7 @@
           <a:p>
             <a:fld id="{5EA54082-0EDA-40C0-B23E-AB88047B2438}" type="slidenum">
               <a:rPr lang="en-US" noProof="0" smtClean="0"/>
-              <a:t>9</a:t>
+              <a:t>11</a:t>
             </a:fld>
             <a:endParaRPr lang="en-US" noProof="0" dirty="0"/>
           </a:p>
@@ -1385,7 +1294,7 @@
     </p:spTree>
     <p:extLst>
       <p:ext uri="{BB962C8B-B14F-4D97-AF65-F5344CB8AC3E}">
-        <p14:creationId xmlns:p14="http://schemas.microsoft.com/office/powerpoint/2010/main" val="2726980829"/>
+        <p14:creationId xmlns:p14="http://schemas.microsoft.com/office/powerpoint/2010/main" val="3046739712"/>
       </p:ext>
     </p:extLst>
   </p:cSld>
@@ -1448,97 +1357,7 @@
           <p:cNvPr id="5" name="Slide Number Placeholder 4">
             <a:extLst>
               <a:ext uri="{FF2B5EF4-FFF2-40B4-BE49-F238E27FC236}">
-                <a16:creationId xmlns:a16="http://schemas.microsoft.com/office/drawing/2014/main" id="{AA03A76C-9C4E-BFF1-A3D1-7E59B64B53B4}"/>
-              </a:ext>
-            </a:extLst>
-          </p:cNvPr>
-          <p:cNvSpPr>
-            <a:spLocks noGrp="1"/>
-          </p:cNvSpPr>
-          <p:nvPr>
-            <p:ph type="sldNum" sz="quarter" idx="5"/>
-          </p:nvPr>
-        </p:nvSpPr>
-        <p:spPr/>
-        <p:txBody>
-          <a:bodyPr/>
-          <a:lstStyle/>
-          <a:p>
-            <a:fld id="{5EA54082-0EDA-40C0-B23E-AB88047B2438}" type="slidenum">
-              <a:rPr lang="en-US" noProof="0" smtClean="0"/>
-              <a:t>11</a:t>
-            </a:fld>
-            <a:endParaRPr lang="en-US" noProof="0" dirty="0"/>
-          </a:p>
-        </p:txBody>
-      </p:sp>
-    </p:spTree>
-    <p:extLst>
-      <p:ext uri="{BB962C8B-B14F-4D97-AF65-F5344CB8AC3E}">
-        <p14:creationId xmlns:p14="http://schemas.microsoft.com/office/powerpoint/2010/main" val="1962561335"/>
-      </p:ext>
-    </p:extLst>
-  </p:cSld>
-  <p:clrMapOvr>
-    <a:masterClrMapping/>
-  </p:clrMapOvr>
-</p:notes>
-</file>
-
-<file path=ppt/notesSlides/notesSlide9.xml><?xml version="1.0" encoding="utf-8"?>
-<p:notes xmlns:a="http://schemas.openxmlformats.org/drawingml/2006/main" xmlns:r="http://schemas.openxmlformats.org/officeDocument/2006/relationships" xmlns:p="http://schemas.openxmlformats.org/presentationml/2006/main">
-  <p:cSld>
-    <p:spTree>
-      <p:nvGrpSpPr>
-        <p:cNvPr id="1" name=""/>
-        <p:cNvGrpSpPr/>
-        <p:nvPr/>
-      </p:nvGrpSpPr>
-      <p:grpSpPr>
-        <a:xfrm>
-          <a:off x="0" y="0"/>
-          <a:ext cx="0" cy="0"/>
-          <a:chOff x="0" y="0"/>
-          <a:chExt cx="0" cy="0"/>
-        </a:xfrm>
-      </p:grpSpPr>
-      <p:sp>
-        <p:nvSpPr>
-          <p:cNvPr id="2" name="Slide Image Placeholder 1"/>
-          <p:cNvSpPr>
-            <a:spLocks noGrp="1" noRot="1" noChangeAspect="1"/>
-          </p:cNvSpPr>
-          <p:nvPr>
-            <p:ph type="sldImg"/>
-          </p:nvPr>
-        </p:nvSpPr>
-        <p:spPr/>
-      </p:sp>
-      <p:sp>
-        <p:nvSpPr>
-          <p:cNvPr id="3" name="Notes Placeholder 2"/>
-          <p:cNvSpPr>
-            <a:spLocks noGrp="1"/>
-          </p:cNvSpPr>
-          <p:nvPr>
-            <p:ph type="body" idx="1"/>
-          </p:nvPr>
-        </p:nvSpPr>
-        <p:spPr/>
-        <p:txBody>
-          <a:bodyPr/>
-          <a:lstStyle/>
-          <a:p>
-            <a:endParaRPr lang="en-US" dirty="0"/>
-          </a:p>
-        </p:txBody>
-      </p:sp>
-      <p:sp>
-        <p:nvSpPr>
-          <p:cNvPr id="5" name="Slide Number Placeholder 4">
-            <a:extLst>
-              <a:ext uri="{FF2B5EF4-FFF2-40B4-BE49-F238E27FC236}">
-                <a16:creationId xmlns:a16="http://schemas.microsoft.com/office/drawing/2014/main" id="{A580B3A5-6BE1-98D1-840E-7724F1D88020}"/>
+                <a16:creationId xmlns:a16="http://schemas.microsoft.com/office/drawing/2014/main" id="{7CFB9EC2-E41A-098C-8A6D-E230FDA7CA92}"/>
               </a:ext>
             </a:extLst>
           </p:cNvPr>
@@ -1565,7 +1384,7 @@
     </p:spTree>
     <p:extLst>
       <p:ext uri="{BB962C8B-B14F-4D97-AF65-F5344CB8AC3E}">
-        <p14:creationId xmlns:p14="http://schemas.microsoft.com/office/powerpoint/2010/main" val="3046739712"/>
+        <p14:creationId xmlns:p14="http://schemas.microsoft.com/office/powerpoint/2010/main" val="2158920671"/>
       </p:ext>
     </p:extLst>
   </p:cSld>
@@ -23438,21 +23257,21 @@
           <a:lstStyle/>
           <a:p>
             <a:fld id="{6A59E652-0E2C-4FE0-9038-2A3F05EF4FDC}" type="slidenum">
-              <a:rPr lang="en-IN" sz="1400" smtClean="0">
+              <a:rPr lang="en-IN" sz="1600" smtClean="0">
                 <a:solidFill>
                   <a:schemeClr val="bg1"/>
                 </a:solidFill>
-                <a:latin typeface="Arial" panose="020B0604020202020204" pitchFamily="34" charset="0"/>
-                <a:cs typeface="Arial" panose="020B0604020202020204" pitchFamily="34" charset="0"/>
+                <a:latin typeface="Times New Roman" panose="02020603050405020304" pitchFamily="18" charset="0"/>
+                <a:cs typeface="Times New Roman" panose="02020603050405020304" pitchFamily="18" charset="0"/>
               </a:rPr>
               <a:t>1</a:t>
             </a:fld>
-            <a:endParaRPr lang="en-IN" dirty="0">
+            <a:endParaRPr lang="en-IN" sz="1400" dirty="0">
               <a:solidFill>
                 <a:schemeClr val="bg1"/>
               </a:solidFill>
-              <a:latin typeface="Arial" panose="020B0604020202020204" pitchFamily="34" charset="0"/>
-              <a:cs typeface="Arial" panose="020B0604020202020204" pitchFamily="34" charset="0"/>
+              <a:latin typeface="Times New Roman" panose="02020603050405020304" pitchFamily="18" charset="0"/>
+              <a:cs typeface="Times New Roman" panose="02020603050405020304" pitchFamily="18" charset="0"/>
             </a:endParaRPr>
           </a:p>
         </p:txBody>
@@ -23489,109 +23308,97 @@
       </p:grpSpPr>
       <p:sp>
         <p:nvSpPr>
-          <p:cNvPr id="2" name="Title 1">
+          <p:cNvPr id="2" name="TextBox 1">
             <a:extLst>
               <a:ext uri="{FF2B5EF4-FFF2-40B4-BE49-F238E27FC236}">
-                <a16:creationId xmlns:a16="http://schemas.microsoft.com/office/drawing/2014/main" id="{5098B426-1B80-8761-5F91-62B04770182D}"/>
+                <a16:creationId xmlns:a16="http://schemas.microsoft.com/office/drawing/2014/main" id="{F97F1639-177B-F478-52DB-7F2D3413EC14}"/>
               </a:ext>
             </a:extLst>
           </p:cNvPr>
-          <p:cNvSpPr>
-            <a:spLocks noGrp="1"/>
-          </p:cNvSpPr>
-          <p:nvPr>
-            <p:ph type="title"/>
-          </p:nvPr>
+          <p:cNvSpPr txBox="1"/>
+          <p:nvPr/>
         </p:nvSpPr>
         <p:spPr>
           <a:xfrm>
-            <a:off x="838200" y="19653"/>
-            <a:ext cx="10515600" cy="1325563"/>
+            <a:off x="601775" y="538260"/>
+            <a:ext cx="7385454" cy="579967"/>
           </a:xfrm>
+          <a:prstGeom prst="rect">
+            <a:avLst/>
+          </a:prstGeom>
+          <a:noFill/>
         </p:spPr>
         <p:txBody>
-          <a:bodyPr>
-            <a:normAutofit/>
+          <a:bodyPr wrap="square" rtlCol="0">
+            <a:spAutoFit/>
           </a:bodyPr>
           <a:lstStyle/>
           <a:p>
-            <a:pPr algn="ctr"/>
+            <a:pPr marL="285750" indent="-285750" algn="just">
+              <a:lnSpc>
+                <a:spcPct val="150000"/>
+              </a:lnSpc>
+              <a:buFont typeface="Wingdings" panose="05000000000000000000" pitchFamily="2" charset="2"/>
+              <a:buChar char="Ø"/>
+            </a:pPr>
             <a:r>
-              <a:rPr lang="en-US" sz="3600" dirty="0">
+              <a:rPr lang="en-IN" sz="2400" dirty="0">
                 <a:latin typeface="Times New Roman" panose="02020603050405020304" pitchFamily="18" charset="0"/>
                 <a:cs typeface="Times New Roman" panose="02020603050405020304" pitchFamily="18" charset="0"/>
               </a:rPr>
-              <a:t>Result</a:t>
+              <a:t>Use-case of deepfake audio detection system:</a:t>
             </a:r>
-            <a:endParaRPr lang="en-IN" sz="3600" dirty="0">
-              <a:latin typeface="Times New Roman" panose="02020603050405020304" pitchFamily="18" charset="0"/>
-              <a:cs typeface="Times New Roman" panose="02020603050405020304" pitchFamily="18" charset="0"/>
-            </a:endParaRPr>
           </a:p>
         </p:txBody>
       </p:sp>
       <p:sp>
         <p:nvSpPr>
-          <p:cNvPr id="3" name="Content Placeholder 2">
+          <p:cNvPr id="26" name="TextBox 25">
             <a:extLst>
               <a:ext uri="{FF2B5EF4-FFF2-40B4-BE49-F238E27FC236}">
-                <a16:creationId xmlns:a16="http://schemas.microsoft.com/office/drawing/2014/main" id="{3FE97C45-B63C-3709-E37A-563740D8873C}"/>
+                <a16:creationId xmlns:a16="http://schemas.microsoft.com/office/drawing/2014/main" id="{5A4B5506-97F8-1EE7-3798-DBB449B8B978}"/>
               </a:ext>
             </a:extLst>
           </p:cNvPr>
-          <p:cNvSpPr>
-            <a:spLocks noGrp="1"/>
-          </p:cNvSpPr>
-          <p:nvPr>
-            <p:ph idx="1"/>
-          </p:nvPr>
+          <p:cNvSpPr txBox="1"/>
+          <p:nvPr/>
         </p:nvSpPr>
         <p:spPr>
           <a:xfrm>
-            <a:off x="838200" y="1148894"/>
-            <a:ext cx="10515600" cy="512222"/>
+            <a:off x="9144000" y="6016975"/>
+            <a:ext cx="2743200" cy="369332"/>
           </a:xfrm>
+          <a:prstGeom prst="rect">
+            <a:avLst/>
+          </a:prstGeom>
+          <a:noFill/>
         </p:spPr>
         <p:txBody>
-          <a:bodyPr>
-            <a:normAutofit/>
+          <a:bodyPr wrap="square">
+            <a:spAutoFit/>
           </a:bodyPr>
           <a:lstStyle/>
           <a:p>
-            <a:pPr algn="just">
-              <a:lnSpc>
-                <a:spcPct val="110000"/>
-              </a:lnSpc>
-              <a:buFont typeface="Wingdings" panose="05000000000000000000" pitchFamily="2" charset="2"/>
-              <a:buChar char="Ø"/>
-            </a:pPr>
             <a:r>
-              <a:rPr lang="en-US" sz="2400" b="0" dirty="0">
-                <a:solidFill>
-                  <a:srgbClr val="1F2328"/>
-                </a:solidFill>
-                <a:effectLst/>
-                <a:highlight>
-                  <a:srgbClr val="FFFFFF"/>
-                </a:highlight>
-                <a:latin typeface="Times New Roman" panose="02020603050405020304" pitchFamily="18" charset="0"/>
-                <a:cs typeface="Times New Roman" panose="02020603050405020304" pitchFamily="18" charset="0"/>
+              <a:rPr lang="en-US" dirty="0"/>
+              <a:t>credit: </a:t>
+            </a:r>
+            <a:r>
+              <a:rPr lang="en-US" dirty="0">
+                <a:hlinkClick r:id="rId3"/>
               </a:rPr>
-              <a:t>Accuracy for different model generations on training, validation, and test data sets.</a:t>
+              <a:t>arxiv</a:t>
             </a:r>
-            <a:endParaRPr lang="en-IN" sz="3600" dirty="0">
-              <a:latin typeface="Times New Roman" panose="02020603050405020304" pitchFamily="18" charset="0"/>
-              <a:cs typeface="Times New Roman" panose="02020603050405020304" pitchFamily="18" charset="0"/>
-            </a:endParaRPr>
+            <a:endParaRPr lang="en-IN" dirty="0"/>
           </a:p>
         </p:txBody>
       </p:sp>
       <p:sp>
         <p:nvSpPr>
-          <p:cNvPr id="4" name="Slide Number Placeholder 3">
+          <p:cNvPr id="3" name="Slide Number Placeholder 2">
             <a:extLst>
               <a:ext uri="{FF2B5EF4-FFF2-40B4-BE49-F238E27FC236}">
-                <a16:creationId xmlns:a16="http://schemas.microsoft.com/office/drawing/2014/main" id="{19048D96-AB9B-3A92-25AB-1D468326D782}"/>
+                <a16:creationId xmlns:a16="http://schemas.microsoft.com/office/drawing/2014/main" id="{799BC092-C13C-4F06-1297-5EC1CBAB1AE2}"/>
               </a:ext>
             </a:extLst>
           </p:cNvPr>
@@ -23604,7 +23411,7 @@
         </p:nvSpPr>
         <p:spPr>
           <a:xfrm>
-            <a:off x="8610600" y="6469474"/>
+            <a:off x="8610600" y="6478901"/>
             <a:ext cx="2743200" cy="365125"/>
           </a:xfrm>
         </p:spPr>
@@ -23613,55 +23420,68 @@
           <a:lstStyle/>
           <a:p>
             <a:fld id="{6A59E652-0E2C-4FE0-9038-2A3F05EF4FDC}" type="slidenum">
-              <a:rPr lang="en-IN" smtClean="0">
+              <a:rPr lang="en-IN" sz="1600" smtClean="0">
                 <a:solidFill>
                   <a:schemeClr val="bg1"/>
                 </a:solidFill>
+                <a:latin typeface="Times New Roman" panose="02020603050405020304" pitchFamily="18" charset="0"/>
+                <a:cs typeface="Times New Roman" panose="02020603050405020304" pitchFamily="18" charset="0"/>
               </a:rPr>
               <a:t>10</a:t>
             </a:fld>
-            <a:endParaRPr lang="en-IN" dirty="0">
+            <a:endParaRPr lang="en-IN" sz="1400" dirty="0">
               <a:solidFill>
                 <a:schemeClr val="bg1"/>
               </a:solidFill>
+              <a:latin typeface="Times New Roman" panose="02020603050405020304" pitchFamily="18" charset="0"/>
+              <a:cs typeface="Times New Roman" panose="02020603050405020304" pitchFamily="18" charset="0"/>
             </a:endParaRPr>
           </a:p>
         </p:txBody>
       </p:sp>
       <p:pic>
         <p:nvPicPr>
-          <p:cNvPr id="8" name="Picture 7">
+          <p:cNvPr id="1026" name="Picture 2">
             <a:extLst>
               <a:ext uri="{FF2B5EF4-FFF2-40B4-BE49-F238E27FC236}">
-                <a16:creationId xmlns:a16="http://schemas.microsoft.com/office/drawing/2014/main" id="{7A53022B-E9FC-CA37-2AF9-1BB44A2BBBEC}"/>
+                <a16:creationId xmlns:a16="http://schemas.microsoft.com/office/drawing/2014/main" id="{C1B9FB03-04C7-4B1C-4CEE-E3DC32064419}"/>
               </a:ext>
             </a:extLst>
           </p:cNvPr>
           <p:cNvPicPr>
-            <a:picLocks noChangeAspect="1"/>
+            <a:picLocks noChangeAspect="1" noChangeArrowheads="1"/>
           </p:cNvPicPr>
           <p:nvPr/>
         </p:nvPicPr>
         <p:blipFill>
-          <a:blip r:embed="rId2"/>
-          <a:stretch>
-            <a:fillRect/>
-          </a:stretch>
+          <a:blip r:embed="rId4"/>
+          <a:srcRect/>
+          <a:stretch/>
         </p:blipFill>
-        <p:spPr>
+        <p:spPr bwMode="auto">
           <a:xfrm>
-            <a:off x="1518950" y="1661116"/>
-            <a:ext cx="9154099" cy="4343759"/>
+            <a:off x="1457944" y="1280639"/>
+            <a:ext cx="9276112" cy="4648200"/>
           </a:xfrm>
           <a:prstGeom prst="rect">
             <a:avLst/>
           </a:prstGeom>
+          <a:noFill/>
+          <a:extLst>
+            <a:ext uri="{909E8E84-426E-40DD-AFC4-6F175D3DCCD1}">
+              <a14:hiddenFill xmlns:a14="http://schemas.microsoft.com/office/drawing/2010/main">
+                <a:solidFill>
+                  <a:srgbClr val="FFFFFF"/>
+                </a:solidFill>
+              </a14:hiddenFill>
+            </a:ext>
+          </a:extLst>
         </p:spPr>
       </p:pic>
     </p:spTree>
     <p:extLst>
       <p:ext uri="{BB962C8B-B14F-4D97-AF65-F5344CB8AC3E}">
-        <p14:creationId xmlns:p14="http://schemas.microsoft.com/office/powerpoint/2010/main" val="3761570964"/>
+        <p14:creationId xmlns:p14="http://schemas.microsoft.com/office/powerpoint/2010/main" val="1630654450"/>
       </p:ext>
     </p:extLst>
   </p:cSld>
@@ -23672,1261 +23492,6 @@
 </file>
 
 <file path=ppt/slides/slide11.xml><?xml version="1.0" encoding="utf-8"?>
-<p:sld xmlns:a="http://schemas.openxmlformats.org/drawingml/2006/main" xmlns:r="http://schemas.openxmlformats.org/officeDocument/2006/relationships" xmlns:p="http://schemas.openxmlformats.org/presentationml/2006/main">
-  <p:cSld>
-    <p:spTree>
-      <p:nvGrpSpPr>
-        <p:cNvPr id="1" name=""/>
-        <p:cNvGrpSpPr/>
-        <p:nvPr/>
-      </p:nvGrpSpPr>
-      <p:grpSpPr>
-        <a:xfrm>
-          <a:off x="0" y="0"/>
-          <a:ext cx="0" cy="0"/>
-          <a:chOff x="0" y="0"/>
-          <a:chExt cx="0" cy="0"/>
-        </a:xfrm>
-      </p:grpSpPr>
-      <p:sp>
-        <p:nvSpPr>
-          <p:cNvPr id="2" name="Title 1"/>
-          <p:cNvSpPr>
-            <a:spLocks noGrp="1"/>
-          </p:cNvSpPr>
-          <p:nvPr>
-            <p:ph type="title"/>
-          </p:nvPr>
-        </p:nvSpPr>
-        <p:spPr>
-          <a:xfrm>
-            <a:off x="838200" y="8961"/>
-            <a:ext cx="10455111" cy="965477"/>
-          </a:xfrm>
-        </p:spPr>
-        <p:txBody>
-          <a:bodyPr>
-            <a:normAutofit/>
-          </a:bodyPr>
-          <a:lstStyle/>
-          <a:p>
-            <a:pPr algn="ctr"/>
-            <a:r>
-              <a:rPr lang="en-US" sz="3600" dirty="0">
-                <a:latin typeface="Times New Roman" panose="02020603050405020304" pitchFamily="18" charset="0"/>
-                <a:cs typeface="Times New Roman" panose="02020603050405020304" pitchFamily="18" charset="0"/>
-              </a:rPr>
-              <a:t>Results </a:t>
-            </a:r>
-          </a:p>
-        </p:txBody>
-      </p:sp>
-      <p:sp>
-        <p:nvSpPr>
-          <p:cNvPr id="9" name="TextBox 8">
-            <a:extLst>
-              <a:ext uri="{FF2B5EF4-FFF2-40B4-BE49-F238E27FC236}">
-                <a16:creationId xmlns:a16="http://schemas.microsoft.com/office/drawing/2014/main" id="{B18DEF58-9975-4C20-F495-BBE26350E0FF}"/>
-              </a:ext>
-            </a:extLst>
-          </p:cNvPr>
-          <p:cNvSpPr txBox="1"/>
-          <p:nvPr/>
-        </p:nvSpPr>
-        <p:spPr>
-          <a:xfrm>
-            <a:off x="838198" y="829819"/>
-            <a:ext cx="10455111" cy="539378"/>
-          </a:xfrm>
-          <a:prstGeom prst="rect">
-            <a:avLst/>
-          </a:prstGeom>
-          <a:noFill/>
-        </p:spPr>
-        <p:txBody>
-          <a:bodyPr wrap="square">
-            <a:spAutoFit/>
-          </a:bodyPr>
-          <a:lstStyle/>
-          <a:p>
-            <a:pPr marL="342900" indent="-342900" algn="just">
-              <a:lnSpc>
-                <a:spcPct val="150000"/>
-              </a:lnSpc>
-              <a:buFont typeface="Wingdings" panose="05000000000000000000" pitchFamily="2" charset="2"/>
-              <a:buChar char="Ø"/>
-            </a:pPr>
-            <a:r>
-              <a:rPr lang="en-IN" sz="2200" dirty="0">
-                <a:latin typeface="Times New Roman" panose="02020603050405020304" pitchFamily="18" charset="0"/>
-                <a:cs typeface="Times New Roman" panose="02020603050405020304" pitchFamily="18" charset="0"/>
-              </a:rPr>
-              <a:t>Classification reports and the number of instances for each class of VGG16 model</a:t>
-            </a:r>
-          </a:p>
-        </p:txBody>
-      </p:sp>
-      <p:sp>
-        <p:nvSpPr>
-          <p:cNvPr id="3" name="Slide Number Placeholder 2">
-            <a:extLst>
-              <a:ext uri="{FF2B5EF4-FFF2-40B4-BE49-F238E27FC236}">
-                <a16:creationId xmlns:a16="http://schemas.microsoft.com/office/drawing/2014/main" id="{672D51D7-0AF1-4FED-97DA-2D0625A2EC95}"/>
-              </a:ext>
-            </a:extLst>
-          </p:cNvPr>
-          <p:cNvSpPr>
-            <a:spLocks noGrp="1"/>
-          </p:cNvSpPr>
-          <p:nvPr>
-            <p:ph type="sldNum" sz="quarter" idx="12"/>
-          </p:nvPr>
-        </p:nvSpPr>
-        <p:spPr>
-          <a:xfrm>
-            <a:off x="8610600" y="6497753"/>
-            <a:ext cx="2743200" cy="365125"/>
-          </a:xfrm>
-        </p:spPr>
-        <p:txBody>
-          <a:bodyPr/>
-          <a:lstStyle/>
-          <a:p>
-            <a:fld id="{6A59E652-0E2C-4FE0-9038-2A3F05EF4FDC}" type="slidenum">
-              <a:rPr lang="en-IN" sz="1400" smtClean="0">
-                <a:solidFill>
-                  <a:schemeClr val="bg1"/>
-                </a:solidFill>
-              </a:rPr>
-              <a:t>11</a:t>
-            </a:fld>
-            <a:endParaRPr lang="en-IN" dirty="0">
-              <a:solidFill>
-                <a:schemeClr val="bg1"/>
-              </a:solidFill>
-            </a:endParaRPr>
-          </a:p>
-        </p:txBody>
-      </p:sp>
-      <p:graphicFrame>
-        <p:nvGraphicFramePr>
-          <p:cNvPr id="10" name="Table 9">
-            <a:extLst>
-              <a:ext uri="{FF2B5EF4-FFF2-40B4-BE49-F238E27FC236}">
-                <a16:creationId xmlns:a16="http://schemas.microsoft.com/office/drawing/2014/main" id="{793D7509-090B-C25C-8524-4FAF826FD9E5}"/>
-              </a:ext>
-            </a:extLst>
-          </p:cNvPr>
-          <p:cNvGraphicFramePr>
-            <a:graphicFrameLocks noGrp="1"/>
-          </p:cNvGraphicFramePr>
-          <p:nvPr>
-            <p:extLst>
-              <p:ext uri="{D42A27DB-BD31-4B8C-83A1-F6EECF244321}">
-                <p14:modId xmlns:p14="http://schemas.microsoft.com/office/powerpoint/2010/main" val="1336381186"/>
-              </p:ext>
-            </p:extLst>
-          </p:nvPr>
-        </p:nvGraphicFramePr>
-        <p:xfrm>
-          <a:off x="838200" y="1440034"/>
-          <a:ext cx="10515600" cy="4953000"/>
-        </p:xfrm>
-        <a:graphic>
-          <a:graphicData uri="http://schemas.openxmlformats.org/drawingml/2006/table">
-            <a:tbl>
-              <a:tblPr firstRow="1" bandRow="1">
-                <a:tableStyleId>{5C22544A-7EE6-4342-B048-85BDC9FD1C3A}</a:tableStyleId>
-              </a:tblPr>
-              <a:tblGrid>
-                <a:gridCol w="2103120">
-                  <a:extLst>
-                    <a:ext uri="{9D8B030D-6E8A-4147-A177-3AD203B41FA5}">
-                      <a16:colId xmlns:a16="http://schemas.microsoft.com/office/drawing/2014/main" val="1238952297"/>
-                    </a:ext>
-                  </a:extLst>
-                </a:gridCol>
-                <a:gridCol w="2103120">
-                  <a:extLst>
-                    <a:ext uri="{9D8B030D-6E8A-4147-A177-3AD203B41FA5}">
-                      <a16:colId xmlns:a16="http://schemas.microsoft.com/office/drawing/2014/main" val="3574418834"/>
-                    </a:ext>
-                  </a:extLst>
-                </a:gridCol>
-                <a:gridCol w="2103120">
-                  <a:extLst>
-                    <a:ext uri="{9D8B030D-6E8A-4147-A177-3AD203B41FA5}">
-                      <a16:colId xmlns:a16="http://schemas.microsoft.com/office/drawing/2014/main" val="3027501909"/>
-                    </a:ext>
-                  </a:extLst>
-                </a:gridCol>
-                <a:gridCol w="2103120">
-                  <a:extLst>
-                    <a:ext uri="{9D8B030D-6E8A-4147-A177-3AD203B41FA5}">
-                      <a16:colId xmlns:a16="http://schemas.microsoft.com/office/drawing/2014/main" val="3345536183"/>
-                    </a:ext>
-                  </a:extLst>
-                </a:gridCol>
-                <a:gridCol w="2103120">
-                  <a:extLst>
-                    <a:ext uri="{9D8B030D-6E8A-4147-A177-3AD203B41FA5}">
-                      <a16:colId xmlns:a16="http://schemas.microsoft.com/office/drawing/2014/main" val="519677199"/>
-                    </a:ext>
-                  </a:extLst>
-                </a:gridCol>
-              </a:tblGrid>
-              <a:tr h="370840">
-                <a:tc>
-                  <a:txBody>
-                    <a:bodyPr/>
-                    <a:lstStyle/>
-                    <a:p>
-                      <a:pPr algn="ctr"/>
-                      <a:r>
-                        <a:rPr lang="en-US" sz="1900" b="1" dirty="0"/>
-                        <a:t> Class Name</a:t>
-                      </a:r>
-                    </a:p>
-                  </a:txBody>
-                  <a:tcPr/>
-                </a:tc>
-                <a:tc>
-                  <a:txBody>
-                    <a:bodyPr/>
-                    <a:lstStyle/>
-                    <a:p>
-                      <a:pPr algn="ctr"/>
-                      <a:r>
-                        <a:rPr lang="en-US" sz="1900" b="1" dirty="0"/>
-                        <a:t>Precision</a:t>
-                      </a:r>
-                    </a:p>
-                  </a:txBody>
-                  <a:tcPr/>
-                </a:tc>
-                <a:tc>
-                  <a:txBody>
-                    <a:bodyPr/>
-                    <a:lstStyle/>
-                    <a:p>
-                      <a:pPr algn="ctr"/>
-                      <a:r>
-                        <a:rPr lang="en-US" sz="1900" b="1" dirty="0"/>
-                        <a:t>Recall</a:t>
-                      </a:r>
-                    </a:p>
-                  </a:txBody>
-                  <a:tcPr/>
-                </a:tc>
-                <a:tc>
-                  <a:txBody>
-                    <a:bodyPr/>
-                    <a:lstStyle/>
-                    <a:p>
-                      <a:pPr algn="ctr"/>
-                      <a:r>
-                        <a:rPr lang="en-US" sz="1900" b="1" dirty="0"/>
-                        <a:t>F1-Score</a:t>
-                      </a:r>
-                    </a:p>
-                  </a:txBody>
-                  <a:tcPr/>
-                </a:tc>
-                <a:tc>
-                  <a:txBody>
-                    <a:bodyPr/>
-                    <a:lstStyle/>
-                    <a:p>
-                      <a:pPr algn="ctr"/>
-                      <a:r>
-                        <a:rPr lang="en-US" sz="1900" b="1" dirty="0"/>
-                        <a:t>Support</a:t>
-                      </a:r>
-                    </a:p>
-                  </a:txBody>
-                  <a:tcPr/>
-                </a:tc>
-                <a:extLst>
-                  <a:ext uri="{0D108BD9-81ED-4DB2-BD59-A6C34878D82A}">
-                    <a16:rowId xmlns:a16="http://schemas.microsoft.com/office/drawing/2014/main" val="1315789624"/>
-                  </a:ext>
-                </a:extLst>
-              </a:tr>
-              <a:tr h="370840">
-                <a:tc>
-                  <a:txBody>
-                    <a:bodyPr/>
-                    <a:lstStyle/>
-                    <a:p>
-                      <a:pPr algn="ctr"/>
-                      <a:r>
-                        <a:rPr lang="en-US" sz="1900" b="0" i="0" kern="1200" dirty="0">
-                          <a:solidFill>
-                            <a:schemeClr val="dk1"/>
-                          </a:solidFill>
-                          <a:effectLst/>
-                          <a:latin typeface="+mn-lt"/>
-                          <a:ea typeface="+mn-ea"/>
-                          <a:cs typeface="+mn-cs"/>
-                        </a:rPr>
-                        <a:t>Basophil</a:t>
-                      </a:r>
-                      <a:endParaRPr lang="en-US" sz="1900" b="0" dirty="0"/>
-                    </a:p>
-                  </a:txBody>
-                  <a:tcPr/>
-                </a:tc>
-                <a:tc>
-                  <a:txBody>
-                    <a:bodyPr/>
-                    <a:lstStyle/>
-                    <a:p>
-                      <a:pPr algn="ctr"/>
-                      <a:r>
-                        <a:rPr lang="en-US" sz="1900" b="0" dirty="0"/>
-                        <a:t>0.91</a:t>
-                      </a:r>
-                    </a:p>
-                  </a:txBody>
-                  <a:tcPr/>
-                </a:tc>
-                <a:tc>
-                  <a:txBody>
-                    <a:bodyPr/>
-                    <a:lstStyle/>
-                    <a:p>
-                      <a:pPr algn="ctr"/>
-                      <a:r>
-                        <a:rPr lang="en-US" sz="1900" b="0" dirty="0"/>
-                        <a:t>0.95</a:t>
-                      </a:r>
-                    </a:p>
-                  </a:txBody>
-                  <a:tcPr/>
-                </a:tc>
-                <a:tc>
-                  <a:txBody>
-                    <a:bodyPr/>
-                    <a:lstStyle/>
-                    <a:p>
-                      <a:pPr algn="ctr"/>
-                      <a:r>
-                        <a:rPr lang="en-US" sz="1900" b="0" dirty="0"/>
-                        <a:t>0.93</a:t>
-                      </a:r>
-                    </a:p>
-                  </a:txBody>
-                  <a:tcPr/>
-                </a:tc>
-                <a:tc>
-                  <a:txBody>
-                    <a:bodyPr/>
-                    <a:lstStyle/>
-                    <a:p>
-                      <a:pPr algn="ctr"/>
-                      <a:r>
-                        <a:rPr lang="en-US" sz="1900" b="0" dirty="0"/>
-                        <a:t>237</a:t>
-                      </a:r>
-                    </a:p>
-                  </a:txBody>
-                  <a:tcPr/>
-                </a:tc>
-                <a:extLst>
-                  <a:ext uri="{0D108BD9-81ED-4DB2-BD59-A6C34878D82A}">
-                    <a16:rowId xmlns:a16="http://schemas.microsoft.com/office/drawing/2014/main" val="4151421612"/>
-                  </a:ext>
-                </a:extLst>
-              </a:tr>
-              <a:tr h="370840">
-                <a:tc>
-                  <a:txBody>
-                    <a:bodyPr/>
-                    <a:lstStyle/>
-                    <a:p>
-                      <a:pPr algn="ctr"/>
-                      <a:r>
-                        <a:rPr lang="en-US" sz="1900" b="0" i="0" kern="1200" dirty="0">
-                          <a:solidFill>
-                            <a:schemeClr val="dk1"/>
-                          </a:solidFill>
-                          <a:effectLst/>
-                          <a:latin typeface="+mn-lt"/>
-                          <a:ea typeface="+mn-ea"/>
-                          <a:cs typeface="+mn-cs"/>
-                        </a:rPr>
-                        <a:t>Eosinophil</a:t>
-                      </a:r>
-                      <a:endParaRPr lang="en-US" sz="1900" b="0" dirty="0"/>
-                    </a:p>
-                  </a:txBody>
-                  <a:tcPr/>
-                </a:tc>
-                <a:tc>
-                  <a:txBody>
-                    <a:bodyPr/>
-                    <a:lstStyle/>
-                    <a:p>
-                      <a:pPr algn="ctr"/>
-                      <a:r>
-                        <a:rPr lang="en-US" sz="1900" b="0" dirty="0"/>
-                        <a:t>0.95</a:t>
-                      </a:r>
-                    </a:p>
-                  </a:txBody>
-                  <a:tcPr/>
-                </a:tc>
-                <a:tc>
-                  <a:txBody>
-                    <a:bodyPr/>
-                    <a:lstStyle/>
-                    <a:p>
-                      <a:pPr algn="ctr"/>
-                      <a:r>
-                        <a:rPr lang="en-US" sz="1900" b="0" dirty="0"/>
-                        <a:t>0.98</a:t>
-                      </a:r>
-                    </a:p>
-                  </a:txBody>
-                  <a:tcPr/>
-                </a:tc>
-                <a:tc>
-                  <a:txBody>
-                    <a:bodyPr/>
-                    <a:lstStyle/>
-                    <a:p>
-                      <a:pPr algn="ctr"/>
-                      <a:r>
-                        <a:rPr lang="en-US" sz="1900" b="0" dirty="0"/>
-                        <a:t>0.97</a:t>
-                      </a:r>
-                    </a:p>
-                  </a:txBody>
-                  <a:tcPr/>
-                </a:tc>
-                <a:tc>
-                  <a:txBody>
-                    <a:bodyPr/>
-                    <a:lstStyle/>
-                    <a:p>
-                      <a:pPr algn="ctr"/>
-                      <a:r>
-                        <a:rPr lang="en-US" sz="1900" b="0" dirty="0"/>
-                        <a:t>596</a:t>
-                      </a:r>
-                    </a:p>
-                  </a:txBody>
-                  <a:tcPr/>
-                </a:tc>
-                <a:extLst>
-                  <a:ext uri="{0D108BD9-81ED-4DB2-BD59-A6C34878D82A}">
-                    <a16:rowId xmlns:a16="http://schemas.microsoft.com/office/drawing/2014/main" val="928748915"/>
-                  </a:ext>
-                </a:extLst>
-              </a:tr>
-              <a:tr h="370840">
-                <a:tc>
-                  <a:txBody>
-                    <a:bodyPr/>
-                    <a:lstStyle/>
-                    <a:p>
-                      <a:pPr algn="ctr"/>
-                      <a:r>
-                        <a:rPr lang="en-US" sz="1900" b="0" i="0" kern="1200" dirty="0">
-                          <a:solidFill>
-                            <a:schemeClr val="dk1"/>
-                          </a:solidFill>
-                          <a:effectLst/>
-                          <a:latin typeface="+mn-lt"/>
-                          <a:ea typeface="+mn-ea"/>
-                          <a:cs typeface="+mn-cs"/>
-                        </a:rPr>
-                        <a:t>Erythroblast</a:t>
-                      </a:r>
-                      <a:endParaRPr lang="en-US" sz="1900" b="0" dirty="0"/>
-                    </a:p>
-                  </a:txBody>
-                  <a:tcPr/>
-                </a:tc>
-                <a:tc>
-                  <a:txBody>
-                    <a:bodyPr/>
-                    <a:lstStyle/>
-                    <a:p>
-                      <a:pPr algn="ctr"/>
-                      <a:r>
-                        <a:rPr lang="en-US" sz="1900" b="0" dirty="0"/>
-                        <a:t>0.91</a:t>
-                      </a:r>
-                    </a:p>
-                  </a:txBody>
-                  <a:tcPr/>
-                </a:tc>
-                <a:tc>
-                  <a:txBody>
-                    <a:bodyPr/>
-                    <a:lstStyle/>
-                    <a:p>
-                      <a:pPr algn="ctr"/>
-                      <a:r>
-                        <a:rPr lang="en-US" sz="1900" b="0" dirty="0"/>
-                        <a:t>0.96</a:t>
-                      </a:r>
-                    </a:p>
-                  </a:txBody>
-                  <a:tcPr/>
-                </a:tc>
-                <a:tc>
-                  <a:txBody>
-                    <a:bodyPr/>
-                    <a:lstStyle/>
-                    <a:p>
-                      <a:pPr algn="ctr"/>
-                      <a:r>
-                        <a:rPr lang="en-US" sz="1900" b="0" dirty="0"/>
-                        <a:t>0.94</a:t>
-                      </a:r>
-                    </a:p>
-                  </a:txBody>
-                  <a:tcPr/>
-                </a:tc>
-                <a:tc>
-                  <a:txBody>
-                    <a:bodyPr/>
-                    <a:lstStyle/>
-                    <a:p>
-                      <a:pPr algn="ctr"/>
-                      <a:r>
-                        <a:rPr lang="en-US" sz="1900" b="0" dirty="0"/>
-                        <a:t>294</a:t>
-                      </a:r>
-                    </a:p>
-                  </a:txBody>
-                  <a:tcPr/>
-                </a:tc>
-                <a:extLst>
-                  <a:ext uri="{0D108BD9-81ED-4DB2-BD59-A6C34878D82A}">
-                    <a16:rowId xmlns:a16="http://schemas.microsoft.com/office/drawing/2014/main" val="1016012297"/>
-                  </a:ext>
-                </a:extLst>
-              </a:tr>
-              <a:tr h="370840">
-                <a:tc>
-                  <a:txBody>
-                    <a:bodyPr/>
-                    <a:lstStyle/>
-                    <a:p>
-                      <a:pPr algn="ctr"/>
-                      <a:r>
-                        <a:rPr lang="en-US" sz="1900" b="0" dirty="0"/>
-                        <a:t>Ig</a:t>
-                      </a:r>
-                    </a:p>
-                  </a:txBody>
-                  <a:tcPr/>
-                </a:tc>
-                <a:tc>
-                  <a:txBody>
-                    <a:bodyPr/>
-                    <a:lstStyle/>
-                    <a:p>
-                      <a:pPr algn="ctr"/>
-                      <a:r>
-                        <a:rPr lang="en-US" sz="1900" b="0" dirty="0"/>
-                        <a:t>0.89</a:t>
-                      </a:r>
-                    </a:p>
-                  </a:txBody>
-                  <a:tcPr/>
-                </a:tc>
-                <a:tc>
-                  <a:txBody>
-                    <a:bodyPr/>
-                    <a:lstStyle/>
-                    <a:p>
-                      <a:pPr algn="ctr"/>
-                      <a:r>
-                        <a:rPr lang="en-US" sz="1900" b="0" dirty="0"/>
-                        <a:t>0.88</a:t>
-                      </a:r>
-                    </a:p>
-                  </a:txBody>
-                  <a:tcPr/>
-                </a:tc>
-                <a:tc>
-                  <a:txBody>
-                    <a:bodyPr/>
-                    <a:lstStyle/>
-                    <a:p>
-                      <a:pPr algn="ctr"/>
-                      <a:r>
-                        <a:rPr lang="en-US" sz="1900" b="0" dirty="0"/>
-                        <a:t>0.88</a:t>
-                      </a:r>
-                    </a:p>
-                  </a:txBody>
-                  <a:tcPr/>
-                </a:tc>
-                <a:tc>
-                  <a:txBody>
-                    <a:bodyPr/>
-                    <a:lstStyle/>
-                    <a:p>
-                      <a:pPr algn="ctr"/>
-                      <a:r>
-                        <a:rPr lang="en-US" sz="1900" b="0" dirty="0"/>
-                        <a:t>602</a:t>
-                      </a:r>
-                    </a:p>
-                  </a:txBody>
-                  <a:tcPr/>
-                </a:tc>
-                <a:extLst>
-                  <a:ext uri="{0D108BD9-81ED-4DB2-BD59-A6C34878D82A}">
-                    <a16:rowId xmlns:a16="http://schemas.microsoft.com/office/drawing/2014/main" val="3572037674"/>
-                  </a:ext>
-                </a:extLst>
-              </a:tr>
-              <a:tr h="370840">
-                <a:tc>
-                  <a:txBody>
-                    <a:bodyPr/>
-                    <a:lstStyle/>
-                    <a:p>
-                      <a:pPr algn="ctr"/>
-                      <a:r>
-                        <a:rPr lang="en-US" sz="1900" b="0" i="0" kern="1200" dirty="0">
-                          <a:solidFill>
-                            <a:schemeClr val="dk1"/>
-                          </a:solidFill>
-                          <a:effectLst/>
-                          <a:latin typeface="+mn-lt"/>
-                          <a:ea typeface="+mn-ea"/>
-                          <a:cs typeface="+mn-cs"/>
-                        </a:rPr>
-                        <a:t>Lymphocyte</a:t>
-                      </a:r>
-                      <a:endParaRPr lang="en-US" sz="1900" b="0" dirty="0"/>
-                    </a:p>
-                  </a:txBody>
-                  <a:tcPr/>
-                </a:tc>
-                <a:tc>
-                  <a:txBody>
-                    <a:bodyPr/>
-                    <a:lstStyle/>
-                    <a:p>
-                      <a:pPr algn="ctr"/>
-                      <a:r>
-                        <a:rPr lang="en-US" sz="1900" b="0" dirty="0"/>
-                        <a:t>0.96</a:t>
-                      </a:r>
-                    </a:p>
-                  </a:txBody>
-                  <a:tcPr/>
-                </a:tc>
-                <a:tc>
-                  <a:txBody>
-                    <a:bodyPr/>
-                    <a:lstStyle/>
-                    <a:p>
-                      <a:pPr algn="ctr"/>
-                      <a:r>
-                        <a:rPr lang="en-US" sz="1900" b="0" dirty="0"/>
-                        <a:t>0.88</a:t>
-                      </a:r>
-                    </a:p>
-                  </a:txBody>
-                  <a:tcPr/>
-                </a:tc>
-                <a:tc>
-                  <a:txBody>
-                    <a:bodyPr/>
-                    <a:lstStyle/>
-                    <a:p>
-                      <a:pPr algn="ctr"/>
-                      <a:r>
-                        <a:rPr lang="en-US" sz="1900" b="0" dirty="0"/>
-                        <a:t>0.92</a:t>
-                      </a:r>
-                    </a:p>
-                  </a:txBody>
-                  <a:tcPr/>
-                </a:tc>
-                <a:tc>
-                  <a:txBody>
-                    <a:bodyPr/>
-                    <a:lstStyle/>
-                    <a:p>
-                      <a:pPr algn="ctr"/>
-                      <a:r>
-                        <a:rPr lang="en-US" sz="1900" b="0" dirty="0"/>
-                        <a:t>241</a:t>
-                      </a:r>
-                    </a:p>
-                  </a:txBody>
-                  <a:tcPr/>
-                </a:tc>
-                <a:extLst>
-                  <a:ext uri="{0D108BD9-81ED-4DB2-BD59-A6C34878D82A}">
-                    <a16:rowId xmlns:a16="http://schemas.microsoft.com/office/drawing/2014/main" val="2735912932"/>
-                  </a:ext>
-                </a:extLst>
-              </a:tr>
-              <a:tr h="370840">
-                <a:tc>
-                  <a:txBody>
-                    <a:bodyPr/>
-                    <a:lstStyle/>
-                    <a:p>
-                      <a:pPr algn="ctr"/>
-                      <a:r>
-                        <a:rPr lang="en-US" sz="1900" b="0" i="0" kern="1200" dirty="0">
-                          <a:solidFill>
-                            <a:schemeClr val="dk1"/>
-                          </a:solidFill>
-                          <a:effectLst/>
-                          <a:latin typeface="+mn-lt"/>
-                          <a:ea typeface="+mn-ea"/>
-                          <a:cs typeface="+mn-cs"/>
-                        </a:rPr>
-                        <a:t>Monocyte</a:t>
-                      </a:r>
-                      <a:endParaRPr lang="en-US" sz="1900" b="0" dirty="0"/>
-                    </a:p>
-                  </a:txBody>
-                  <a:tcPr/>
-                </a:tc>
-                <a:tc>
-                  <a:txBody>
-                    <a:bodyPr/>
-                    <a:lstStyle/>
-                    <a:p>
-                      <a:pPr algn="ctr"/>
-                      <a:r>
-                        <a:rPr lang="en-US" sz="1900" b="0" dirty="0"/>
-                        <a:t>0.89</a:t>
-                      </a:r>
-                    </a:p>
-                  </a:txBody>
-                  <a:tcPr/>
-                </a:tc>
-                <a:tc>
-                  <a:txBody>
-                    <a:bodyPr/>
-                    <a:lstStyle/>
-                    <a:p>
-                      <a:pPr algn="ctr"/>
-                      <a:r>
-                        <a:rPr lang="en-US" sz="1900" b="0" dirty="0"/>
-                        <a:t>0.84</a:t>
-                      </a:r>
-                    </a:p>
-                  </a:txBody>
-                  <a:tcPr/>
-                </a:tc>
-                <a:tc>
-                  <a:txBody>
-                    <a:bodyPr/>
-                    <a:lstStyle/>
-                    <a:p>
-                      <a:pPr algn="ctr"/>
-                      <a:r>
-                        <a:rPr lang="en-US" sz="1900" b="0" dirty="0"/>
-                        <a:t>0.86</a:t>
-                      </a:r>
-                    </a:p>
-                  </a:txBody>
-                  <a:tcPr/>
-                </a:tc>
-                <a:tc>
-                  <a:txBody>
-                    <a:bodyPr/>
-                    <a:lstStyle/>
-                    <a:p>
-                      <a:pPr algn="ctr"/>
-                      <a:r>
-                        <a:rPr lang="en-US" sz="1900" b="0" dirty="0"/>
-                        <a:t>307</a:t>
-                      </a:r>
-                    </a:p>
-                  </a:txBody>
-                  <a:tcPr/>
-                </a:tc>
-                <a:extLst>
-                  <a:ext uri="{0D108BD9-81ED-4DB2-BD59-A6C34878D82A}">
-                    <a16:rowId xmlns:a16="http://schemas.microsoft.com/office/drawing/2014/main" val="1045716962"/>
-                  </a:ext>
-                </a:extLst>
-              </a:tr>
-              <a:tr h="370840">
-                <a:tc>
-                  <a:txBody>
-                    <a:bodyPr/>
-                    <a:lstStyle/>
-                    <a:p>
-                      <a:pPr algn="ctr"/>
-                      <a:r>
-                        <a:rPr lang="en-US" sz="1900" b="0" i="0" kern="1200" dirty="0">
-                          <a:solidFill>
-                            <a:schemeClr val="dk1"/>
-                          </a:solidFill>
-                          <a:effectLst/>
-                          <a:latin typeface="+mn-lt"/>
-                          <a:ea typeface="+mn-ea"/>
-                          <a:cs typeface="+mn-cs"/>
-                        </a:rPr>
-                        <a:t>Neutrophil</a:t>
-                      </a:r>
-                      <a:endParaRPr lang="en-US" sz="1900" b="0" dirty="0"/>
-                    </a:p>
-                  </a:txBody>
-                  <a:tcPr/>
-                </a:tc>
-                <a:tc>
-                  <a:txBody>
-                    <a:bodyPr/>
-                    <a:lstStyle/>
-                    <a:p>
-                      <a:pPr algn="ctr"/>
-                      <a:r>
-                        <a:rPr lang="en-US" sz="1900" b="0" dirty="0"/>
-                        <a:t>0.94</a:t>
-                      </a:r>
-                    </a:p>
-                  </a:txBody>
-                  <a:tcPr/>
-                </a:tc>
-                <a:tc>
-                  <a:txBody>
-                    <a:bodyPr/>
-                    <a:lstStyle/>
-                    <a:p>
-                      <a:pPr algn="ctr"/>
-                      <a:r>
-                        <a:rPr lang="en-US" sz="1900" b="0" dirty="0"/>
-                        <a:t>0.95</a:t>
-                      </a:r>
-                    </a:p>
-                  </a:txBody>
-                  <a:tcPr/>
-                </a:tc>
-                <a:tc>
-                  <a:txBody>
-                    <a:bodyPr/>
-                    <a:lstStyle/>
-                    <a:p>
-                      <a:pPr algn="ctr"/>
-                      <a:r>
-                        <a:rPr lang="en-US" sz="1900" b="0" dirty="0"/>
-                        <a:t>0.94</a:t>
-                      </a:r>
-                    </a:p>
-                  </a:txBody>
-                  <a:tcPr/>
-                </a:tc>
-                <a:tc>
-                  <a:txBody>
-                    <a:bodyPr/>
-                    <a:lstStyle/>
-                    <a:p>
-                      <a:pPr algn="ctr"/>
-                      <a:r>
-                        <a:rPr lang="en-US" sz="1900" b="0" dirty="0"/>
-                        <a:t>679</a:t>
-                      </a:r>
-                    </a:p>
-                  </a:txBody>
-                  <a:tcPr/>
-                </a:tc>
-                <a:extLst>
-                  <a:ext uri="{0D108BD9-81ED-4DB2-BD59-A6C34878D82A}">
-                    <a16:rowId xmlns:a16="http://schemas.microsoft.com/office/drawing/2014/main" val="4110005611"/>
-                  </a:ext>
-                </a:extLst>
-              </a:tr>
-              <a:tr h="370840">
-                <a:tc>
-                  <a:txBody>
-                    <a:bodyPr/>
-                    <a:lstStyle/>
-                    <a:p>
-                      <a:pPr algn="ctr"/>
-                      <a:r>
-                        <a:rPr lang="en-US" sz="1900" b="0" dirty="0"/>
-                        <a:t>Platelet</a:t>
-                      </a:r>
-                    </a:p>
-                  </a:txBody>
-                  <a:tcPr/>
-                </a:tc>
-                <a:tc>
-                  <a:txBody>
-                    <a:bodyPr/>
-                    <a:lstStyle/>
-                    <a:p>
-                      <a:pPr algn="ctr"/>
-                      <a:r>
-                        <a:rPr lang="en-US" sz="1900" b="0" dirty="0"/>
-                        <a:t>0.99</a:t>
-                      </a:r>
-                    </a:p>
-                  </a:txBody>
-                  <a:tcPr/>
-                </a:tc>
-                <a:tc>
-                  <a:txBody>
-                    <a:bodyPr/>
-                    <a:lstStyle/>
-                    <a:p>
-                      <a:pPr algn="ctr"/>
-                      <a:r>
-                        <a:rPr lang="en-US" sz="1900" b="0" dirty="0"/>
-                        <a:t>1.00</a:t>
-                      </a:r>
-                    </a:p>
-                  </a:txBody>
-                  <a:tcPr/>
-                </a:tc>
-                <a:tc>
-                  <a:txBody>
-                    <a:bodyPr/>
-                    <a:lstStyle/>
-                    <a:p>
-                      <a:pPr algn="ctr"/>
-                      <a:r>
-                        <a:rPr lang="en-US" sz="1900" b="0" dirty="0"/>
-                        <a:t>0.99</a:t>
-                      </a:r>
-                    </a:p>
-                  </a:txBody>
-                  <a:tcPr/>
-                </a:tc>
-                <a:tc>
-                  <a:txBody>
-                    <a:bodyPr/>
-                    <a:lstStyle/>
-                    <a:p>
-                      <a:pPr algn="ctr"/>
-                      <a:r>
-                        <a:rPr lang="en-US" sz="1900" b="0" dirty="0"/>
-                        <a:t>462</a:t>
-                      </a:r>
-                    </a:p>
-                  </a:txBody>
-                  <a:tcPr/>
-                </a:tc>
-                <a:extLst>
-                  <a:ext uri="{0D108BD9-81ED-4DB2-BD59-A6C34878D82A}">
-                    <a16:rowId xmlns:a16="http://schemas.microsoft.com/office/drawing/2014/main" val="4089496541"/>
-                  </a:ext>
-                </a:extLst>
-              </a:tr>
-              <a:tr h="370840">
-                <a:tc gridSpan="5">
-                  <a:txBody>
-                    <a:bodyPr/>
-                    <a:lstStyle/>
-                    <a:p>
-                      <a:pPr algn="ctr"/>
-                      <a:endParaRPr lang="en-US" sz="1900" b="0" dirty="0"/>
-                    </a:p>
-                  </a:txBody>
-                  <a:tcPr/>
-                </a:tc>
-                <a:tc hMerge="1">
-                  <a:txBody>
-                    <a:bodyPr/>
-                    <a:lstStyle/>
-                    <a:p>
-                      <a:pPr algn="ctr"/>
-                      <a:endParaRPr lang="en-US" b="0" dirty="0"/>
-                    </a:p>
-                  </a:txBody>
-                  <a:tcPr/>
-                </a:tc>
-                <a:tc hMerge="1">
-                  <a:txBody>
-                    <a:bodyPr/>
-                    <a:lstStyle/>
-                    <a:p>
-                      <a:pPr algn="ctr"/>
-                      <a:endParaRPr lang="en-US" b="0" dirty="0"/>
-                    </a:p>
-                  </a:txBody>
-                  <a:tcPr/>
-                </a:tc>
-                <a:tc hMerge="1">
-                  <a:txBody>
-                    <a:bodyPr/>
-                    <a:lstStyle/>
-                    <a:p>
-                      <a:pPr algn="ctr"/>
-                      <a:endParaRPr lang="en-US" b="0" dirty="0"/>
-                    </a:p>
-                  </a:txBody>
-                  <a:tcPr/>
-                </a:tc>
-                <a:tc hMerge="1">
-                  <a:txBody>
-                    <a:bodyPr/>
-                    <a:lstStyle/>
-                    <a:p>
-                      <a:pPr algn="ctr"/>
-                      <a:endParaRPr lang="en-US" b="0" dirty="0"/>
-                    </a:p>
-                  </a:txBody>
-                  <a:tcPr/>
-                </a:tc>
-                <a:extLst>
-                  <a:ext uri="{0D108BD9-81ED-4DB2-BD59-A6C34878D82A}">
-                    <a16:rowId xmlns:a16="http://schemas.microsoft.com/office/drawing/2014/main" val="4130328901"/>
-                  </a:ext>
-                </a:extLst>
-              </a:tr>
-              <a:tr h="370840">
-                <a:tc>
-                  <a:txBody>
-                    <a:bodyPr/>
-                    <a:lstStyle/>
-                    <a:p>
-                      <a:pPr algn="ctr"/>
-                      <a:r>
-                        <a:rPr lang="en-US" sz="1900" b="0" dirty="0"/>
-                        <a:t>Accuracy</a:t>
-                      </a:r>
-                    </a:p>
-                  </a:txBody>
-                  <a:tcPr/>
-                </a:tc>
-                <a:tc gridSpan="2">
-                  <a:txBody>
-                    <a:bodyPr/>
-                    <a:lstStyle/>
-                    <a:p>
-                      <a:pPr algn="ctr"/>
-                      <a:endParaRPr lang="en-US" sz="1900" b="0" dirty="0"/>
-                    </a:p>
-                  </a:txBody>
-                  <a:tcPr/>
-                </a:tc>
-                <a:tc hMerge="1">
-                  <a:txBody>
-                    <a:bodyPr/>
-                    <a:lstStyle/>
-                    <a:p>
-                      <a:pPr algn="ctr"/>
-                      <a:endParaRPr lang="en-US" b="0" dirty="0"/>
-                    </a:p>
-                  </a:txBody>
-                  <a:tcPr/>
-                </a:tc>
-                <a:tc>
-                  <a:txBody>
-                    <a:bodyPr/>
-                    <a:lstStyle/>
-                    <a:p>
-                      <a:pPr algn="ctr"/>
-                      <a:r>
-                        <a:rPr lang="en-US" sz="1900" b="0" dirty="0"/>
-                        <a:t>0.93</a:t>
-                      </a:r>
-                    </a:p>
-                  </a:txBody>
-                  <a:tcPr/>
-                </a:tc>
-                <a:tc>
-                  <a:txBody>
-                    <a:bodyPr/>
-                    <a:lstStyle/>
-                    <a:p>
-                      <a:pPr algn="ctr"/>
-                      <a:r>
-                        <a:rPr lang="en-US" sz="1900" b="0" dirty="0"/>
-                        <a:t>3418</a:t>
-                      </a:r>
-                    </a:p>
-                  </a:txBody>
-                  <a:tcPr/>
-                </a:tc>
-                <a:extLst>
-                  <a:ext uri="{0D108BD9-81ED-4DB2-BD59-A6C34878D82A}">
-                    <a16:rowId xmlns:a16="http://schemas.microsoft.com/office/drawing/2014/main" val="620345885"/>
-                  </a:ext>
-                </a:extLst>
-              </a:tr>
-              <a:tr h="370840">
-                <a:tc>
-                  <a:txBody>
-                    <a:bodyPr/>
-                    <a:lstStyle/>
-                    <a:p>
-                      <a:pPr algn="ctr"/>
-                      <a:r>
-                        <a:rPr lang="en-US" sz="1900" b="0" dirty="0"/>
-                        <a:t>macro avg </a:t>
-                      </a:r>
-                    </a:p>
-                  </a:txBody>
-                  <a:tcPr/>
-                </a:tc>
-                <a:tc>
-                  <a:txBody>
-                    <a:bodyPr/>
-                    <a:lstStyle/>
-                    <a:p>
-                      <a:pPr algn="ctr"/>
-                      <a:r>
-                        <a:rPr lang="en-US" sz="1900" b="0" dirty="0"/>
-                        <a:t>0.93</a:t>
-                      </a:r>
-                    </a:p>
-                  </a:txBody>
-                  <a:tcPr/>
-                </a:tc>
-                <a:tc>
-                  <a:txBody>
-                    <a:bodyPr/>
-                    <a:lstStyle/>
-                    <a:p>
-                      <a:pPr algn="ctr"/>
-                      <a:r>
-                        <a:rPr lang="en-US" sz="1900" b="0" dirty="0"/>
-                        <a:t>0.93</a:t>
-                      </a:r>
-                    </a:p>
-                  </a:txBody>
-                  <a:tcPr/>
-                </a:tc>
-                <a:tc>
-                  <a:txBody>
-                    <a:bodyPr/>
-                    <a:lstStyle/>
-                    <a:p>
-                      <a:pPr algn="ctr"/>
-                      <a:r>
-                        <a:rPr lang="en-US" sz="1900" b="0" dirty="0"/>
-                        <a:t>0.93</a:t>
-                      </a:r>
-                    </a:p>
-                  </a:txBody>
-                  <a:tcPr/>
-                </a:tc>
-                <a:tc>
-                  <a:txBody>
-                    <a:bodyPr/>
-                    <a:lstStyle/>
-                    <a:p>
-                      <a:pPr algn="ctr"/>
-                      <a:r>
-                        <a:rPr lang="en-US" sz="1900" b="0" dirty="0"/>
-                        <a:t>3418</a:t>
-                      </a:r>
-                    </a:p>
-                  </a:txBody>
-                  <a:tcPr/>
-                </a:tc>
-                <a:extLst>
-                  <a:ext uri="{0D108BD9-81ED-4DB2-BD59-A6C34878D82A}">
-                    <a16:rowId xmlns:a16="http://schemas.microsoft.com/office/drawing/2014/main" val="3972015123"/>
-                  </a:ext>
-                </a:extLst>
-              </a:tr>
-              <a:tr h="370840">
-                <a:tc>
-                  <a:txBody>
-                    <a:bodyPr/>
-                    <a:lstStyle/>
-                    <a:p>
-                      <a:pPr algn="ctr"/>
-                      <a:r>
-                        <a:rPr lang="en-US" sz="1900" b="0" dirty="0"/>
-                        <a:t>weighted avg</a:t>
-                      </a:r>
-                    </a:p>
-                  </a:txBody>
-                  <a:tcPr/>
-                </a:tc>
-                <a:tc>
-                  <a:txBody>
-                    <a:bodyPr/>
-                    <a:lstStyle/>
-                    <a:p>
-                      <a:pPr algn="ctr"/>
-                      <a:r>
-                        <a:rPr lang="en-US" sz="1900" b="0" dirty="0"/>
-                        <a:t>0.93</a:t>
-                      </a:r>
-                    </a:p>
-                  </a:txBody>
-                  <a:tcPr/>
-                </a:tc>
-                <a:tc>
-                  <a:txBody>
-                    <a:bodyPr/>
-                    <a:lstStyle/>
-                    <a:p>
-                      <a:pPr algn="ctr"/>
-                      <a:r>
-                        <a:rPr lang="en-US" sz="1900" b="0" dirty="0"/>
-                        <a:t>0.93</a:t>
-                      </a:r>
-                    </a:p>
-                  </a:txBody>
-                  <a:tcPr/>
-                </a:tc>
-                <a:tc>
-                  <a:txBody>
-                    <a:bodyPr/>
-                    <a:lstStyle/>
-                    <a:p>
-                      <a:pPr algn="ctr"/>
-                      <a:r>
-                        <a:rPr lang="en-US" sz="1900" b="0" dirty="0"/>
-                        <a:t>0.93</a:t>
-                      </a:r>
-                    </a:p>
-                  </a:txBody>
-                  <a:tcPr/>
-                </a:tc>
-                <a:tc>
-                  <a:txBody>
-                    <a:bodyPr/>
-                    <a:lstStyle/>
-                    <a:p>
-                      <a:pPr algn="ctr"/>
-                      <a:r>
-                        <a:rPr lang="en-US" sz="1900" b="0" dirty="0"/>
-                        <a:t>3418</a:t>
-                      </a:r>
-                    </a:p>
-                  </a:txBody>
-                  <a:tcPr/>
-                </a:tc>
-                <a:extLst>
-                  <a:ext uri="{0D108BD9-81ED-4DB2-BD59-A6C34878D82A}">
-                    <a16:rowId xmlns:a16="http://schemas.microsoft.com/office/drawing/2014/main" val="2879760929"/>
-                  </a:ext>
-                </a:extLst>
-              </a:tr>
-            </a:tbl>
-          </a:graphicData>
-        </a:graphic>
-      </p:graphicFrame>
-    </p:spTree>
-    <p:extLst>
-      <p:ext uri="{BB962C8B-B14F-4D97-AF65-F5344CB8AC3E}">
-        <p14:creationId xmlns:p14="http://schemas.microsoft.com/office/powerpoint/2010/main" val="3560813357"/>
-      </p:ext>
-    </p:extLst>
-  </p:cSld>
-  <p:clrMapOvr>
-    <a:masterClrMapping/>
-  </p:clrMapOvr>
-</p:sld>
-</file>
-
-<file path=ppt/slides/slide12.xml><?xml version="1.0" encoding="utf-8"?>
 <p:sld xmlns:a="http://schemas.openxmlformats.org/drawingml/2006/main" xmlns:r="http://schemas.openxmlformats.org/officeDocument/2006/relationships" xmlns:p="http://schemas.openxmlformats.org/presentationml/2006/main">
   <p:cSld>
     <p:spTree>
@@ -24967,9 +23532,9 @@
           <a:p>
             <a:pPr algn="ctr"/>
             <a:r>
-              <a:rPr lang="en-US" sz="3600" dirty="0">
-                <a:latin typeface="Arial" panose="020B0604020202020204" pitchFamily="34" charset="0"/>
-                <a:cs typeface="Arial" panose="020B0604020202020204" pitchFamily="34" charset="0"/>
+              <a:rPr lang="en-US" sz="3600" b="1" dirty="0">
+                <a:latin typeface="Times New Roman" panose="02020603050405020304" pitchFamily="18" charset="0"/>
+                <a:cs typeface="Times New Roman" panose="02020603050405020304" pitchFamily="18" charset="0"/>
               </a:rPr>
               <a:t>Conclusion &amp; Future Direction</a:t>
             </a:r>
@@ -24988,8 +23553,8 @@
         </p:nvSpPr>
         <p:spPr>
           <a:xfrm>
-            <a:off x="904972" y="701094"/>
-            <a:ext cx="10369485" cy="5787233"/>
+            <a:off x="904972" y="943469"/>
+            <a:ext cx="10369485" cy="5038690"/>
           </a:xfrm>
         </p:spPr>
         <p:txBody>
@@ -25000,7 +23565,7 @@
           <a:p>
             <a:pPr marL="285750" indent="-285750" algn="just">
               <a:lnSpc>
-                <a:spcPct val="150000"/>
+                <a:spcPct val="100000"/>
               </a:lnSpc>
               <a:buFont typeface="Arial" panose="020B0604020202020204" pitchFamily="34" charset="0"/>
               <a:buChar char="•"/>
@@ -25010,13 +23575,13 @@
                 <a:latin typeface="Times New Roman" panose="02020603050405020304" pitchFamily="18" charset="0"/>
                 <a:cs typeface="Times New Roman" panose="02020603050405020304" pitchFamily="18" charset="0"/>
               </a:rPr>
-              <a:t>This project showed that deep learning models, including deep neural networks (DNNs), convolutional neural networks (CNNs), and ResNet50, can accurately tell apart different types of white blood cells from images. </a:t>
+              <a:t>In conclusion, the "DEEP-VOICE" system demonstrates the potential of machine learning models to detect AI-generated speech effectively, especially in real-time scenarios. </a:t>
             </a:r>
           </a:p>
           <a:p>
             <a:pPr marL="285750" indent="-285750" algn="just">
               <a:lnSpc>
-                <a:spcPct val="150000"/>
+                <a:spcPct val="100000"/>
               </a:lnSpc>
               <a:buFont typeface="Arial" panose="020B0604020202020204" pitchFamily="34" charset="0"/>
               <a:buChar char="•"/>
@@ -25026,24 +23591,38 @@
                 <a:latin typeface="Times New Roman" panose="02020603050405020304" pitchFamily="18" charset="0"/>
                 <a:cs typeface="Times New Roman" panose="02020603050405020304" pitchFamily="18" charset="0"/>
               </a:rPr>
-              <a:t>The high accuracy we achieved proves that using pre-trained models for medical image tasks works well and can help improve how we diagnose blood-related conditions.</a:t>
+              <a:t>This work contributes to safe guarding communication channels by improving the ability to identify synthetic voices and reducing the risks associated with DeepFake voice technology.</a:t>
             </a:r>
           </a:p>
           <a:p>
             <a:pPr marL="285750" indent="-285750" algn="just">
               <a:lnSpc>
-                <a:spcPct val="150000"/>
+                <a:spcPct val="100000"/>
               </a:lnSpc>
               <a:buFont typeface="Arial" panose="020B0604020202020204" pitchFamily="34" charset="0"/>
               <a:buChar char="•"/>
             </a:pPr>
             <a:r>
-              <a:rPr lang="en-US" sz="2400" dirty="0">
-                <a:latin typeface="Times New Roman" panose="02020603050405020304" pitchFamily="18" charset="0"/>
-                <a:cs typeface="Times New Roman" panose="02020603050405020304" pitchFamily="18" charset="0"/>
-              </a:rPr>
-              <a:t>In the future, additional models will be compared to determine the best one for classifying white blood cells. These findings will be submitted to a conference, contributing to advancements in medical image analysis and potentially improving clinical practices.</a:t>
+              <a:rPr lang="en-US" sz="2400" dirty="0"/>
+              <a:t>For future work, the system can be improved by using more advanced models trained on diverse real-world audio. </a:t>
             </a:r>
+          </a:p>
+          <a:p>
+            <a:pPr marL="285750" indent="-285750" algn="just">
+              <a:lnSpc>
+                <a:spcPct val="100000"/>
+              </a:lnSpc>
+              <a:buFont typeface="Arial" panose="020B0604020202020204" pitchFamily="34" charset="0"/>
+              <a:buChar char="•"/>
+            </a:pPr>
+            <a:r>
+              <a:rPr lang="en-US" sz="2400" dirty="0"/>
+              <a:t>Expanding detection to include hybrid or partially manipulated voices will further strengthen its capabilities.</a:t>
+            </a:r>
+            <a:endParaRPr lang="en-US" sz="3600" dirty="0">
+              <a:latin typeface="Times New Roman" panose="02020603050405020304" pitchFamily="18" charset="0"/>
+              <a:cs typeface="Times New Roman" panose="02020603050405020304" pitchFamily="18" charset="0"/>
+            </a:endParaRPr>
           </a:p>
         </p:txBody>
       </p:sp>
@@ -25074,17 +23653,21 @@
           <a:lstStyle/>
           <a:p>
             <a:fld id="{6A59E652-0E2C-4FE0-9038-2A3F05EF4FDC}" type="slidenum">
-              <a:rPr lang="en-IN" sz="1400" smtClean="0">
+              <a:rPr lang="en-IN" sz="1600" smtClean="0">
                 <a:solidFill>
                   <a:schemeClr val="bg1"/>
                 </a:solidFill>
+                <a:latin typeface="Times New Roman" panose="02020603050405020304" pitchFamily="18" charset="0"/>
+                <a:cs typeface="Times New Roman" panose="02020603050405020304" pitchFamily="18" charset="0"/>
               </a:rPr>
-              <a:t>12</a:t>
+              <a:t>11</a:t>
             </a:fld>
             <a:endParaRPr lang="en-IN" sz="1400" dirty="0">
               <a:solidFill>
                 <a:schemeClr val="bg1"/>
               </a:solidFill>
+              <a:latin typeface="Times New Roman" panose="02020603050405020304" pitchFamily="18" charset="0"/>
+              <a:cs typeface="Times New Roman" panose="02020603050405020304" pitchFamily="18" charset="0"/>
             </a:endParaRPr>
           </a:p>
         </p:txBody>
@@ -25102,7 +23685,7 @@
 </p:sld>
 </file>
 
-<file path=ppt/slides/slide13.xml><?xml version="1.0" encoding="utf-8"?>
+<file path=ppt/slides/slide12.xml><?xml version="1.0" encoding="utf-8"?>
 <p:sld xmlns:a="http://schemas.openxmlformats.org/drawingml/2006/main" xmlns:r="http://schemas.openxmlformats.org/officeDocument/2006/relationships" xmlns:p="http://schemas.openxmlformats.org/presentationml/2006/main">
   <p:cSld>
     <p:spTree>
@@ -25141,7 +23724,7 @@
           <a:p>
             <a:pPr algn="ctr"/>
             <a:r>
-              <a:rPr lang="en-US" dirty="0">
+              <a:rPr lang="en-US" b="1" dirty="0">
                 <a:latin typeface="Times New Roman" panose="02020603050405020304" pitchFamily="18" charset="0"/>
                 <a:cs typeface="Times New Roman" panose="02020603050405020304" pitchFamily="18" charset="0"/>
               </a:rPr>
@@ -25162,8 +23745,8 @@
         </p:nvSpPr>
         <p:spPr>
           <a:xfrm>
-            <a:off x="838199" y="978678"/>
-            <a:ext cx="10631557" cy="5523780"/>
+            <a:off x="838199" y="1088848"/>
+            <a:ext cx="10631557" cy="5234835"/>
           </a:xfrm>
         </p:spPr>
         <p:txBody>
@@ -25179,7 +23762,7 @@
               <a:buNone/>
             </a:pPr>
             <a:r>
-              <a:rPr lang="en-US" sz="2100" b="0" i="0" u="none" strike="noStrike" baseline="0" dirty="0">
+              <a:rPr lang="en-US" sz="2400" b="0" i="0" u="none" strike="noStrike" baseline="0" dirty="0">
                 <a:solidFill>
                   <a:schemeClr val="tx1"/>
                 </a:solidFill>
@@ -25189,13 +23772,13 @@
               <a:t>[1] </a:t>
             </a:r>
             <a:r>
-              <a:rPr lang="en-US" sz="2100" dirty="0">
+              <a:rPr lang="en-US" sz="2400" dirty="0">
                 <a:latin typeface="Times New Roman" panose="02020603050405020304" pitchFamily="18" charset="0"/>
                 <a:cs typeface="Times New Roman" panose="02020603050405020304" pitchFamily="18" charset="0"/>
               </a:rPr>
-              <a:t>Abdullah, E. &amp; Turan, M. K. Classifying white blood cells using machine learning algorithms. Int. J. Eng. Res. Dev. 11, 141–152 (2019).</a:t>
+              <a:t>S.-Y. Lim, D.-K. Chae, and S.-C. Lee, “Detecting deepfake voice using explainable deep learning techniques,” Applied Sciences, vol. 12, no. 8, p. 3926, 2022.</a:t>
             </a:r>
-            <a:endParaRPr lang="pt-BR" sz="2100" b="0" i="0" u="none" strike="noStrike" baseline="0" dirty="0">
+            <a:endParaRPr lang="pt-BR" sz="2400" b="0" i="0" u="none" strike="noStrike" baseline="0" dirty="0">
               <a:solidFill>
                 <a:srgbClr val="004393"/>
               </a:solidFill>
@@ -25211,7 +23794,7 @@
               <a:buNone/>
             </a:pPr>
             <a:r>
-              <a:rPr lang="en-US" sz="2100" b="0" i="0" u="none" strike="noStrike" baseline="0" dirty="0">
+              <a:rPr lang="en-US" sz="2400" b="0" i="0" u="none" strike="noStrike" baseline="0" dirty="0">
                 <a:solidFill>
                   <a:srgbClr val="000000"/>
                 </a:solidFill>
@@ -25221,55 +23804,13 @@
               <a:t>[2] </a:t>
             </a:r>
             <a:r>
-              <a:rPr lang="en-US" sz="2100" dirty="0">
+              <a:rPr lang="en-US" sz="2400" dirty="0">
                 <a:latin typeface="Times New Roman" panose="02020603050405020304" pitchFamily="18" charset="0"/>
                 <a:cs typeface="Times New Roman" panose="02020603050405020304" pitchFamily="18" charset="0"/>
               </a:rPr>
-              <a:t>Bagido RA, </a:t>
+              <a:t>M. Mcuba, A. Singh, R. A. Ikuesan, and H. Venter, “The effect of deep learning methods on deepfake audio detection for digital investigation,” Procedia Computer Science, vol. 219, pp. 211–219, 2023.</a:t>
             </a:r>
-            <a:r>
-              <a:rPr lang="en-US" sz="2100" dirty="0" err="1">
-                <a:latin typeface="Times New Roman" panose="02020603050405020304" pitchFamily="18" charset="0"/>
-                <a:cs typeface="Times New Roman" panose="02020603050405020304" pitchFamily="18" charset="0"/>
-              </a:rPr>
-              <a:t>Alzahrani</a:t>
-            </a:r>
-            <a:r>
-              <a:rPr lang="en-US" sz="2100" dirty="0">
-                <a:latin typeface="Times New Roman" panose="02020603050405020304" pitchFamily="18" charset="0"/>
-                <a:cs typeface="Times New Roman" panose="02020603050405020304" pitchFamily="18" charset="0"/>
-              </a:rPr>
-              <a:t> M, Arif M. White blood cell types classification using deep learning models. IJCSNS Int J Comp Sci </a:t>
-            </a:r>
-            <a:r>
-              <a:rPr lang="en-US" sz="2100" dirty="0" err="1">
-                <a:latin typeface="Times New Roman" panose="02020603050405020304" pitchFamily="18" charset="0"/>
-                <a:cs typeface="Times New Roman" panose="02020603050405020304" pitchFamily="18" charset="0"/>
-              </a:rPr>
-              <a:t>Netw</a:t>
-            </a:r>
-            <a:r>
-              <a:rPr lang="en-US" sz="2100" dirty="0">
-                <a:latin typeface="Times New Roman" panose="02020603050405020304" pitchFamily="18" charset="0"/>
-                <a:cs typeface="Times New Roman" panose="02020603050405020304" pitchFamily="18" charset="0"/>
-              </a:rPr>
-              <a:t> </a:t>
-            </a:r>
-            <a:r>
-              <a:rPr lang="en-US" sz="2100" dirty="0" err="1">
-                <a:latin typeface="Times New Roman" panose="02020603050405020304" pitchFamily="18" charset="0"/>
-                <a:cs typeface="Times New Roman" panose="02020603050405020304" pitchFamily="18" charset="0"/>
-              </a:rPr>
-              <a:t>Secur</a:t>
-            </a:r>
-            <a:r>
-              <a:rPr lang="en-US" sz="2100" dirty="0">
-                <a:latin typeface="Times New Roman" panose="02020603050405020304" pitchFamily="18" charset="0"/>
-                <a:cs typeface="Times New Roman" panose="02020603050405020304" pitchFamily="18" charset="0"/>
-              </a:rPr>
-              <a:t>. 2021;21:223 Available at: https://doi.org/10.22937/IJCSNS.2021. 21.9.30</a:t>
-            </a:r>
-            <a:endParaRPr lang="pt-BR" sz="2100" b="0" i="0" u="none" strike="noStrike" baseline="0" dirty="0">
+            <a:endParaRPr lang="pt-BR" sz="2400" b="0" i="0" u="none" strike="noStrike" baseline="0" dirty="0">
               <a:solidFill>
                 <a:srgbClr val="004393"/>
               </a:solidFill>
@@ -25285,7 +23826,7 @@
               <a:buNone/>
             </a:pPr>
             <a:r>
-              <a:rPr lang="en-IN" sz="2100" b="0" i="0" u="none" strike="noStrike" baseline="0" dirty="0">
+              <a:rPr lang="en-IN" sz="2400" b="0" i="0" u="none" strike="noStrike" baseline="0" dirty="0">
                 <a:solidFill>
                   <a:srgbClr val="000000"/>
                 </a:solidFill>
@@ -25295,47 +23836,12 @@
               <a:t>[3] </a:t>
             </a:r>
             <a:r>
-              <a:rPr lang="en-US" sz="2100" dirty="0">
+              <a:rPr lang="en-US" sz="2400" dirty="0">
                 <a:latin typeface="Times New Roman" panose="02020603050405020304" pitchFamily="18" charset="0"/>
                 <a:cs typeface="Times New Roman" panose="02020603050405020304" pitchFamily="18" charset="0"/>
               </a:rPr>
-              <a:t>Macawile MJ, Quinones VV, </a:t>
+              <a:t>E. Conti, D. Salvi, C. Borrelli, B. Hosler, P. Bestagini, F. Antonacci, A. Sarti, M. C. Stamm, and S. Tubaro, “Deepfake speech detection through emotion recognition: a semantic approach,” in ICASSP 2022-2022 IEEE International Conference on Acoustics, Speech and Signal Processing (ICASSP), pp. 8962–8966, IEEE, 2022.</a:t>
             </a:r>
-            <a:r>
-              <a:rPr lang="en-US" sz="2100" dirty="0" err="1">
-                <a:latin typeface="Times New Roman" panose="02020603050405020304" pitchFamily="18" charset="0"/>
-                <a:cs typeface="Times New Roman" panose="02020603050405020304" pitchFamily="18" charset="0"/>
-              </a:rPr>
-              <a:t>Ballado</a:t>
-            </a:r>
-            <a:r>
-              <a:rPr lang="en-US" sz="2100" dirty="0">
-                <a:latin typeface="Times New Roman" panose="02020603050405020304" pitchFamily="18" charset="0"/>
-                <a:cs typeface="Times New Roman" panose="02020603050405020304" pitchFamily="18" charset="0"/>
-              </a:rPr>
-              <a:t> A, Dela CJ, </a:t>
-            </a:r>
-            <a:r>
-              <a:rPr lang="en-US" sz="2100" dirty="0" err="1">
-                <a:latin typeface="Times New Roman" panose="02020603050405020304" pitchFamily="18" charset="0"/>
-                <a:cs typeface="Times New Roman" panose="02020603050405020304" pitchFamily="18" charset="0"/>
-              </a:rPr>
-              <a:t>Caya</a:t>
-            </a:r>
-            <a:r>
-              <a:rPr lang="en-US" sz="2100" dirty="0">
-                <a:latin typeface="Times New Roman" panose="02020603050405020304" pitchFamily="18" charset="0"/>
-                <a:cs typeface="Times New Roman" panose="02020603050405020304" pitchFamily="18" charset="0"/>
-              </a:rPr>
-              <a:t> MV. White blood cell classification and counting using convolutional neural network. 2018 3rd international conference on control and robotics engineering (ICCRE). IEEE; 2018. p. 259–263. Available at: https:// ieeexplore.ieee.org/document/8376476/</a:t>
-            </a:r>
-            <a:endParaRPr lang="en-US" sz="2100" b="0" i="0" u="none" strike="noStrike" baseline="0" dirty="0">
-              <a:solidFill>
-                <a:srgbClr val="004393"/>
-              </a:solidFill>
-              <a:latin typeface="Times New Roman" panose="02020603050405020304" pitchFamily="18" charset="0"/>
-              <a:cs typeface="Times New Roman" panose="02020603050405020304" pitchFamily="18" charset="0"/>
-            </a:endParaRPr>
           </a:p>
           <a:p>
             <a:pPr marL="0" indent="0" algn="just">
@@ -25345,154 +23851,16 @@
               <a:buNone/>
             </a:pPr>
             <a:r>
-              <a:rPr lang="en-US" sz="2100" dirty="0">
-                <a:solidFill>
-                  <a:schemeClr val="tx1"/>
-                </a:solidFill>
+              <a:rPr lang="en-US" sz="2400" dirty="0">
                 <a:latin typeface="Times New Roman" panose="02020603050405020304" pitchFamily="18" charset="0"/>
                 <a:cs typeface="Times New Roman" panose="02020603050405020304" pitchFamily="18" charset="0"/>
               </a:rPr>
-              <a:t>[4] </a:t>
+              <a:t>[4] Jung, T., Kim, S., &amp; Kim, K. (2020). Deep Vision: Deepfakes detection using human eye blinking pattern. IEEE Access, 8, 83144–83154.</a:t>
             </a:r>
-            <a:r>
-              <a:rPr lang="en-US" sz="2100" dirty="0">
-                <a:latin typeface="Times New Roman" panose="02020603050405020304" pitchFamily="18" charset="0"/>
-                <a:cs typeface="Times New Roman" panose="02020603050405020304" pitchFamily="18" charset="0"/>
-              </a:rPr>
-              <a:t>Ma L, Shuai R, Ran X, Liu W, Ye C. Combining DC-GAN with ResNet for blood cell image classification. Med Biol Eng </a:t>
-            </a:r>
-            <a:r>
-              <a:rPr lang="en-US" sz="2100" dirty="0" err="1">
-                <a:latin typeface="Times New Roman" panose="02020603050405020304" pitchFamily="18" charset="0"/>
-                <a:cs typeface="Times New Roman" panose="02020603050405020304" pitchFamily="18" charset="0"/>
-              </a:rPr>
-              <a:t>Comput</a:t>
-            </a:r>
-            <a:r>
-              <a:rPr lang="en-US" sz="2100" dirty="0">
-                <a:latin typeface="Times New Roman" panose="02020603050405020304" pitchFamily="18" charset="0"/>
-                <a:cs typeface="Times New Roman" panose="02020603050405020304" pitchFamily="18" charset="0"/>
-              </a:rPr>
-              <a:t>. 2020;58: 1251–64. Available at: </a:t>
-            </a:r>
-            <a:r>
-              <a:rPr lang="en-US" sz="2100" dirty="0">
-                <a:latin typeface="Times New Roman" panose="02020603050405020304" pitchFamily="18" charset="0"/>
-                <a:cs typeface="Times New Roman" panose="02020603050405020304" pitchFamily="18" charset="0"/>
-                <a:hlinkClick r:id="rId3"/>
-              </a:rPr>
-              <a:t>http://link.springer.com/10.1007/s11517- 020-02163-3</a:t>
-            </a:r>
-            <a:endParaRPr lang="en-US" sz="2100" dirty="0">
-              <a:latin typeface="Times New Roman" panose="02020603050405020304" pitchFamily="18" charset="0"/>
-              <a:cs typeface="Times New Roman" panose="02020603050405020304" pitchFamily="18" charset="0"/>
-            </a:endParaRPr>
-          </a:p>
-          <a:p>
-            <a:pPr marL="0" indent="0" algn="just">
-              <a:lnSpc>
-                <a:spcPct val="100000"/>
-              </a:lnSpc>
-              <a:buNone/>
-            </a:pPr>
-            <a:r>
-              <a:rPr lang="en-US" sz="2100" dirty="0">
-                <a:latin typeface="Times New Roman" panose="02020603050405020304" pitchFamily="18" charset="0"/>
-                <a:cs typeface="Times New Roman" panose="02020603050405020304" pitchFamily="18" charset="0"/>
-              </a:rPr>
-              <a:t>[5] </a:t>
-            </a:r>
-            <a:r>
-              <a:rPr lang="en-US" sz="2100" dirty="0" err="1">
-                <a:latin typeface="Times New Roman" panose="02020603050405020304" pitchFamily="18" charset="0"/>
-                <a:cs typeface="Times New Roman" panose="02020603050405020304" pitchFamily="18" charset="0"/>
-              </a:rPr>
-              <a:t>Almezhghwi</a:t>
-            </a:r>
-            <a:r>
-              <a:rPr lang="en-US" sz="2100" dirty="0">
-                <a:latin typeface="Times New Roman" panose="02020603050405020304" pitchFamily="18" charset="0"/>
-                <a:cs typeface="Times New Roman" panose="02020603050405020304" pitchFamily="18" charset="0"/>
-              </a:rPr>
-              <a:t> K, </a:t>
-            </a:r>
-            <a:r>
-              <a:rPr lang="en-US" sz="2100" dirty="0" err="1">
-                <a:latin typeface="Times New Roman" panose="02020603050405020304" pitchFamily="18" charset="0"/>
-                <a:cs typeface="Times New Roman" panose="02020603050405020304" pitchFamily="18" charset="0"/>
-              </a:rPr>
-              <a:t>Serte</a:t>
-            </a:r>
-            <a:r>
-              <a:rPr lang="en-US" sz="2100" dirty="0">
-                <a:latin typeface="Times New Roman" panose="02020603050405020304" pitchFamily="18" charset="0"/>
-                <a:cs typeface="Times New Roman" panose="02020603050405020304" pitchFamily="18" charset="0"/>
-              </a:rPr>
-              <a:t> S. Improved classification of white blood cells with the generative adversarial network and deep convolutional neural network. </a:t>
-            </a:r>
-            <a:r>
-              <a:rPr lang="en-US" sz="2100" dirty="0" err="1">
-                <a:latin typeface="Times New Roman" panose="02020603050405020304" pitchFamily="18" charset="0"/>
-                <a:cs typeface="Times New Roman" panose="02020603050405020304" pitchFamily="18" charset="0"/>
-              </a:rPr>
-              <a:t>Comput</a:t>
-            </a:r>
-            <a:r>
-              <a:rPr lang="en-US" sz="2100" dirty="0">
-                <a:latin typeface="Times New Roman" panose="02020603050405020304" pitchFamily="18" charset="0"/>
-                <a:cs typeface="Times New Roman" panose="02020603050405020304" pitchFamily="18" charset="0"/>
-              </a:rPr>
-              <a:t> </a:t>
-            </a:r>
-            <a:r>
-              <a:rPr lang="en-US" sz="2100" dirty="0" err="1">
-                <a:latin typeface="Times New Roman" panose="02020603050405020304" pitchFamily="18" charset="0"/>
-                <a:cs typeface="Times New Roman" panose="02020603050405020304" pitchFamily="18" charset="0"/>
-              </a:rPr>
-              <a:t>Intell</a:t>
-            </a:r>
-            <a:r>
-              <a:rPr lang="en-US" sz="2100" dirty="0">
-                <a:latin typeface="Times New Roman" panose="02020603050405020304" pitchFamily="18" charset="0"/>
-                <a:cs typeface="Times New Roman" panose="02020603050405020304" pitchFamily="18" charset="0"/>
-              </a:rPr>
-              <a:t> </a:t>
-            </a:r>
-            <a:r>
-              <a:rPr lang="en-US" sz="2100" dirty="0" err="1">
-                <a:latin typeface="Times New Roman" panose="02020603050405020304" pitchFamily="18" charset="0"/>
-                <a:cs typeface="Times New Roman" panose="02020603050405020304" pitchFamily="18" charset="0"/>
-              </a:rPr>
-              <a:t>Neurosci</a:t>
-            </a:r>
-            <a:r>
-              <a:rPr lang="en-US" sz="2100" dirty="0">
-                <a:latin typeface="Times New Roman" panose="02020603050405020304" pitchFamily="18" charset="0"/>
-                <a:cs typeface="Times New Roman" panose="02020603050405020304" pitchFamily="18" charset="0"/>
-              </a:rPr>
-              <a:t>. 2020;2020:1–12. Available at: </a:t>
-            </a:r>
-            <a:r>
-              <a:rPr lang="en-US" sz="2100" dirty="0">
-                <a:latin typeface="Times New Roman" panose="02020603050405020304" pitchFamily="18" charset="0"/>
-                <a:cs typeface="Times New Roman" panose="02020603050405020304" pitchFamily="18" charset="0"/>
-                <a:hlinkClick r:id="rId4"/>
-              </a:rPr>
-              <a:t>https://www.hindawi.com/journals/cin/2020/6490479/</a:t>
-            </a:r>
-            <a:endParaRPr lang="en-IN" sz="2100" dirty="0">
-              <a:latin typeface="Times New Roman" panose="02020603050405020304" pitchFamily="18" charset="0"/>
-              <a:cs typeface="Times New Roman" panose="02020603050405020304" pitchFamily="18" charset="0"/>
-            </a:endParaRPr>
-          </a:p>
-          <a:p>
-            <a:pPr marL="0" indent="0" algn="just">
-              <a:lnSpc>
-                <a:spcPct val="100000"/>
-              </a:lnSpc>
-              <a:buNone/>
-            </a:pPr>
-            <a:endParaRPr lang="en-IN" sz="2100" b="0" i="0" u="none" strike="noStrike" baseline="0" dirty="0">
+            <a:endParaRPr lang="en-US" sz="2400" b="0" i="0" u="none" strike="noStrike" baseline="0" dirty="0">
+              <a:solidFill>
+                <a:srgbClr val="004393"/>
+              </a:solidFill>
               <a:latin typeface="Times New Roman" panose="02020603050405020304" pitchFamily="18" charset="0"/>
               <a:cs typeface="Times New Roman" panose="02020603050405020304" pitchFamily="18" charset="0"/>
             </a:endParaRPr>
@@ -25526,17 +23894,21 @@
           <a:lstStyle/>
           <a:p>
             <a:fld id="{6A59E652-0E2C-4FE0-9038-2A3F05EF4FDC}" type="slidenum">
-              <a:rPr lang="en-IN" sz="1400" smtClean="0">
+              <a:rPr lang="en-IN" sz="1600" smtClean="0">
                 <a:solidFill>
                   <a:schemeClr val="bg1"/>
                 </a:solidFill>
+                <a:latin typeface="Times New Roman" panose="02020603050405020304" pitchFamily="18" charset="0"/>
+                <a:cs typeface="Times New Roman" panose="02020603050405020304" pitchFamily="18" charset="0"/>
               </a:rPr>
-              <a:t>13</a:t>
+              <a:t>12</a:t>
             </a:fld>
             <a:endParaRPr lang="en-IN" sz="1400" dirty="0">
               <a:solidFill>
                 <a:schemeClr val="bg1"/>
               </a:solidFill>
+              <a:latin typeface="Times New Roman" panose="02020603050405020304" pitchFamily="18" charset="0"/>
+              <a:cs typeface="Times New Roman" panose="02020603050405020304" pitchFamily="18" charset="0"/>
             </a:endParaRPr>
           </a:p>
         </p:txBody>
@@ -25554,7 +23926,7 @@
 </p:sld>
 </file>
 
-<file path=ppt/slides/slide14.xml><?xml version="1.0" encoding="utf-8"?>
+<file path=ppt/slides/slide13.xml><?xml version="1.0" encoding="utf-8"?>
 <p:sld xmlns:a="http://schemas.openxmlformats.org/drawingml/2006/main" xmlns:r="http://schemas.openxmlformats.org/officeDocument/2006/relationships" xmlns:p="http://schemas.openxmlformats.org/presentationml/2006/main">
   <p:cSld>
     <p:spTree>
@@ -25632,8 +24004,8 @@
         </p:nvSpPr>
         <p:spPr>
           <a:xfrm>
-            <a:off x="675861" y="784533"/>
-            <a:ext cx="10677939" cy="5936942"/>
+            <a:off x="675861" y="982839"/>
+            <a:ext cx="10677939" cy="4878137"/>
           </a:xfrm>
         </p:spPr>
         <p:txBody>
@@ -25649,18 +24021,25 @@
               <a:buNone/>
             </a:pPr>
             <a:r>
-              <a:rPr lang="en-IN" sz="2200" b="0" i="0" u="none" strike="noStrike" baseline="0" dirty="0">
+              <a:rPr lang="en-US" sz="2400" dirty="0">
                 <a:latin typeface="Times New Roman" panose="02020603050405020304" pitchFamily="18" charset="0"/>
                 <a:cs typeface="Times New Roman" panose="02020603050405020304" pitchFamily="18" charset="0"/>
               </a:rPr>
-              <a:t>[6] </a:t>
+              <a:t>[5] Lee, S., Tariq, S., Shin, Y., &amp; Woo, S. S. (2021). Detecting handcrafted facial image manipulations and GAN-generated facial images using shallow-Fake </a:t>
             </a:r>
             <a:r>
-              <a:rPr lang="en-US" sz="2200" dirty="0">
+              <a:rPr lang="en-US" sz="2400" dirty="0" err="1">
                 <a:latin typeface="Times New Roman" panose="02020603050405020304" pitchFamily="18" charset="0"/>
                 <a:cs typeface="Times New Roman" panose="02020603050405020304" pitchFamily="18" charset="0"/>
               </a:rPr>
-              <a:t>Siddique MAI, Bin AAZ, Matin A. An improved deep learning based classification of human white blood cell images. 2020 11th international conference on electrical and computer engineering (ICECE). IEEE; 2020. p. 149–152. Available at: https://ieeexplore.ieee.org/ document/9393156/</a:t>
+              <a:t>FaceNet</a:t>
+            </a:r>
+            <a:r>
+              <a:rPr lang="en-US" sz="2400" dirty="0">
+                <a:latin typeface="Times New Roman" panose="02020603050405020304" pitchFamily="18" charset="0"/>
+                <a:cs typeface="Times New Roman" panose="02020603050405020304" pitchFamily="18" charset="0"/>
+              </a:rPr>
+              <a:t>. Applied Soft Computing, 105, 107256. </a:t>
             </a:r>
           </a:p>
           <a:p>
@@ -25671,75 +24050,13 @@
               <a:buNone/>
             </a:pPr>
             <a:r>
-              <a:rPr lang="en-US" sz="2200" b="0" i="0" u="none" strike="noStrike" baseline="0" dirty="0">
+              <a:rPr lang="en-US" sz="2400" dirty="0">
                 <a:latin typeface="Times New Roman" panose="02020603050405020304" pitchFamily="18" charset="0"/>
                 <a:cs typeface="Times New Roman" panose="02020603050405020304" pitchFamily="18" charset="0"/>
               </a:rPr>
-              <a:t>[7]	</a:t>
+              <a:t>[6] Wijethunga, R., Matheesha, D., Al Noman, A., De Silva, K., Tissera, M., &amp; Rupasinghe, L. (2020). Deepfake audio detection: A deep learning based solution for group conversations. Paper presented at the 2020 2nd International Conference on Advancements in Computing (ICAC).</a:t>
             </a:r>
-            <a:r>
-              <a:rPr lang="en-US" sz="2200" b="0" i="0" u="none" strike="noStrike" baseline="0" dirty="0">
-                <a:latin typeface="Times New Roman" panose="02020603050405020304" pitchFamily="18" charset="0"/>
-                <a:cs typeface="Times New Roman" panose="02020603050405020304" pitchFamily="18" charset="0"/>
-                <a:hlinkClick r:id="rId2"/>
-              </a:rPr>
-              <a:t>https://onlinelibrary.wiley.com/cms/asset/898be9f9-cc38-44ec-bd05-4131a252cef3/cytoa24839-fig-0002-m.jpg</a:t>
-            </a:r>
-            <a:endParaRPr lang="en-US" sz="2200" b="0" i="0" u="none" strike="noStrike" baseline="0" dirty="0">
-              <a:latin typeface="Times New Roman" panose="02020603050405020304" pitchFamily="18" charset="0"/>
-              <a:cs typeface="Times New Roman" panose="02020603050405020304" pitchFamily="18" charset="0"/>
-            </a:endParaRPr>
-          </a:p>
-          <a:p>
-            <a:pPr marL="0" indent="0" algn="just">
-              <a:lnSpc>
-                <a:spcPct val="100000"/>
-              </a:lnSpc>
-              <a:buNone/>
-            </a:pPr>
-            <a:r>
-              <a:rPr lang="en-US" sz="2200" b="0" i="0" u="none" strike="noStrike" baseline="0" dirty="0">
-                <a:latin typeface="Times New Roman" panose="02020603050405020304" pitchFamily="18" charset="0"/>
-                <a:cs typeface="Times New Roman" panose="02020603050405020304" pitchFamily="18" charset="0"/>
-              </a:rPr>
-              <a:t>[8] https://towardsdatascience.com/how-to-easily-draw-neural-network-architecture-diagrams-a6b6138ed875</a:t>
-            </a:r>
-          </a:p>
-          <a:p>
-            <a:pPr marL="0" indent="0" algn="just">
-              <a:lnSpc>
-                <a:spcPct val="100000"/>
-              </a:lnSpc>
-              <a:buNone/>
-            </a:pPr>
-            <a:r>
-              <a:rPr lang="en-IN" sz="2200" b="0" i="0" u="none" strike="noStrike" baseline="0" dirty="0">
-                <a:latin typeface="Times New Roman" panose="02020603050405020304" pitchFamily="18" charset="0"/>
-                <a:cs typeface="Times New Roman" panose="02020603050405020304" pitchFamily="18" charset="0"/>
-              </a:rPr>
-              <a:t>[9] </a:t>
-            </a:r>
-            <a:r>
-              <a:rPr lang="en-US" sz="2200" b="0" i="0" u="none" strike="noStrike" baseline="0" dirty="0">
-                <a:latin typeface="Times New Roman" panose="02020603050405020304" pitchFamily="18" charset="0"/>
-                <a:cs typeface="Times New Roman" panose="02020603050405020304" pitchFamily="18" charset="0"/>
-                <a:hlinkClick r:id="rId3"/>
-              </a:rPr>
-              <a:t>https://www.researchgate.net/figure/ResNet50-architecture-22_fig1_372274736</a:t>
-            </a:r>
-            <a:endParaRPr lang="en-US" sz="2200" b="0" i="0" u="none" strike="noStrike" baseline="0" dirty="0">
-              <a:latin typeface="Times New Roman" panose="02020603050405020304" pitchFamily="18" charset="0"/>
-              <a:cs typeface="Times New Roman" panose="02020603050405020304" pitchFamily="18" charset="0"/>
-            </a:endParaRPr>
-          </a:p>
-          <a:p>
-            <a:pPr marL="0" indent="0" algn="just">
-              <a:lnSpc>
-                <a:spcPct val="100000"/>
-              </a:lnSpc>
-              <a:buNone/>
-            </a:pPr>
-            <a:endParaRPr lang="en-IN" sz="2200" b="0" i="0" u="none" strike="noStrike" baseline="0" dirty="0">
+            <a:endParaRPr lang="en-IN" sz="2400" b="0" i="0" u="none" strike="noStrike" baseline="0" dirty="0">
               <a:latin typeface="Times New Roman" panose="02020603050405020304" pitchFamily="18" charset="0"/>
               <a:cs typeface="Times New Roman" panose="02020603050405020304" pitchFamily="18" charset="0"/>
             </a:endParaRPr>
@@ -25773,17 +24090,21 @@
           <a:lstStyle/>
           <a:p>
             <a:fld id="{6A59E652-0E2C-4FE0-9038-2A3F05EF4FDC}" type="slidenum">
-              <a:rPr lang="en-IN" sz="1400" smtClean="0">
+              <a:rPr lang="en-IN" sz="1600" smtClean="0">
                 <a:solidFill>
                   <a:schemeClr val="bg1"/>
                 </a:solidFill>
+                <a:latin typeface="Times New Roman" panose="02020603050405020304" pitchFamily="18" charset="0"/>
+                <a:cs typeface="Times New Roman" panose="02020603050405020304" pitchFamily="18" charset="0"/>
               </a:rPr>
-              <a:t>14</a:t>
+              <a:t>13</a:t>
             </a:fld>
             <a:endParaRPr lang="en-IN" dirty="0">
               <a:solidFill>
                 <a:schemeClr val="bg1"/>
               </a:solidFill>
+              <a:latin typeface="Times New Roman" panose="02020603050405020304" pitchFamily="18" charset="0"/>
+              <a:cs typeface="Times New Roman" panose="02020603050405020304" pitchFamily="18" charset="0"/>
             </a:endParaRPr>
           </a:p>
         </p:txBody>
@@ -25801,7 +24122,7 @@
 </p:sld>
 </file>
 
-<file path=ppt/slides/slide15.xml><?xml version="1.0" encoding="utf-8"?>
+<file path=ppt/slides/slide14.xml><?xml version="1.0" encoding="utf-8"?>
 <p:sld xmlns:a="http://schemas.openxmlformats.org/drawingml/2006/main" xmlns:r="http://schemas.openxmlformats.org/officeDocument/2006/relationships" xmlns:p="http://schemas.openxmlformats.org/presentationml/2006/main">
   <p:cSld>
     <p:spTree>
@@ -25888,17 +24209,21 @@
           <a:lstStyle/>
           <a:p>
             <a:fld id="{6A59E652-0E2C-4FE0-9038-2A3F05EF4FDC}" type="slidenum">
-              <a:rPr lang="en-IN" sz="1400" smtClean="0">
+              <a:rPr lang="en-IN" sz="1600" smtClean="0">
                 <a:solidFill>
                   <a:schemeClr val="bg1"/>
                 </a:solidFill>
+                <a:latin typeface="Times New Roman" panose="02020603050405020304" pitchFamily="18" charset="0"/>
+                <a:cs typeface="Times New Roman" panose="02020603050405020304" pitchFamily="18" charset="0"/>
               </a:rPr>
-              <a:t>15</a:t>
+              <a:t>14</a:t>
             </a:fld>
             <a:endParaRPr lang="en-IN" sz="1400" dirty="0">
               <a:solidFill>
                 <a:schemeClr val="bg1"/>
               </a:solidFill>
+              <a:latin typeface="Times New Roman" panose="02020603050405020304" pitchFamily="18" charset="0"/>
+              <a:cs typeface="Times New Roman" panose="02020603050405020304" pitchFamily="18" charset="0"/>
             </a:endParaRPr>
           </a:p>
         </p:txBody>
@@ -25963,15 +24288,15 @@
           <a:p>
             <a:pPr algn="ctr"/>
             <a:r>
-              <a:rPr lang="en-US" sz="3600" dirty="0">
-                <a:latin typeface="Arial" panose="020B0604020202020204" pitchFamily="34" charset="0"/>
-                <a:cs typeface="Arial" panose="020B0604020202020204" pitchFamily="34" charset="0"/>
+              <a:rPr lang="en-US" sz="3600" b="1" dirty="0">
+                <a:latin typeface="Times New Roman" panose="02020603050405020304" pitchFamily="18" charset="0"/>
+                <a:cs typeface="Times New Roman" panose="02020603050405020304" pitchFamily="18" charset="0"/>
               </a:rPr>
               <a:t>Table of Contents</a:t>
             </a:r>
-            <a:endParaRPr lang="en-IN" sz="3600" dirty="0">
-              <a:latin typeface="Arial" panose="020B0604020202020204" pitchFamily="34" charset="0"/>
-              <a:cs typeface="Arial" panose="020B0604020202020204" pitchFamily="34" charset="0"/>
+            <a:endParaRPr lang="en-IN" sz="3600" b="1" dirty="0">
+              <a:latin typeface="Times New Roman" panose="02020603050405020304" pitchFamily="18" charset="0"/>
+              <a:cs typeface="Times New Roman" panose="02020603050405020304" pitchFamily="18" charset="0"/>
             </a:endParaRPr>
           </a:p>
         </p:txBody>
@@ -26003,6 +24328,22 @@
             <a:noAutofit/>
           </a:bodyPr>
           <a:lstStyle/>
+          <a:p>
+            <a:pPr marL="285750" indent="-285750" algn="just">
+              <a:lnSpc>
+                <a:spcPct val="100000"/>
+              </a:lnSpc>
+              <a:buFont typeface="Arial" panose="020B0604020202020204" pitchFamily="34" charset="0"/>
+              <a:buChar char="•"/>
+            </a:pPr>
+            <a:r>
+              <a:rPr lang="en-US" dirty="0">
+                <a:latin typeface="Times New Roman" panose="02020603050405020304" pitchFamily="18" charset="0"/>
+                <a:cs typeface="Times New Roman" panose="02020603050405020304" pitchFamily="18" charset="0"/>
+              </a:rPr>
+              <a:t>Abstract</a:t>
+            </a:r>
+          </a:p>
           <a:p>
             <a:pPr marL="285750" indent="-285750" algn="just">
               <a:lnSpc>
@@ -26096,7 +24437,7 @@
                 <a:latin typeface="Times New Roman" panose="02020603050405020304" pitchFamily="18" charset="0"/>
                 <a:cs typeface="Times New Roman" panose="02020603050405020304" pitchFamily="18" charset="0"/>
               </a:rPr>
-              <a:t>Proposed Model Architecture</a:t>
+              <a:t>Block Diagram</a:t>
             </a:r>
           </a:p>
           <a:p>
@@ -26160,17 +24501,21 @@
           <a:lstStyle/>
           <a:p>
             <a:fld id="{6A59E652-0E2C-4FE0-9038-2A3F05EF4FDC}" type="slidenum">
-              <a:rPr lang="en-IN" sz="1400" smtClean="0">
+              <a:rPr lang="en-IN" sz="1600" smtClean="0">
                 <a:solidFill>
                   <a:schemeClr val="bg1"/>
                 </a:solidFill>
+                <a:latin typeface="Times New Roman" panose="02020603050405020304" pitchFamily="18" charset="0"/>
+                <a:cs typeface="Times New Roman" panose="02020603050405020304" pitchFamily="18" charset="0"/>
               </a:rPr>
               <a:t>2</a:t>
             </a:fld>
-            <a:endParaRPr lang="en-IN" sz="1400" dirty="0">
+            <a:endParaRPr lang="en-IN" sz="1600" dirty="0">
               <a:solidFill>
                 <a:schemeClr val="bg1"/>
               </a:solidFill>
+              <a:latin typeface="Times New Roman" panose="02020603050405020304" pitchFamily="18" charset="0"/>
+              <a:cs typeface="Times New Roman" panose="02020603050405020304" pitchFamily="18" charset="0"/>
             </a:endParaRPr>
           </a:p>
         </p:txBody>
@@ -26189,6 +24534,165 @@
 </file>
 
 <file path=ppt/slides/slide3.xml><?xml version="1.0" encoding="utf-8"?>
+<p:sld xmlns:a="http://schemas.openxmlformats.org/drawingml/2006/main" xmlns:r="http://schemas.openxmlformats.org/officeDocument/2006/relationships" xmlns:p="http://schemas.openxmlformats.org/presentationml/2006/main">
+  <p:cSld>
+    <p:spTree>
+      <p:nvGrpSpPr>
+        <p:cNvPr id="1" name=""/>
+        <p:cNvGrpSpPr/>
+        <p:nvPr/>
+      </p:nvGrpSpPr>
+      <p:grpSpPr>
+        <a:xfrm>
+          <a:off x="0" y="0"/>
+          <a:ext cx="0" cy="0"/>
+          <a:chOff x="0" y="0"/>
+          <a:chExt cx="0" cy="0"/>
+        </a:xfrm>
+      </p:grpSpPr>
+      <p:sp>
+        <p:nvSpPr>
+          <p:cNvPr id="2" name="Title 1">
+            <a:extLst>
+              <a:ext uri="{FF2B5EF4-FFF2-40B4-BE49-F238E27FC236}">
+                <a16:creationId xmlns:a16="http://schemas.microsoft.com/office/drawing/2014/main" id="{B6AA5AF7-C346-DD9F-3223-56508679EAAE}"/>
+              </a:ext>
+            </a:extLst>
+          </p:cNvPr>
+          <p:cNvSpPr>
+            <a:spLocks noGrp="1"/>
+          </p:cNvSpPr>
+          <p:nvPr>
+            <p:ph type="title"/>
+          </p:nvPr>
+        </p:nvSpPr>
+        <p:spPr>
+          <a:xfrm>
+            <a:off x="838200" y="12582"/>
+            <a:ext cx="10515600" cy="1034022"/>
+          </a:xfrm>
+        </p:spPr>
+        <p:txBody>
+          <a:bodyPr>
+            <a:normAutofit/>
+          </a:bodyPr>
+          <a:lstStyle/>
+          <a:p>
+            <a:pPr algn="ctr"/>
+            <a:r>
+              <a:rPr lang="en-US" sz="3600" b="1" dirty="0">
+                <a:latin typeface="Times New Roman" panose="02020603050405020304" pitchFamily="18" charset="0"/>
+                <a:cs typeface="Times New Roman" panose="02020603050405020304" pitchFamily="18" charset="0"/>
+              </a:rPr>
+              <a:t>Abstract</a:t>
+            </a:r>
+          </a:p>
+        </p:txBody>
+      </p:sp>
+      <p:sp>
+        <p:nvSpPr>
+          <p:cNvPr id="3" name="Content Placeholder 2">
+            <a:extLst>
+              <a:ext uri="{FF2B5EF4-FFF2-40B4-BE49-F238E27FC236}">
+                <a16:creationId xmlns:a16="http://schemas.microsoft.com/office/drawing/2014/main" id="{E1281987-4778-7F30-C297-37A2D36FBCE4}"/>
+              </a:ext>
+            </a:extLst>
+          </p:cNvPr>
+          <p:cNvSpPr>
+            <a:spLocks noGrp="1"/>
+          </p:cNvSpPr>
+          <p:nvPr>
+            <p:ph idx="1"/>
+          </p:nvPr>
+        </p:nvSpPr>
+        <p:spPr>
+          <a:xfrm>
+            <a:off x="838200" y="1156774"/>
+            <a:ext cx="10515600" cy="5130359"/>
+          </a:xfrm>
+        </p:spPr>
+        <p:txBody>
+          <a:bodyPr>
+            <a:normAutofit/>
+          </a:bodyPr>
+          <a:lstStyle/>
+          <a:p>
+            <a:pPr marL="0" indent="0" algn="just">
+              <a:lnSpc>
+                <a:spcPct val="150000"/>
+              </a:lnSpc>
+              <a:buNone/>
+            </a:pPr>
+            <a:r>
+              <a:rPr lang="en-US" sz="2400" dirty="0">
+                <a:latin typeface="Times New Roman" panose="02020603050405020304" pitchFamily="18" charset="0"/>
+                <a:cs typeface="Times New Roman" panose="02020603050405020304" pitchFamily="18" charset="0"/>
+              </a:rPr>
+              <a:t>The rapid growth of AI and machine learning has enabled realistic DeepFake voice generation, posing risks like fraud and impersonation. Current detection methods, especially in real-time, are inadequate and this system that enhances real-time detection of AI-generated speech using advanced machine learning models. It improves the security of voice communications by distinguishing between real and synthetic voices. Future advancements, including better models and expanded detection of hybrid audio, can further strengthen defenses against the misuse of DeepFake voice technologies in industries like cybersecurity and telecommunications.</a:t>
+            </a:r>
+          </a:p>
+        </p:txBody>
+      </p:sp>
+      <p:sp>
+        <p:nvSpPr>
+          <p:cNvPr id="4" name="Slide Number Placeholder 3">
+            <a:extLst>
+              <a:ext uri="{FF2B5EF4-FFF2-40B4-BE49-F238E27FC236}">
+                <a16:creationId xmlns:a16="http://schemas.microsoft.com/office/drawing/2014/main" id="{91495C84-EE88-9E36-8B5E-D1FA42E5308C}"/>
+              </a:ext>
+            </a:extLst>
+          </p:cNvPr>
+          <p:cNvSpPr>
+            <a:spLocks noGrp="1"/>
+          </p:cNvSpPr>
+          <p:nvPr>
+            <p:ph type="sldNum" sz="quarter" idx="12"/>
+          </p:nvPr>
+        </p:nvSpPr>
+        <p:spPr>
+          <a:xfrm>
+            <a:off x="8610600" y="6477537"/>
+            <a:ext cx="2743200" cy="365125"/>
+          </a:xfrm>
+        </p:spPr>
+        <p:txBody>
+          <a:bodyPr/>
+          <a:lstStyle/>
+          <a:p>
+            <a:fld id="{6A59E652-0E2C-4FE0-9038-2A3F05EF4FDC}" type="slidenum">
+              <a:rPr lang="en-IN" sz="1600" smtClean="0">
+                <a:solidFill>
+                  <a:schemeClr val="bg1"/>
+                </a:solidFill>
+                <a:latin typeface="Times New Roman" panose="02020603050405020304" pitchFamily="18" charset="0"/>
+                <a:cs typeface="Times New Roman" panose="02020603050405020304" pitchFamily="18" charset="0"/>
+              </a:rPr>
+              <a:t>3</a:t>
+            </a:fld>
+            <a:endParaRPr lang="en-IN" sz="1600" dirty="0">
+              <a:solidFill>
+                <a:schemeClr val="bg1"/>
+              </a:solidFill>
+              <a:latin typeface="Times New Roman" panose="02020603050405020304" pitchFamily="18" charset="0"/>
+              <a:cs typeface="Times New Roman" panose="02020603050405020304" pitchFamily="18" charset="0"/>
+            </a:endParaRPr>
+          </a:p>
+        </p:txBody>
+      </p:sp>
+    </p:spTree>
+    <p:extLst>
+      <p:ext uri="{BB962C8B-B14F-4D97-AF65-F5344CB8AC3E}">
+        <p14:creationId xmlns:p14="http://schemas.microsoft.com/office/powerpoint/2010/main" val="3894944470"/>
+      </p:ext>
+    </p:extLst>
+  </p:cSld>
+  <p:clrMapOvr>
+    <a:masterClrMapping/>
+  </p:clrMapOvr>
+</p:sld>
+</file>
+
+<file path=ppt/slides/slide4.xml><?xml version="1.0" encoding="utf-8"?>
 <p:sld xmlns:a="http://schemas.openxmlformats.org/drawingml/2006/main" xmlns:r="http://schemas.openxmlformats.org/officeDocument/2006/relationships" xmlns:p="http://schemas.openxmlformats.org/presentationml/2006/main">
   <p:cSld>
     <p:spTree>
@@ -26229,9 +24733,9 @@
           <a:p>
             <a:pPr algn="ctr"/>
             <a:r>
-              <a:rPr lang="en-US" sz="3600" dirty="0">
-                <a:latin typeface="Arial" panose="020B0604020202020204" pitchFamily="34" charset="0"/>
-                <a:cs typeface="Arial" panose="020B0604020202020204" pitchFamily="34" charset="0"/>
+              <a:rPr lang="en-US" sz="3600" b="1" dirty="0">
+                <a:latin typeface="Times New Roman" panose="02020603050405020304" pitchFamily="18" charset="0"/>
+                <a:cs typeface="Times New Roman" panose="02020603050405020304" pitchFamily="18" charset="0"/>
               </a:rPr>
               <a:t>Introduction</a:t>
             </a:r>
@@ -26275,23 +24779,7 @@
                 <a:ea typeface="Tahoma" panose="020B0604030504040204" pitchFamily="34" charset="0"/>
                 <a:cs typeface="Times New Roman" panose="02020603050405020304" pitchFamily="18" charset="0"/>
               </a:rPr>
-              <a:t>With the rapid development of artificial intelligence (AI) and machine learning, voice conversion technologies have advanced significantly. </a:t>
-            </a:r>
-            <a:r>
-              <a:rPr lang="en-US" sz="2400" dirty="0" err="1">
-                <a:latin typeface="Times New Roman" panose="02020603050405020304" pitchFamily="18" charset="0"/>
-                <a:ea typeface="Tahoma" panose="020B0604030504040204" pitchFamily="34" charset="0"/>
-                <a:cs typeface="Times New Roman" panose="02020603050405020304" pitchFamily="18" charset="0"/>
-              </a:rPr>
-              <a:t>DeepFake</a:t>
-            </a:r>
-            <a:r>
-              <a:rPr lang="en-US" sz="2400" dirty="0">
-                <a:latin typeface="Times New Roman" panose="02020603050405020304" pitchFamily="18" charset="0"/>
-                <a:ea typeface="Tahoma" panose="020B0604030504040204" pitchFamily="34" charset="0"/>
-                <a:cs typeface="Times New Roman" panose="02020603050405020304" pitchFamily="18" charset="0"/>
-              </a:rPr>
-              <a:t> voice techniques now allow AI systems to mimic human speech with high accuracy, making it difficult to distinguish between real and AI-generated voices. While this technology has applications in entertainment, voice assistants, and language translation, it also poses serious risks, such as misuse for fraud, impersonation, or other malicious purposes. The ability to detect AI-generated voices in real time is becoming increasingly important to combat these threats and maintain trust in audio communications.</a:t>
+              <a:t>With the rapid development of artificial intelligence (AI) and machine learning, voice conversion technologies have advanced significantly. Deep-fake voice techniques now allow AI systems to mimic human speech with high accuracy, making it difficult to distinguish between real and AI-generated voices. While this technology has applications in entertainment, voice assistants, and language translation, it also poses serious risks, such as misuse for fraud, impersonation, or other malicious purposes. The ability to detect AI-generated voices in real time is becoming increasingly important to combat these threats and maintain trust in audio communications.</a:t>
             </a:r>
             <a:endParaRPr lang="en-US" sz="3600" b="0" i="0" dirty="0">
               <a:solidFill>
@@ -26335,17 +24823,21 @@
           <a:lstStyle/>
           <a:p>
             <a:fld id="{6A59E652-0E2C-4FE0-9038-2A3F05EF4FDC}" type="slidenum">
-              <a:rPr lang="en-IN" sz="1400" smtClean="0">
+              <a:rPr lang="en-IN" sz="1600" smtClean="0">
                 <a:solidFill>
                   <a:schemeClr val="bg1"/>
                 </a:solidFill>
+                <a:latin typeface="Times New Roman" panose="02020603050405020304" pitchFamily="18" charset="0"/>
+                <a:cs typeface="Times New Roman" panose="02020603050405020304" pitchFamily="18" charset="0"/>
               </a:rPr>
-              <a:t>3</a:t>
+              <a:t>4</a:t>
             </a:fld>
-            <a:endParaRPr lang="en-IN" sz="1400" dirty="0">
+            <a:endParaRPr lang="en-IN" sz="1600" dirty="0">
               <a:solidFill>
                 <a:schemeClr val="bg1"/>
               </a:solidFill>
+              <a:latin typeface="Times New Roman" panose="02020603050405020304" pitchFamily="18" charset="0"/>
+              <a:cs typeface="Times New Roman" panose="02020603050405020304" pitchFamily="18" charset="0"/>
             </a:endParaRPr>
           </a:p>
         </p:txBody>
@@ -26363,7 +24855,7 @@
 </p:sld>
 </file>
 
-<file path=ppt/slides/slide4.xml><?xml version="1.0" encoding="utf-8"?>
+<file path=ppt/slides/slide5.xml><?xml version="1.0" encoding="utf-8"?>
 <p:sld xmlns:a="http://schemas.openxmlformats.org/drawingml/2006/main" xmlns:r="http://schemas.openxmlformats.org/officeDocument/2006/relationships" xmlns:p="http://schemas.openxmlformats.org/presentationml/2006/main">
   <p:cSld>
     <p:spTree>
@@ -26404,9 +24896,9 @@
           <a:p>
             <a:pPr algn="ctr"/>
             <a:r>
-              <a:rPr lang="en-US" sz="3600" dirty="0">
-                <a:latin typeface="Arial" panose="020B0604020202020204" pitchFamily="34" charset="0"/>
-                <a:cs typeface="Arial" panose="020B0604020202020204" pitchFamily="34" charset="0"/>
+              <a:rPr lang="en-US" sz="3600" b="1" dirty="0">
+                <a:latin typeface="Times New Roman" panose="02020603050405020304" pitchFamily="18" charset="0"/>
+                <a:cs typeface="Times New Roman" panose="02020603050405020304" pitchFamily="18" charset="0"/>
               </a:rPr>
               <a:t>Literature Survey</a:t>
             </a:r>
@@ -26429,14 +24921,14 @@
             <p:ph idx="1"/>
             <p:extLst>
               <p:ext uri="{D42A27DB-BD31-4B8C-83A1-F6EECF244321}">
-                <p14:modId xmlns:p14="http://schemas.microsoft.com/office/powerpoint/2010/main" val="445938258"/>
+                <p14:modId xmlns:p14="http://schemas.microsoft.com/office/powerpoint/2010/main" val="834798332"/>
               </p:ext>
             </p:extLst>
           </p:nvPr>
         </p:nvGraphicFramePr>
         <p:xfrm>
-          <a:off x="838201" y="955970"/>
-          <a:ext cx="10532882" cy="5362567"/>
+          <a:off x="838201" y="801733"/>
+          <a:ext cx="10532882" cy="5598720"/>
         </p:xfrm>
         <a:graphic>
           <a:graphicData uri="http://schemas.openxmlformats.org/drawingml/2006/table">
@@ -26474,7 +24966,7 @@
                   </a:extLst>
                 </a:gridCol>
               </a:tblGrid>
-              <a:tr h="465207">
+              <a:tr h="445044">
                 <a:tc>
                   <a:txBody>
                     <a:bodyPr/>
@@ -26544,7 +25036,7 @@
                           <a:latin typeface="Times New Roman" panose="02020603050405020304" pitchFamily="18" charset="0"/>
                           <a:cs typeface="Times New Roman" panose="02020603050405020304" pitchFamily="18" charset="0"/>
                         </a:rPr>
-                        <a:t>Method</a:t>
+                        <a:t>Model</a:t>
                       </a:r>
                       <a:endParaRPr lang="en-IN" sz="2000" dirty="0">
                         <a:latin typeface="Times New Roman" panose="02020603050405020304" pitchFamily="18" charset="0"/>
@@ -26581,204 +25073,7 @@
                   </a:ext>
                 </a:extLst>
               </a:tr>
-              <a:tr h="672029">
-                <a:tc>
-                  <a:txBody>
-                    <a:bodyPr/>
-                    <a:lstStyle/>
-                    <a:p>
-                      <a:pPr marL="0" marR="0" lvl="0" indent="0" algn="ctr" defTabSz="914400" rtl="0" eaLnBrk="1" fontAlgn="auto" latinLnBrk="0" hangingPunct="1">
-                        <a:lnSpc>
-                          <a:spcPct val="100000"/>
-                        </a:lnSpc>
-                        <a:spcBef>
-                          <a:spcPts val="0"/>
-                        </a:spcBef>
-                        <a:spcAft>
-                          <a:spcPts val="0"/>
-                        </a:spcAft>
-                        <a:buClrTx/>
-                        <a:buSzTx/>
-                        <a:buFontTx/>
-                        <a:buNone/>
-                        <a:tabLst/>
-                        <a:defRPr/>
-                      </a:pPr>
-                      <a:r>
-                        <a:rPr lang="en-IN" sz="2000" b="0" i="0" u="none" strike="noStrike" kern="1200" baseline="0" dirty="0">
-                          <a:solidFill>
-                            <a:schemeClr val="dk1"/>
-                          </a:solidFill>
-                          <a:latin typeface="Times New Roman" panose="02020603050405020304" pitchFamily="18" charset="0"/>
-                          <a:ea typeface="+mn-ea"/>
-                          <a:cs typeface="Times New Roman" panose="02020603050405020304" pitchFamily="18" charset="0"/>
-                        </a:rPr>
-                        <a:t>Abdullah et al. [1]</a:t>
-                      </a:r>
-                      <a:endParaRPr lang="en-IN" sz="2000" dirty="0">
-                        <a:latin typeface="Times New Roman" panose="02020603050405020304" pitchFamily="18" charset="0"/>
-                        <a:cs typeface="Times New Roman" panose="02020603050405020304" pitchFamily="18" charset="0"/>
-                      </a:endParaRPr>
-                    </a:p>
-                  </a:txBody>
-                  <a:tcPr/>
-                </a:tc>
-                <a:tc>
-                  <a:txBody>
-                    <a:bodyPr/>
-                    <a:lstStyle/>
-                    <a:p>
-                      <a:pPr algn="ctr"/>
-                      <a:r>
-                        <a:rPr lang="en-IN" sz="2000" dirty="0">
-                          <a:latin typeface="Times New Roman" panose="02020603050405020304" pitchFamily="18" charset="0"/>
-                          <a:cs typeface="Times New Roman" panose="02020603050405020304" pitchFamily="18" charset="0"/>
-                        </a:rPr>
-                        <a:t>350 blood smear images</a:t>
-                      </a:r>
-                    </a:p>
-                  </a:txBody>
-                  <a:tcPr/>
-                </a:tc>
-                <a:tc>
-                  <a:txBody>
-                    <a:bodyPr/>
-                    <a:lstStyle/>
-                    <a:p>
-                      <a:pPr marL="0" marR="0" lvl="0" indent="0" algn="ctr" defTabSz="914400" rtl="0" eaLnBrk="1" fontAlgn="auto" latinLnBrk="0" hangingPunct="1">
-                        <a:lnSpc>
-                          <a:spcPct val="100000"/>
-                        </a:lnSpc>
-                        <a:spcBef>
-                          <a:spcPts val="0"/>
-                        </a:spcBef>
-                        <a:spcAft>
-                          <a:spcPts val="0"/>
-                        </a:spcAft>
-                        <a:buClrTx/>
-                        <a:buSzTx/>
-                        <a:buFontTx/>
-                        <a:buNone/>
-                        <a:tabLst/>
-                        <a:defRPr/>
-                      </a:pPr>
-                      <a:r>
-                        <a:rPr lang="en-US" sz="2000" dirty="0">
-                          <a:latin typeface="Times New Roman" panose="02020603050405020304" pitchFamily="18" charset="0"/>
-                          <a:cs typeface="Times New Roman" panose="02020603050405020304" pitchFamily="18" charset="0"/>
-                        </a:rPr>
-                        <a:t>Classification with Proposed hybrid method</a:t>
-                      </a:r>
-                      <a:endParaRPr lang="en-IN" sz="2000" dirty="0">
-                        <a:latin typeface="Times New Roman" panose="02020603050405020304" pitchFamily="18" charset="0"/>
-                        <a:cs typeface="Times New Roman" panose="02020603050405020304" pitchFamily="18" charset="0"/>
-                      </a:endParaRPr>
-                    </a:p>
-                  </a:txBody>
-                  <a:tcPr/>
-                </a:tc>
-                <a:tc>
-                  <a:txBody>
-                    <a:bodyPr/>
-                    <a:lstStyle/>
-                    <a:p>
-                      <a:pPr algn="ctr"/>
-                      <a:r>
-                        <a:rPr lang="en-US" sz="2000" dirty="0">
-                          <a:latin typeface="Times New Roman" panose="02020603050405020304" pitchFamily="18" charset="0"/>
-                          <a:cs typeface="Times New Roman" panose="02020603050405020304" pitchFamily="18" charset="0"/>
-                        </a:rPr>
-                        <a:t>99.5%</a:t>
-                      </a:r>
-                      <a:endParaRPr lang="en-IN" sz="2000" dirty="0">
-                        <a:latin typeface="Times New Roman" panose="02020603050405020304" pitchFamily="18" charset="0"/>
-                        <a:cs typeface="Times New Roman" panose="02020603050405020304" pitchFamily="18" charset="0"/>
-                      </a:endParaRPr>
-                    </a:p>
-                  </a:txBody>
-                  <a:tcPr/>
-                </a:tc>
-                <a:extLst>
-                  <a:ext uri="{0D108BD9-81ED-4DB2-BD59-A6C34878D82A}">
-                    <a16:rowId xmlns:a16="http://schemas.microsoft.com/office/drawing/2014/main" val="3404976136"/>
-                  </a:ext>
-                </a:extLst>
-              </a:tr>
-              <a:tr h="734826">
-                <a:tc>
-                  <a:txBody>
-                    <a:bodyPr/>
-                    <a:lstStyle/>
-                    <a:p>
-                      <a:pPr marL="0" marR="0" lvl="0" indent="0" algn="ctr" defTabSz="914400" rtl="0" eaLnBrk="1" fontAlgn="auto" latinLnBrk="0" hangingPunct="1">
-                        <a:lnSpc>
-                          <a:spcPct val="100000"/>
-                        </a:lnSpc>
-                        <a:spcBef>
-                          <a:spcPts val="0"/>
-                        </a:spcBef>
-                        <a:spcAft>
-                          <a:spcPts val="0"/>
-                        </a:spcAft>
-                        <a:buClrTx/>
-                        <a:buSzTx/>
-                        <a:buFontTx/>
-                        <a:buNone/>
-                        <a:tabLst/>
-                        <a:defRPr/>
-                      </a:pPr>
-                      <a:r>
-                        <a:rPr lang="en-US" sz="2000" dirty="0">
-                          <a:latin typeface="Times New Roman" panose="02020603050405020304" pitchFamily="18" charset="0"/>
-                          <a:cs typeface="Times New Roman" panose="02020603050405020304" pitchFamily="18" charset="0"/>
-                        </a:rPr>
-                        <a:t>Bagido et al. [2]</a:t>
-                      </a:r>
-                      <a:endParaRPr lang="en-IN" sz="2000" dirty="0">
-                        <a:latin typeface="Times New Roman" panose="02020603050405020304" pitchFamily="18" charset="0"/>
-                        <a:cs typeface="Times New Roman" panose="02020603050405020304" pitchFamily="18" charset="0"/>
-                      </a:endParaRPr>
-                    </a:p>
-                  </a:txBody>
-                  <a:tcPr/>
-                </a:tc>
-                <a:tc>
-                  <a:txBody>
-                    <a:bodyPr/>
-                    <a:lstStyle/>
-                    <a:p>
-                      <a:pPr marL="0" marR="0" lvl="0" indent="0" algn="ctr" defTabSz="914400" rtl="0" eaLnBrk="1" fontAlgn="auto" latinLnBrk="0" hangingPunct="1">
-                        <a:lnSpc>
-                          <a:spcPct val="100000"/>
-                        </a:lnSpc>
-                        <a:spcBef>
-                          <a:spcPts val="0"/>
-                        </a:spcBef>
-                        <a:spcAft>
-                          <a:spcPts val="0"/>
-                        </a:spcAft>
-                        <a:buClrTx/>
-                        <a:buSzTx/>
-                        <a:buFontTx/>
-                        <a:buNone/>
-                        <a:tabLst/>
-                        <a:defRPr/>
-                      </a:pPr>
-                      <a:r>
-                        <a:rPr lang="en-US" sz="2000" dirty="0">
-                          <a:latin typeface="Times New Roman" panose="02020603050405020304" pitchFamily="18" charset="0"/>
-                          <a:cs typeface="Times New Roman" panose="02020603050405020304" pitchFamily="18" charset="0"/>
-                        </a:rPr>
-                        <a:t>CellaVision</a:t>
-                      </a:r>
-                      <a:endParaRPr lang="en-IN" sz="2000" dirty="0">
-                        <a:latin typeface="Times New Roman" panose="02020603050405020304" pitchFamily="18" charset="0"/>
-                        <a:cs typeface="Times New Roman" panose="02020603050405020304" pitchFamily="18" charset="0"/>
-                      </a:endParaRPr>
-                    </a:p>
-                  </a:txBody>
-                  <a:tcPr/>
-                </a:tc>
+              <a:tr h="1287810">
                 <a:tc>
                   <a:txBody>
                     <a:bodyPr/>
@@ -26806,7 +25101,7 @@
                           <a:latin typeface="Times New Roman" panose="02020603050405020304" pitchFamily="18" charset="0"/>
                           <a:cs typeface="Times New Roman" panose="02020603050405020304" pitchFamily="18" charset="0"/>
                         </a:rPr>
-                        <a:t>MobileNetV2, VGG-16</a:t>
+                        <a:t>[1]</a:t>
                       </a:r>
                     </a:p>
                   </a:txBody>
@@ -26823,361 +25118,7 @@
                           <a:latin typeface="Times New Roman" panose="02020603050405020304" pitchFamily="18" charset="0"/>
                           <a:cs typeface="Times New Roman" panose="02020603050405020304" pitchFamily="18" charset="0"/>
                         </a:rPr>
-                        <a:t>MobileNetV2: 79.79%</a:t>
-                      </a:r>
-                    </a:p>
-                    <a:p>
-                      <a:pPr algn="ctr"/>
-                      <a:r>
-                        <a:rPr lang="en-IN" sz="2000" dirty="0">
-                          <a:latin typeface="Times New Roman" panose="02020603050405020304" pitchFamily="18" charset="0"/>
-                          <a:cs typeface="Times New Roman" panose="02020603050405020304" pitchFamily="18" charset="0"/>
-                        </a:rPr>
-                        <a:t>VGG-16: 90.28%</a:t>
-                      </a:r>
-                    </a:p>
-                  </a:txBody>
-                  <a:tcPr/>
-                </a:tc>
-                <a:extLst>
-                  <a:ext uri="{0D108BD9-81ED-4DB2-BD59-A6C34878D82A}">
-                    <a16:rowId xmlns:a16="http://schemas.microsoft.com/office/drawing/2014/main" val="3192964470"/>
-                  </a:ext>
-                </a:extLst>
-              </a:tr>
-              <a:tr h="635797">
-                <a:tc>
-                  <a:txBody>
-                    <a:bodyPr/>
-                    <a:lstStyle/>
-                    <a:p>
-                      <a:pPr algn="ctr"/>
-                      <a:r>
-                        <a:rPr lang="en-US" sz="2000" dirty="0">
-                          <a:latin typeface="Times New Roman" panose="02020603050405020304" pitchFamily="18" charset="0"/>
-                          <a:cs typeface="Times New Roman" panose="02020603050405020304" pitchFamily="18" charset="0"/>
-                        </a:rPr>
-                        <a:t>Macawile et.al. [3]</a:t>
-                      </a:r>
-                      <a:endParaRPr lang="en-IN" sz="2000" dirty="0">
-                        <a:latin typeface="Times New Roman" panose="02020603050405020304" pitchFamily="18" charset="0"/>
-                        <a:cs typeface="Times New Roman" panose="02020603050405020304" pitchFamily="18" charset="0"/>
-                      </a:endParaRPr>
-                    </a:p>
-                  </a:txBody>
-                  <a:tcPr/>
-                </a:tc>
-                <a:tc>
-                  <a:txBody>
-                    <a:bodyPr/>
-                    <a:lstStyle/>
-                    <a:p>
-                      <a:pPr algn="ctr"/>
-                      <a:r>
-                        <a:rPr lang="en-US" sz="2000" dirty="0">
-                          <a:latin typeface="Times New Roman" panose="02020603050405020304" pitchFamily="18" charset="0"/>
-                          <a:cs typeface="Times New Roman" panose="02020603050405020304" pitchFamily="18" charset="0"/>
-                        </a:rPr>
-                        <a:t>ALL-IDB</a:t>
-                      </a:r>
-                      <a:endParaRPr lang="en-IN" sz="2000" dirty="0">
-                        <a:latin typeface="Times New Roman" panose="02020603050405020304" pitchFamily="18" charset="0"/>
-                        <a:cs typeface="Times New Roman" panose="02020603050405020304" pitchFamily="18" charset="0"/>
-                      </a:endParaRPr>
-                    </a:p>
-                  </a:txBody>
-                  <a:tcPr/>
-                </a:tc>
-                <a:tc>
-                  <a:txBody>
-                    <a:bodyPr/>
-                    <a:lstStyle/>
-                    <a:p>
-                      <a:pPr algn="ctr"/>
-                      <a:r>
-                        <a:rPr lang="en-US" sz="2000" dirty="0">
-                          <a:latin typeface="Times New Roman" panose="02020603050405020304" pitchFamily="18" charset="0"/>
-                          <a:cs typeface="Times New Roman" panose="02020603050405020304" pitchFamily="18" charset="0"/>
-                        </a:rPr>
-                        <a:t>Pre-trained model GoogleNet</a:t>
-                      </a:r>
-                      <a:endParaRPr lang="en-IN" sz="2000" dirty="0">
-                        <a:latin typeface="Times New Roman" panose="02020603050405020304" pitchFamily="18" charset="0"/>
-                        <a:cs typeface="Times New Roman" panose="02020603050405020304" pitchFamily="18" charset="0"/>
-                      </a:endParaRPr>
-                    </a:p>
-                  </a:txBody>
-                  <a:tcPr/>
-                </a:tc>
-                <a:tc>
-                  <a:txBody>
-                    <a:bodyPr/>
-                    <a:lstStyle/>
-                    <a:p>
-                      <a:pPr algn="ctr"/>
-                      <a:r>
-                        <a:rPr lang="en-US" sz="2000" dirty="0">
-                          <a:latin typeface="Times New Roman" panose="02020603050405020304" pitchFamily="18" charset="0"/>
-                          <a:cs typeface="Times New Roman" panose="02020603050405020304" pitchFamily="18" charset="0"/>
-                        </a:rPr>
-                        <a:t>97.54%</a:t>
-                      </a:r>
-                      <a:endParaRPr lang="en-IN" sz="2000" dirty="0">
-                        <a:latin typeface="Times New Roman" panose="02020603050405020304" pitchFamily="18" charset="0"/>
-                        <a:cs typeface="Times New Roman" panose="02020603050405020304" pitchFamily="18" charset="0"/>
-                      </a:endParaRPr>
-                    </a:p>
-                  </a:txBody>
-                  <a:tcPr/>
-                </a:tc>
-                <a:extLst>
-                  <a:ext uri="{0D108BD9-81ED-4DB2-BD59-A6C34878D82A}">
-                    <a16:rowId xmlns:a16="http://schemas.microsoft.com/office/drawing/2014/main" val="2946245089"/>
-                  </a:ext>
-                </a:extLst>
-              </a:tr>
-              <a:tr h="354602">
-                <a:tc>
-                  <a:txBody>
-                    <a:bodyPr/>
-                    <a:lstStyle/>
-                    <a:p>
-                      <a:pPr algn="ctr"/>
-                      <a:r>
-                        <a:rPr lang="en-US" sz="2000" dirty="0">
-                          <a:latin typeface="Times New Roman" panose="02020603050405020304" pitchFamily="18" charset="0"/>
-                          <a:cs typeface="Times New Roman" panose="02020603050405020304" pitchFamily="18" charset="0"/>
-                        </a:rPr>
-                        <a:t>Ma et al. [4] </a:t>
-                      </a:r>
-                      <a:endParaRPr lang="en-IN" sz="2000" dirty="0">
-                        <a:latin typeface="Times New Roman" panose="02020603050405020304" pitchFamily="18" charset="0"/>
-                        <a:cs typeface="Times New Roman" panose="02020603050405020304" pitchFamily="18" charset="0"/>
-                      </a:endParaRPr>
-                    </a:p>
-                  </a:txBody>
-                  <a:tcPr/>
-                </a:tc>
-                <a:tc>
-                  <a:txBody>
-                    <a:bodyPr/>
-                    <a:lstStyle/>
-                    <a:p>
-                      <a:pPr algn="ctr"/>
-                      <a:r>
-                        <a:rPr lang="en-IN" sz="2000" dirty="0">
-                          <a:latin typeface="Times New Roman" panose="02020603050405020304" pitchFamily="18" charset="0"/>
-                          <a:cs typeface="Times New Roman" panose="02020603050405020304" pitchFamily="18" charset="0"/>
-                        </a:rPr>
-                        <a:t>DCGAN-generated with Matrix transformation</a:t>
-                      </a:r>
-                    </a:p>
-                  </a:txBody>
-                  <a:tcPr/>
-                </a:tc>
-                <a:tc>
-                  <a:txBody>
-                    <a:bodyPr/>
-                    <a:lstStyle/>
-                    <a:p>
-                      <a:pPr marL="0" marR="0" lvl="0" indent="0" algn="ctr" defTabSz="914400" rtl="0" eaLnBrk="1" fontAlgn="auto" latinLnBrk="0" hangingPunct="1">
-                        <a:lnSpc>
-                          <a:spcPct val="100000"/>
-                        </a:lnSpc>
-                        <a:spcBef>
-                          <a:spcPts val="0"/>
-                        </a:spcBef>
-                        <a:spcAft>
-                          <a:spcPts val="0"/>
-                        </a:spcAft>
-                        <a:buClrTx/>
-                        <a:buSzTx/>
-                        <a:buFontTx/>
-                        <a:buNone/>
-                        <a:tabLst/>
-                        <a:defRPr/>
-                      </a:pPr>
-                      <a:r>
-                        <a:rPr lang="en-US" sz="2000" dirty="0">
-                          <a:latin typeface="Times New Roman" panose="02020603050405020304" pitchFamily="18" charset="0"/>
-                          <a:cs typeface="Times New Roman" panose="02020603050405020304" pitchFamily="18" charset="0"/>
-                        </a:rPr>
-                        <a:t>Pre-trained model ResNet + transfer learning </a:t>
-                      </a:r>
-                      <a:endParaRPr lang="en-IN" sz="2000" dirty="0">
-                        <a:latin typeface="Times New Roman" panose="02020603050405020304" pitchFamily="18" charset="0"/>
-                        <a:cs typeface="Times New Roman" panose="02020603050405020304" pitchFamily="18" charset="0"/>
-                      </a:endParaRPr>
-                    </a:p>
-                  </a:txBody>
-                  <a:tcPr/>
-                </a:tc>
-                <a:tc>
-                  <a:txBody>
-                    <a:bodyPr/>
-                    <a:lstStyle/>
-                    <a:p>
-                      <a:pPr algn="ctr"/>
-                      <a:r>
-                        <a:rPr lang="en-IN" sz="2000" dirty="0">
-                          <a:latin typeface="Times New Roman" panose="02020603050405020304" pitchFamily="18" charset="0"/>
-                          <a:cs typeface="Times New Roman" panose="02020603050405020304" pitchFamily="18" charset="0"/>
-                        </a:rPr>
-                        <a:t>91.68%</a:t>
-                      </a:r>
-                    </a:p>
-                  </a:txBody>
-                  <a:tcPr/>
-                </a:tc>
-                <a:extLst>
-                  <a:ext uri="{0D108BD9-81ED-4DB2-BD59-A6C34878D82A}">
-                    <a16:rowId xmlns:a16="http://schemas.microsoft.com/office/drawing/2014/main" val="1096695661"/>
-                  </a:ext>
-                </a:extLst>
-              </a:tr>
-              <a:tr h="765307">
-                <a:tc>
-                  <a:txBody>
-                    <a:bodyPr/>
-                    <a:lstStyle/>
-                    <a:p>
-                      <a:pPr algn="ctr"/>
-                      <a:r>
-                        <a:rPr lang="en-US" sz="2000" dirty="0">
-                          <a:latin typeface="Times New Roman" panose="02020603050405020304" pitchFamily="18" charset="0"/>
-                          <a:cs typeface="Times New Roman" panose="02020603050405020304" pitchFamily="18" charset="0"/>
-                        </a:rPr>
-                        <a:t>Almezhghwi et al. [5] </a:t>
-                      </a:r>
-                      <a:endParaRPr lang="en-IN" sz="2000" dirty="0">
-                        <a:latin typeface="Times New Roman" panose="02020603050405020304" pitchFamily="18" charset="0"/>
-                        <a:cs typeface="Times New Roman" panose="02020603050405020304" pitchFamily="18" charset="0"/>
-                      </a:endParaRPr>
-                    </a:p>
-                  </a:txBody>
-                  <a:tcPr/>
-                </a:tc>
-                <a:tc>
-                  <a:txBody>
-                    <a:bodyPr/>
-                    <a:lstStyle/>
-                    <a:p>
-                      <a:pPr algn="ctr"/>
-                      <a:r>
-                        <a:rPr lang="en-IN" sz="2000" dirty="0">
-                          <a:latin typeface="Times New Roman" panose="02020603050405020304" pitchFamily="18" charset="0"/>
-                          <a:cs typeface="Times New Roman" panose="02020603050405020304" pitchFamily="18" charset="0"/>
-                        </a:rPr>
-                        <a:t>LISC</a:t>
-                      </a:r>
-                    </a:p>
-                  </a:txBody>
-                  <a:tcPr/>
-                </a:tc>
-                <a:tc>
-                  <a:txBody>
-                    <a:bodyPr/>
-                    <a:lstStyle/>
-                    <a:p>
-                      <a:pPr algn="ctr"/>
-                      <a:r>
-                        <a:rPr lang="en-IN" sz="2000" dirty="0">
-                          <a:latin typeface="Times New Roman" panose="02020603050405020304" pitchFamily="18" charset="0"/>
-                          <a:cs typeface="Times New Roman" panose="02020603050405020304" pitchFamily="18" charset="0"/>
-                        </a:rPr>
-                        <a:t>Pre-trained model VGG-16, VGG-19</a:t>
-                      </a:r>
-                    </a:p>
-                  </a:txBody>
-                  <a:tcPr/>
-                </a:tc>
-                <a:tc>
-                  <a:txBody>
-                    <a:bodyPr/>
-                    <a:lstStyle/>
-                    <a:p>
-                      <a:pPr algn="ctr"/>
-                      <a:r>
-                        <a:rPr lang="en-IN" sz="2000" dirty="0">
-                          <a:latin typeface="Times New Roman" panose="02020603050405020304" pitchFamily="18" charset="0"/>
-                          <a:cs typeface="Times New Roman" panose="02020603050405020304" pitchFamily="18" charset="0"/>
-                        </a:rPr>
-                        <a:t>VGG-16: 90.6%</a:t>
-                      </a:r>
-                    </a:p>
-                    <a:p>
-                      <a:pPr algn="ctr"/>
-                      <a:r>
-                        <a:rPr lang="en-IN" sz="2000" dirty="0">
-                          <a:latin typeface="Times New Roman" panose="02020603050405020304" pitchFamily="18" charset="0"/>
-                          <a:cs typeface="Times New Roman" panose="02020603050405020304" pitchFamily="18" charset="0"/>
-                        </a:rPr>
-                        <a:t>VGG-19: 91.8%</a:t>
-                      </a:r>
-                    </a:p>
-                  </a:txBody>
-                  <a:tcPr/>
-                </a:tc>
-                <a:extLst>
-                  <a:ext uri="{0D108BD9-81ED-4DB2-BD59-A6C34878D82A}">
-                    <a16:rowId xmlns:a16="http://schemas.microsoft.com/office/drawing/2014/main" val="991285649"/>
-                  </a:ext>
-                </a:extLst>
-              </a:tr>
-              <a:tr h="684507">
-                <a:tc>
-                  <a:txBody>
-                    <a:bodyPr/>
-                    <a:lstStyle/>
-                    <a:p>
-                      <a:pPr marL="0" marR="0" lvl="0" indent="0" algn="ctr" defTabSz="914400" rtl="0" eaLnBrk="1" fontAlgn="auto" latinLnBrk="0" hangingPunct="1">
-                        <a:lnSpc>
-                          <a:spcPct val="100000"/>
-                        </a:lnSpc>
-                        <a:spcBef>
-                          <a:spcPts val="0"/>
-                        </a:spcBef>
-                        <a:spcAft>
-                          <a:spcPts val="0"/>
-                        </a:spcAft>
-                        <a:buClrTx/>
-                        <a:buSzTx/>
-                        <a:buFontTx/>
-                        <a:buNone/>
-                        <a:tabLst/>
-                        <a:defRPr/>
-                      </a:pPr>
-                      <a:r>
-                        <a:rPr lang="en-IN" sz="2000" b="0" i="0" u="none" strike="noStrike" kern="1200" baseline="0" dirty="0">
-                          <a:solidFill>
-                            <a:schemeClr val="dk1"/>
-                          </a:solidFill>
-                          <a:latin typeface="Times New Roman" panose="02020603050405020304" pitchFamily="18" charset="0"/>
-                          <a:ea typeface="+mn-ea"/>
-                          <a:cs typeface="Times New Roman" panose="02020603050405020304" pitchFamily="18" charset="0"/>
-                        </a:rPr>
-                        <a:t>Siddiques et al. [6]</a:t>
-                      </a:r>
-                      <a:endParaRPr lang="en-IN" sz="2000" dirty="0">
-                        <a:latin typeface="Times New Roman" panose="02020603050405020304" pitchFamily="18" charset="0"/>
-                        <a:cs typeface="Times New Roman" panose="02020603050405020304" pitchFamily="18" charset="0"/>
-                      </a:endParaRPr>
-                    </a:p>
-                  </a:txBody>
-                  <a:tcPr/>
-                </a:tc>
-                <a:tc>
-                  <a:txBody>
-                    <a:bodyPr/>
-                    <a:lstStyle/>
-                    <a:p>
-                      <a:pPr algn="ctr"/>
-                      <a:r>
-                        <a:rPr lang="en-IN" sz="2000" dirty="0">
-                          <a:latin typeface="Times New Roman" panose="02020603050405020304" pitchFamily="18" charset="0"/>
-                          <a:cs typeface="Times New Roman" panose="02020603050405020304" pitchFamily="18" charset="0"/>
-                        </a:rPr>
-                        <a:t>BCCD</a:t>
+                        <a:t>LJSpeech</a:t>
                       </a:r>
                     </a:p>
                   </a:txBody>
@@ -27210,7 +25151,7 @@
                           <a:latin typeface="Times New Roman" panose="02020603050405020304" pitchFamily="18" charset="0"/>
                           <a:cs typeface="Times New Roman" panose="02020603050405020304" pitchFamily="18" charset="0"/>
                         </a:rPr>
-                        <a:t>SqueezNet</a:t>
+                        <a:t>Convolutional Neural Network(CNNs) &amp; Long-Short-Term Memory</a:t>
                       </a:r>
                     </a:p>
                   </a:txBody>
@@ -27227,7 +25168,478 @@
                           <a:latin typeface="Times New Roman" panose="02020603050405020304" pitchFamily="18" charset="0"/>
                           <a:cs typeface="Times New Roman" panose="02020603050405020304" pitchFamily="18" charset="0"/>
                         </a:rPr>
-                        <a:t>93.8%</a:t>
+                        <a:t>97 – 99%</a:t>
+                      </a:r>
+                    </a:p>
+                  </a:txBody>
+                  <a:tcPr/>
+                </a:tc>
+                <a:extLst>
+                  <a:ext uri="{0D108BD9-81ED-4DB2-BD59-A6C34878D82A}">
+                    <a16:rowId xmlns:a16="http://schemas.microsoft.com/office/drawing/2014/main" val="3404976136"/>
+                  </a:ext>
+                </a:extLst>
+              </a:tr>
+              <a:tr h="702978">
+                <a:tc>
+                  <a:txBody>
+                    <a:bodyPr/>
+                    <a:lstStyle/>
+                    <a:p>
+                      <a:pPr marL="0" marR="0" lvl="0" indent="0" algn="ctr" defTabSz="914400" rtl="0" eaLnBrk="1" fontAlgn="auto" latinLnBrk="0" hangingPunct="1">
+                        <a:lnSpc>
+                          <a:spcPct val="100000"/>
+                        </a:lnSpc>
+                        <a:spcBef>
+                          <a:spcPts val="0"/>
+                        </a:spcBef>
+                        <a:spcAft>
+                          <a:spcPts val="0"/>
+                        </a:spcAft>
+                        <a:buClrTx/>
+                        <a:buSzTx/>
+                        <a:buFontTx/>
+                        <a:buNone/>
+                        <a:tabLst/>
+                        <a:defRPr/>
+                      </a:pPr>
+                      <a:r>
+                        <a:rPr lang="en-IN" sz="2000" dirty="0">
+                          <a:latin typeface="Times New Roman" panose="02020603050405020304" pitchFamily="18" charset="0"/>
+                          <a:cs typeface="Times New Roman" panose="02020603050405020304" pitchFamily="18" charset="0"/>
+                        </a:rPr>
+                        <a:t>[2]</a:t>
+                      </a:r>
+                    </a:p>
+                  </a:txBody>
+                  <a:tcPr/>
+                </a:tc>
+                <a:tc>
+                  <a:txBody>
+                    <a:bodyPr/>
+                    <a:lstStyle/>
+                    <a:p>
+                      <a:pPr marL="0" marR="0" lvl="0" indent="0" algn="ctr" defTabSz="914400" rtl="0" eaLnBrk="1" fontAlgn="auto" latinLnBrk="0" hangingPunct="1">
+                        <a:lnSpc>
+                          <a:spcPct val="100000"/>
+                        </a:lnSpc>
+                        <a:spcBef>
+                          <a:spcPts val="0"/>
+                        </a:spcBef>
+                        <a:spcAft>
+                          <a:spcPts val="0"/>
+                        </a:spcAft>
+                        <a:buClrTx/>
+                        <a:buSzTx/>
+                        <a:buFontTx/>
+                        <a:buNone/>
+                        <a:tabLst/>
+                        <a:defRPr/>
+                      </a:pPr>
+                      <a:r>
+                        <a:rPr lang="en-IN" sz="2000" dirty="0">
+                          <a:latin typeface="Times New Roman" panose="02020603050405020304" pitchFamily="18" charset="0"/>
+                          <a:cs typeface="Times New Roman" panose="02020603050405020304" pitchFamily="18" charset="0"/>
+                        </a:rPr>
+                        <a:t>Not Mentioned</a:t>
+                      </a:r>
+                    </a:p>
+                  </a:txBody>
+                  <a:tcPr/>
+                </a:tc>
+                <a:tc>
+                  <a:txBody>
+                    <a:bodyPr/>
+                    <a:lstStyle/>
+                    <a:p>
+                      <a:pPr marL="0" marR="0" lvl="0" indent="0" algn="ctr" defTabSz="914400" rtl="0" eaLnBrk="1" fontAlgn="auto" latinLnBrk="0" hangingPunct="1">
+                        <a:lnSpc>
+                          <a:spcPct val="100000"/>
+                        </a:lnSpc>
+                        <a:spcBef>
+                          <a:spcPts val="0"/>
+                        </a:spcBef>
+                        <a:spcAft>
+                          <a:spcPts val="0"/>
+                        </a:spcAft>
+                        <a:buClrTx/>
+                        <a:buSzTx/>
+                        <a:buFontTx/>
+                        <a:buNone/>
+                        <a:tabLst/>
+                        <a:defRPr/>
+                      </a:pPr>
+                      <a:r>
+                        <a:rPr lang="en-IN" sz="2000" dirty="0">
+                          <a:latin typeface="Times New Roman" panose="02020603050405020304" pitchFamily="18" charset="0"/>
+                          <a:cs typeface="Times New Roman" panose="02020603050405020304" pitchFamily="18" charset="0"/>
+                        </a:rPr>
+                        <a:t>VGG-16 CNN With Adadelta Optimizer</a:t>
+                      </a:r>
+                    </a:p>
+                  </a:txBody>
+                  <a:tcPr/>
+                </a:tc>
+                <a:tc>
+                  <a:txBody>
+                    <a:bodyPr/>
+                    <a:lstStyle/>
+                    <a:p>
+                      <a:pPr algn="ctr"/>
+                      <a:r>
+                        <a:rPr lang="en-IN" sz="2000" dirty="0">
+                          <a:latin typeface="Times New Roman" panose="02020603050405020304" pitchFamily="18" charset="0"/>
+                          <a:cs typeface="Times New Roman" panose="02020603050405020304" pitchFamily="18" charset="0"/>
+                        </a:rPr>
+                        <a:t>85.91%</a:t>
+                      </a:r>
+                    </a:p>
+                  </a:txBody>
+                  <a:tcPr/>
+                </a:tc>
+                <a:extLst>
+                  <a:ext uri="{0D108BD9-81ED-4DB2-BD59-A6C34878D82A}">
+                    <a16:rowId xmlns:a16="http://schemas.microsoft.com/office/drawing/2014/main" val="3192964470"/>
+                  </a:ext>
+                </a:extLst>
+              </a:tr>
+              <a:tr h="988320">
+                <a:tc>
+                  <a:txBody>
+                    <a:bodyPr/>
+                    <a:lstStyle/>
+                    <a:p>
+                      <a:pPr algn="ctr"/>
+                      <a:r>
+                        <a:rPr lang="en-IN" sz="2000" dirty="0">
+                          <a:latin typeface="Times New Roman" panose="02020603050405020304" pitchFamily="18" charset="0"/>
+                          <a:cs typeface="Times New Roman" panose="02020603050405020304" pitchFamily="18" charset="0"/>
+                        </a:rPr>
+                        <a:t>[3]</a:t>
+                      </a:r>
+                    </a:p>
+                  </a:txBody>
+                  <a:tcPr/>
+                </a:tc>
+                <a:tc>
+                  <a:txBody>
+                    <a:bodyPr/>
+                    <a:lstStyle/>
+                    <a:p>
+                      <a:pPr algn="ctr"/>
+                      <a:r>
+                        <a:rPr lang="en-IN" sz="2000" dirty="0">
+                          <a:latin typeface="Times New Roman" panose="02020603050405020304" pitchFamily="18" charset="0"/>
+                          <a:cs typeface="Times New Roman" panose="02020603050405020304" pitchFamily="18" charset="0"/>
+                        </a:rPr>
+                        <a:t>ASVSpoof 2019</a:t>
+                      </a:r>
+                    </a:p>
+                  </a:txBody>
+                  <a:tcPr/>
+                </a:tc>
+                <a:tc>
+                  <a:txBody>
+                    <a:bodyPr/>
+                    <a:lstStyle/>
+                    <a:p>
+                      <a:pPr algn="ctr"/>
+                      <a:r>
+                        <a:rPr lang="en-IN" sz="2000" dirty="0">
+                          <a:latin typeface="Times New Roman" panose="02020603050405020304" pitchFamily="18" charset="0"/>
+                          <a:cs typeface="Times New Roman" panose="02020603050405020304" pitchFamily="18" charset="0"/>
+                        </a:rPr>
+                        <a:t>Speech Emotion Recognition (SER) With Transfer Learning</a:t>
+                      </a:r>
+                    </a:p>
+                  </a:txBody>
+                  <a:tcPr/>
+                </a:tc>
+                <a:tc>
+                  <a:txBody>
+                    <a:bodyPr/>
+                    <a:lstStyle/>
+                    <a:p>
+                      <a:pPr algn="ctr"/>
+                      <a:r>
+                        <a:rPr lang="en-IN" sz="2000" dirty="0">
+                          <a:latin typeface="Times New Roman" panose="02020603050405020304" pitchFamily="18" charset="0"/>
+                          <a:cs typeface="Times New Roman" panose="02020603050405020304" pitchFamily="18" charset="0"/>
+                        </a:rPr>
+                        <a:t>78.66%</a:t>
+                      </a:r>
+                    </a:p>
+                  </a:txBody>
+                  <a:tcPr/>
+                </a:tc>
+                <a:extLst>
+                  <a:ext uri="{0D108BD9-81ED-4DB2-BD59-A6C34878D82A}">
+                    <a16:rowId xmlns:a16="http://schemas.microsoft.com/office/drawing/2014/main" val="2946245089"/>
+                  </a:ext>
+                </a:extLst>
+              </a:tr>
+              <a:tr h="688829">
+                <a:tc>
+                  <a:txBody>
+                    <a:bodyPr/>
+                    <a:lstStyle/>
+                    <a:p>
+                      <a:pPr algn="ctr"/>
+                      <a:r>
+                        <a:rPr lang="en-IN" sz="2000" dirty="0">
+                          <a:latin typeface="Times New Roman" panose="02020603050405020304" pitchFamily="18" charset="0"/>
+                          <a:cs typeface="Times New Roman" panose="02020603050405020304" pitchFamily="18" charset="0"/>
+                        </a:rPr>
+                        <a:t>[4]</a:t>
+                      </a:r>
+                    </a:p>
+                  </a:txBody>
+                  <a:tcPr/>
+                </a:tc>
+                <a:tc>
+                  <a:txBody>
+                    <a:bodyPr/>
+                    <a:lstStyle/>
+                    <a:p>
+                      <a:pPr algn="ctr"/>
+                      <a:r>
+                        <a:rPr lang="en-IN" sz="2000" dirty="0">
+                          <a:latin typeface="Times New Roman" panose="02020603050405020304" pitchFamily="18" charset="0"/>
+                          <a:cs typeface="Times New Roman" panose="02020603050405020304" pitchFamily="18" charset="0"/>
+                        </a:rPr>
+                        <a:t>Their Deepfake</a:t>
+                      </a:r>
+                    </a:p>
+                  </a:txBody>
+                  <a:tcPr/>
+                </a:tc>
+                <a:tc>
+                  <a:txBody>
+                    <a:bodyPr/>
+                    <a:lstStyle/>
+                    <a:p>
+                      <a:pPr marL="0" marR="0" lvl="0" indent="0" algn="ctr" defTabSz="914400" rtl="0" eaLnBrk="1" fontAlgn="auto" latinLnBrk="0" hangingPunct="1">
+                        <a:lnSpc>
+                          <a:spcPct val="100000"/>
+                        </a:lnSpc>
+                        <a:spcBef>
+                          <a:spcPts val="0"/>
+                        </a:spcBef>
+                        <a:spcAft>
+                          <a:spcPts val="0"/>
+                        </a:spcAft>
+                        <a:buClrTx/>
+                        <a:buSzTx/>
+                        <a:buFontTx/>
+                        <a:buNone/>
+                        <a:tabLst/>
+                        <a:defRPr/>
+                      </a:pPr>
+                      <a:r>
+                        <a:rPr lang="en-IN" sz="2000" dirty="0">
+                          <a:latin typeface="Times New Roman" panose="02020603050405020304" pitchFamily="18" charset="0"/>
+                          <a:cs typeface="Times New Roman" panose="02020603050405020304" pitchFamily="18" charset="0"/>
+                        </a:rPr>
+                        <a:t>GAN (Generative Adversarial Network)</a:t>
+                      </a:r>
+                    </a:p>
+                  </a:txBody>
+                  <a:tcPr/>
+                </a:tc>
+                <a:tc>
+                  <a:txBody>
+                    <a:bodyPr/>
+                    <a:lstStyle/>
+                    <a:p>
+                      <a:pPr algn="ctr"/>
+                      <a:r>
+                        <a:rPr lang="en-IN" sz="2000" dirty="0">
+                          <a:latin typeface="Times New Roman" panose="02020603050405020304" pitchFamily="18" charset="0"/>
+                          <a:cs typeface="Times New Roman" panose="02020603050405020304" pitchFamily="18" charset="0"/>
+                        </a:rPr>
+                        <a:t>87.5%</a:t>
+                      </a:r>
+                    </a:p>
+                  </a:txBody>
+                  <a:tcPr/>
+                </a:tc>
+                <a:extLst>
+                  <a:ext uri="{0D108BD9-81ED-4DB2-BD59-A6C34878D82A}">
+                    <a16:rowId xmlns:a16="http://schemas.microsoft.com/office/drawing/2014/main" val="1096695661"/>
+                  </a:ext>
+                </a:extLst>
+              </a:tr>
+              <a:tr h="732138">
+                <a:tc>
+                  <a:txBody>
+                    <a:bodyPr/>
+                    <a:lstStyle/>
+                    <a:p>
+                      <a:pPr algn="ctr"/>
+                      <a:r>
+                        <a:rPr lang="en-IN" sz="2000" dirty="0">
+                          <a:latin typeface="Times New Roman" panose="02020603050405020304" pitchFamily="18" charset="0"/>
+                          <a:cs typeface="Times New Roman" panose="02020603050405020304" pitchFamily="18" charset="0"/>
+                        </a:rPr>
+                        <a:t>[5]</a:t>
+                      </a:r>
+                    </a:p>
+                  </a:txBody>
+                  <a:tcPr/>
+                </a:tc>
+                <a:tc>
+                  <a:txBody>
+                    <a:bodyPr/>
+                    <a:lstStyle/>
+                    <a:p>
+                      <a:pPr algn="ctr"/>
+                      <a:r>
+                        <a:rPr lang="en-IN" sz="2000" dirty="0">
+                          <a:latin typeface="Times New Roman" panose="02020603050405020304" pitchFamily="18" charset="0"/>
+                          <a:cs typeface="Times New Roman" panose="02020603050405020304" pitchFamily="18" charset="0"/>
+                        </a:rPr>
+                        <a:t>HFM dataset</a:t>
+                      </a:r>
+                    </a:p>
+                  </a:txBody>
+                  <a:tcPr/>
+                </a:tc>
+                <a:tc>
+                  <a:txBody>
+                    <a:bodyPr/>
+                    <a:lstStyle/>
+                    <a:p>
+                      <a:pPr algn="ctr"/>
+                      <a:r>
+                        <a:rPr lang="en-IN" sz="2000" dirty="0">
+                          <a:latin typeface="Times New Roman" panose="02020603050405020304" pitchFamily="18" charset="0"/>
+                          <a:cs typeface="Times New Roman" panose="02020603050405020304" pitchFamily="18" charset="0"/>
+                        </a:rPr>
+                        <a:t>GAN (Generative Adversarial Network)</a:t>
+                      </a:r>
+                    </a:p>
+                  </a:txBody>
+                  <a:tcPr/>
+                </a:tc>
+                <a:tc>
+                  <a:txBody>
+                    <a:bodyPr/>
+                    <a:lstStyle/>
+                    <a:p>
+                      <a:pPr algn="ctr"/>
+                      <a:r>
+                        <a:rPr lang="en-IN" sz="2000" dirty="0">
+                          <a:latin typeface="Times New Roman" panose="02020603050405020304" pitchFamily="18" charset="0"/>
+                          <a:cs typeface="Times New Roman" panose="02020603050405020304" pitchFamily="18" charset="0"/>
+                        </a:rPr>
+                        <a:t>93.99%</a:t>
+                      </a:r>
+                    </a:p>
+                  </a:txBody>
+                  <a:tcPr/>
+                </a:tc>
+                <a:extLst>
+                  <a:ext uri="{0D108BD9-81ED-4DB2-BD59-A6C34878D82A}">
+                    <a16:rowId xmlns:a16="http://schemas.microsoft.com/office/drawing/2014/main" val="991285649"/>
+                  </a:ext>
+                </a:extLst>
+              </a:tr>
+              <a:tr h="688829">
+                <a:tc>
+                  <a:txBody>
+                    <a:bodyPr/>
+                    <a:lstStyle/>
+                    <a:p>
+                      <a:pPr marL="0" marR="0" lvl="0" indent="0" algn="ctr" defTabSz="914400" rtl="0" eaLnBrk="1" fontAlgn="auto" latinLnBrk="0" hangingPunct="1">
+                        <a:lnSpc>
+                          <a:spcPct val="100000"/>
+                        </a:lnSpc>
+                        <a:spcBef>
+                          <a:spcPts val="0"/>
+                        </a:spcBef>
+                        <a:spcAft>
+                          <a:spcPts val="0"/>
+                        </a:spcAft>
+                        <a:buClrTx/>
+                        <a:buSzTx/>
+                        <a:buFontTx/>
+                        <a:buNone/>
+                        <a:tabLst/>
+                        <a:defRPr/>
+                      </a:pPr>
+                      <a:r>
+                        <a:rPr lang="en-IN" sz="2000" dirty="0">
+                          <a:latin typeface="Times New Roman" panose="02020603050405020304" pitchFamily="18" charset="0"/>
+                          <a:cs typeface="Times New Roman" panose="02020603050405020304" pitchFamily="18" charset="0"/>
+                        </a:rPr>
+                        <a:t>[6]</a:t>
+                      </a:r>
+                    </a:p>
+                  </a:txBody>
+                  <a:tcPr/>
+                </a:tc>
+                <a:tc>
+                  <a:txBody>
+                    <a:bodyPr/>
+                    <a:lstStyle/>
+                    <a:p>
+                      <a:pPr algn="ctr"/>
+                      <a:r>
+                        <a:rPr lang="en-IN" sz="2000" dirty="0">
+                          <a:latin typeface="Times New Roman" panose="02020603050405020304" pitchFamily="18" charset="0"/>
+                          <a:cs typeface="Times New Roman" panose="02020603050405020304" pitchFamily="18" charset="0"/>
+                        </a:rPr>
+                        <a:t>Fake or real dataset + AMI corpus dataset</a:t>
+                      </a:r>
+                    </a:p>
+                  </a:txBody>
+                  <a:tcPr/>
+                </a:tc>
+                <a:tc>
+                  <a:txBody>
+                    <a:bodyPr/>
+                    <a:lstStyle/>
+                    <a:p>
+                      <a:pPr marL="0" marR="0" lvl="0" indent="0" algn="ctr" defTabSz="914400" rtl="0" eaLnBrk="1" fontAlgn="auto" latinLnBrk="0" hangingPunct="1">
+                        <a:lnSpc>
+                          <a:spcPct val="100000"/>
+                        </a:lnSpc>
+                        <a:spcBef>
+                          <a:spcPts val="0"/>
+                        </a:spcBef>
+                        <a:spcAft>
+                          <a:spcPts val="0"/>
+                        </a:spcAft>
+                        <a:buClrTx/>
+                        <a:buSzTx/>
+                        <a:buFontTx/>
+                        <a:buNone/>
+                        <a:tabLst/>
+                        <a:defRPr/>
+                      </a:pPr>
+                      <a:r>
+                        <a:rPr lang="en-IN" sz="2000" dirty="0">
+                          <a:latin typeface="Times New Roman" panose="02020603050405020304" pitchFamily="18" charset="0"/>
+                          <a:cs typeface="Times New Roman" panose="02020603050405020304" pitchFamily="18" charset="0"/>
+                        </a:rPr>
+                        <a:t>CNN &amp; RNN</a:t>
+                      </a:r>
+                    </a:p>
+                  </a:txBody>
+                  <a:tcPr/>
+                </a:tc>
+                <a:tc>
+                  <a:txBody>
+                    <a:bodyPr/>
+                    <a:lstStyle/>
+                    <a:p>
+                      <a:pPr algn="ctr"/>
+                      <a:r>
+                        <a:rPr lang="en-IN" sz="2000" dirty="0">
+                          <a:latin typeface="Times New Roman" panose="02020603050405020304" pitchFamily="18" charset="0"/>
+                          <a:cs typeface="Times New Roman" panose="02020603050405020304" pitchFamily="18" charset="0"/>
+                        </a:rPr>
+                        <a:t>80%</a:t>
                       </a:r>
                     </a:p>
                   </a:txBody>
@@ -27270,17 +25682,21 @@
           <a:lstStyle/>
           <a:p>
             <a:fld id="{6A59E652-0E2C-4FE0-9038-2A3F05EF4FDC}" type="slidenum">
-              <a:rPr lang="en-IN" sz="1400" smtClean="0">
+              <a:rPr lang="en-IN" sz="1600" smtClean="0">
                 <a:solidFill>
                   <a:schemeClr val="bg1"/>
                 </a:solidFill>
+                <a:latin typeface="Times New Roman" panose="02020603050405020304" pitchFamily="18" charset="0"/>
+                <a:cs typeface="Times New Roman" panose="02020603050405020304" pitchFamily="18" charset="0"/>
               </a:rPr>
-              <a:t>4</a:t>
+              <a:t>5</a:t>
             </a:fld>
-            <a:endParaRPr lang="en-IN" sz="1400" dirty="0">
+            <a:endParaRPr lang="en-IN" sz="1600" dirty="0">
               <a:solidFill>
                 <a:schemeClr val="bg1"/>
               </a:solidFill>
+              <a:latin typeface="Times New Roman" panose="02020603050405020304" pitchFamily="18" charset="0"/>
+              <a:cs typeface="Times New Roman" panose="02020603050405020304" pitchFamily="18" charset="0"/>
             </a:endParaRPr>
           </a:p>
         </p:txBody>
@@ -27298,7 +25714,7 @@
 </p:sld>
 </file>
 
-<file path=ppt/slides/slide5.xml><?xml version="1.0" encoding="utf-8"?>
+<file path=ppt/slides/slide6.xml><?xml version="1.0" encoding="utf-8"?>
 <p:sld xmlns:a="http://schemas.openxmlformats.org/drawingml/2006/main" xmlns:r="http://schemas.openxmlformats.org/officeDocument/2006/relationships" xmlns:p="http://schemas.openxmlformats.org/presentationml/2006/main">
   <p:cSld>
     <p:spTree>
@@ -27339,9 +25755,9 @@
           <a:p>
             <a:pPr algn="ctr"/>
             <a:r>
-              <a:rPr lang="en-US" sz="3600" dirty="0">
-                <a:latin typeface="Arial" panose="020B0604020202020204" pitchFamily="34" charset="0"/>
-                <a:cs typeface="Arial" panose="020B0604020202020204" pitchFamily="34" charset="0"/>
+              <a:rPr lang="en-US" sz="3600" b="1" dirty="0">
+                <a:latin typeface="Times New Roman" panose="02020603050405020304" pitchFamily="18" charset="0"/>
+                <a:cs typeface="Times New Roman" panose="02020603050405020304" pitchFamily="18" charset="0"/>
               </a:rPr>
               <a:t>Problem Statement</a:t>
             </a:r>
@@ -27375,17 +25791,21 @@
           <a:lstStyle/>
           <a:p>
             <a:fld id="{6A59E652-0E2C-4FE0-9038-2A3F05EF4FDC}" type="slidenum">
-              <a:rPr lang="en-IN" sz="1400" smtClean="0">
+              <a:rPr lang="en-IN" sz="1600" smtClean="0">
                 <a:solidFill>
                   <a:schemeClr val="bg1"/>
                 </a:solidFill>
+                <a:latin typeface="Times New Roman" panose="02020603050405020304" pitchFamily="18" charset="0"/>
+                <a:cs typeface="Times New Roman" panose="02020603050405020304" pitchFamily="18" charset="0"/>
               </a:rPr>
-              <a:t>5</a:t>
+              <a:t>6</a:t>
             </a:fld>
-            <a:endParaRPr lang="en-IN" sz="1400" dirty="0">
+            <a:endParaRPr lang="en-IN" sz="1600" dirty="0">
               <a:solidFill>
                 <a:schemeClr val="bg1"/>
               </a:solidFill>
+              <a:latin typeface="Times New Roman" panose="02020603050405020304" pitchFamily="18" charset="0"/>
+              <a:cs typeface="Times New Roman" panose="02020603050405020304" pitchFamily="18" charset="0"/>
             </a:endParaRPr>
           </a:p>
         </p:txBody>
@@ -27408,7 +25828,7 @@
         </p:nvSpPr>
         <p:spPr bwMode="auto">
           <a:xfrm>
-            <a:off x="838201" y="756636"/>
+            <a:off x="838201" y="1307481"/>
             <a:ext cx="10512972" cy="3903954"/>
           </a:xfrm>
           <a:prstGeom prst="rect">
@@ -27595,21 +26015,7 @@
                 <a:latin typeface="Times New Roman" panose="02020603050405020304" pitchFamily="18" charset="0"/>
                 <a:cs typeface="Times New Roman" panose="02020603050405020304" pitchFamily="18" charset="0"/>
               </a:rPr>
-              <a:t>Current methods for detecting AI-generated or </a:t>
-            </a:r>
-            <a:r>
-              <a:rPr lang="en-US" sz="2400" dirty="0" err="1">
-                <a:latin typeface="Times New Roman" panose="02020603050405020304" pitchFamily="18" charset="0"/>
-                <a:cs typeface="Times New Roman" panose="02020603050405020304" pitchFamily="18" charset="0"/>
-              </a:rPr>
-              <a:t>DeepFake</a:t>
-            </a:r>
-            <a:r>
-              <a:rPr lang="en-US" sz="2400" dirty="0">
-                <a:latin typeface="Times New Roman" panose="02020603050405020304" pitchFamily="18" charset="0"/>
-                <a:cs typeface="Times New Roman" panose="02020603050405020304" pitchFamily="18" charset="0"/>
-              </a:rPr>
-              <a:t> voices are often inadequate, particularly in real-time applications. The increasing sophistication of voice conversion techniques makes it harder to distinguish between genuine and synthetic speech. This presents a significant risk to security, privacy, and the integrity of voice communications. An effective, real-time solution for detecting AI-generated speech is crucial to mitigate these risks and prevent the misuse of voice conversion technologies.</a:t>
+              <a:t>Current methods for detecting AI-generated or Deep-fake voices are often inadequate, particularly in real-time applications. The increasing sophistication of voice conversion techniques makes it harder to distinguish between genuine and synthetic speech. This presents a significant risk to security, privacy, and the integrity of voice communications. An effective, real-time solution for detecting AI-generated speech is crucial to mitigate these risks and prevent the misuse of voice conversion technologies.</a:t>
             </a:r>
             <a:endParaRPr kumimoji="0" lang="en-US" altLang="en-US" sz="6600" b="0" i="0" u="none" strike="noStrike" cap="none" normalizeH="0" baseline="0" dirty="0">
               <a:ln>
@@ -27635,7 +26041,7 @@
 </p:sld>
 </file>
 
-<file path=ppt/slides/slide6.xml><?xml version="1.0" encoding="utf-8"?>
+<file path=ppt/slides/slide7.xml><?xml version="1.0" encoding="utf-8"?>
 <p:sld xmlns:a="http://schemas.openxmlformats.org/drawingml/2006/main" xmlns:r="http://schemas.openxmlformats.org/officeDocument/2006/relationships" xmlns:p="http://schemas.openxmlformats.org/presentationml/2006/main">
   <p:cSld>
     <p:spTree>
@@ -27676,9 +26082,9 @@
           <a:p>
             <a:pPr algn="ctr"/>
             <a:r>
-              <a:rPr lang="en-US" sz="3600" dirty="0">
-                <a:latin typeface="Arial" panose="020B0604020202020204" pitchFamily="34" charset="0"/>
-                <a:cs typeface="Arial" panose="020B0604020202020204" pitchFamily="34" charset="0"/>
+              <a:rPr lang="en-US" sz="3600" b="1" dirty="0">
+                <a:latin typeface="Times New Roman" panose="02020603050405020304" pitchFamily="18" charset="0"/>
+                <a:cs typeface="Times New Roman" panose="02020603050405020304" pitchFamily="18" charset="0"/>
               </a:rPr>
               <a:t>Objective</a:t>
             </a:r>
@@ -27722,7 +26128,7 @@
                 <a:latin typeface="Times New Roman" panose="02020603050405020304" pitchFamily="18" charset="0"/>
                 <a:cs typeface="Times New Roman" panose="02020603050405020304" pitchFamily="18" charset="0"/>
               </a:rPr>
-              <a:t>The main goal of this project is to develop a deep learning approach that can accurately classify different types of white blood cells in blood images. </a:t>
+              <a:t>The primary objective of "DEEP-VOICE" is to develop a real-time detection system for AI-generated speech, focusing on DeepFake voice conversion. </a:t>
             </a:r>
           </a:p>
           <a:p>
@@ -27741,9 +26147,28 @@
                 <a:latin typeface="Times New Roman" panose="02020603050405020304" pitchFamily="18" charset="0"/>
                 <a:cs typeface="Times New Roman" panose="02020603050405020304" pitchFamily="18" charset="0"/>
               </a:rPr>
-              <a:t>By preparing and enhancing image data, and optimizing several deep learning models, this project aims to improve the accuracy and speed of classification, contributing to more efficient medical diagnosis.</a:t>
+              <a:t>This system aims to improve accuracy and speed in differentiating between real and synthetic voices, enhancing the security and integrity of voice communications.</a:t>
             </a:r>
-            <a:endParaRPr lang="en-US" sz="3600" b="0" i="0" dirty="0">
+          </a:p>
+          <a:p>
+            <a:pPr algn="just">
+              <a:lnSpc>
+                <a:spcPct val="100000"/>
+              </a:lnSpc>
+              <a:spcAft>
+                <a:spcPts val="800"/>
+              </a:spcAft>
+              <a:buFont typeface="Wingdings" panose="05000000000000000000" pitchFamily="2" charset="2"/>
+              <a:buChar char="Ø"/>
+            </a:pPr>
+            <a:r>
+              <a:rPr lang="en-US" sz="2400" dirty="0">
+                <a:latin typeface="Times New Roman" panose="02020603050405020304" pitchFamily="18" charset="0"/>
+                <a:cs typeface="Times New Roman" panose="02020603050405020304" pitchFamily="18" charset="0"/>
+              </a:rPr>
+              <a:t>By leveraging advanced machine learning models, the project will address the growing risks posed by the misuse of AI-driven voice conversion technologies in areas like fraud and impersonation.</a:t>
+            </a:r>
+            <a:endParaRPr lang="en-US" sz="4800" b="0" i="0" dirty="0">
               <a:solidFill>
                 <a:srgbClr val="0D0D0D"/>
               </a:solidFill>
@@ -27784,17 +26209,21 @@
           <a:lstStyle/>
           <a:p>
             <a:fld id="{6A59E652-0E2C-4FE0-9038-2A3F05EF4FDC}" type="slidenum">
-              <a:rPr lang="en-IN" sz="1400" smtClean="0">
+              <a:rPr lang="en-IN" sz="1600" smtClean="0">
                 <a:solidFill>
                   <a:schemeClr val="bg1"/>
                 </a:solidFill>
+                <a:latin typeface="Times New Roman" panose="02020603050405020304" pitchFamily="18" charset="0"/>
+                <a:cs typeface="Times New Roman" panose="02020603050405020304" pitchFamily="18" charset="0"/>
               </a:rPr>
-              <a:t>6</a:t>
+              <a:t>7</a:t>
             </a:fld>
-            <a:endParaRPr lang="en-IN" sz="1400" dirty="0">
+            <a:endParaRPr lang="en-IN" sz="1600" dirty="0">
               <a:solidFill>
                 <a:schemeClr val="bg1"/>
               </a:solidFill>
+              <a:latin typeface="Times New Roman" panose="02020603050405020304" pitchFamily="18" charset="0"/>
+              <a:cs typeface="Times New Roman" panose="02020603050405020304" pitchFamily="18" charset="0"/>
             </a:endParaRPr>
           </a:p>
         </p:txBody>
@@ -27812,7 +26241,225 @@
 </p:sld>
 </file>
 
-<file path=ppt/slides/slide7.xml><?xml version="1.0" encoding="utf-8"?>
+<file path=ppt/slides/slide8.xml><?xml version="1.0" encoding="utf-8"?>
+<p:sld xmlns:a="http://schemas.openxmlformats.org/drawingml/2006/main" xmlns:r="http://schemas.openxmlformats.org/officeDocument/2006/relationships" xmlns:p="http://schemas.openxmlformats.org/presentationml/2006/main">
+  <p:cSld>
+    <p:spTree>
+      <p:nvGrpSpPr>
+        <p:cNvPr id="1" name=""/>
+        <p:cNvGrpSpPr/>
+        <p:nvPr/>
+      </p:nvGrpSpPr>
+      <p:grpSpPr>
+        <a:xfrm>
+          <a:off x="0" y="0"/>
+          <a:ext cx="0" cy="0"/>
+          <a:chOff x="0" y="0"/>
+          <a:chExt cx="0" cy="0"/>
+        </a:xfrm>
+      </p:grpSpPr>
+      <p:sp>
+        <p:nvSpPr>
+          <p:cNvPr id="2" name="Title 1">
+            <a:extLst>
+              <a:ext uri="{FF2B5EF4-FFF2-40B4-BE49-F238E27FC236}">
+                <a16:creationId xmlns:a16="http://schemas.microsoft.com/office/drawing/2014/main" id="{E504173E-5FB5-D7FA-DA14-8B8457841478}"/>
+              </a:ext>
+            </a:extLst>
+          </p:cNvPr>
+          <p:cNvSpPr>
+            <a:spLocks noGrp="1"/>
+          </p:cNvSpPr>
+          <p:nvPr>
+            <p:ph type="title"/>
+          </p:nvPr>
+        </p:nvSpPr>
+        <p:spPr>
+          <a:xfrm>
+            <a:off x="838200" y="45636"/>
+            <a:ext cx="10515600" cy="890798"/>
+          </a:xfrm>
+        </p:spPr>
+        <p:txBody>
+          <a:bodyPr>
+            <a:normAutofit/>
+          </a:bodyPr>
+          <a:lstStyle/>
+          <a:p>
+            <a:pPr algn="ctr"/>
+            <a:r>
+              <a:rPr lang="en-US" sz="3600" b="1" dirty="0">
+                <a:latin typeface="Times New Roman" panose="02020603050405020304" pitchFamily="18" charset="0"/>
+                <a:cs typeface="Times New Roman" panose="02020603050405020304" pitchFamily="18" charset="0"/>
+              </a:rPr>
+              <a:t>Dataset</a:t>
+            </a:r>
+          </a:p>
+        </p:txBody>
+      </p:sp>
+      <p:sp>
+        <p:nvSpPr>
+          <p:cNvPr id="3" name="Content Placeholder 2">
+            <a:extLst>
+              <a:ext uri="{FF2B5EF4-FFF2-40B4-BE49-F238E27FC236}">
+                <a16:creationId xmlns:a16="http://schemas.microsoft.com/office/drawing/2014/main" id="{994FCCB9-21F2-1ABA-ABED-733E8E9C4D70}"/>
+              </a:ext>
+            </a:extLst>
+          </p:cNvPr>
+          <p:cNvSpPr>
+            <a:spLocks noGrp="1"/>
+          </p:cNvSpPr>
+          <p:nvPr>
+            <p:ph idx="1"/>
+          </p:nvPr>
+        </p:nvSpPr>
+        <p:spPr>
+          <a:xfrm>
+            <a:off x="838200" y="1079653"/>
+            <a:ext cx="10515600" cy="5097310"/>
+          </a:xfrm>
+        </p:spPr>
+        <p:txBody>
+          <a:bodyPr>
+            <a:normAutofit/>
+          </a:bodyPr>
+          <a:lstStyle/>
+          <a:p>
+            <a:pPr algn="just">
+              <a:lnSpc>
+                <a:spcPct val="150000"/>
+              </a:lnSpc>
+            </a:pPr>
+            <a:r>
+              <a:rPr lang="en-US" sz="2400" dirty="0">
+                <a:latin typeface="Times New Roman" panose="02020603050405020304" pitchFamily="18" charset="0"/>
+                <a:cs typeface="Times New Roman" panose="02020603050405020304" pitchFamily="18" charset="0"/>
+              </a:rPr>
+              <a:t>The dataset is available in two forms:</a:t>
+            </a:r>
+          </a:p>
+          <a:p>
+            <a:pPr lvl="1" algn="just">
+              <a:lnSpc>
+                <a:spcPct val="150000"/>
+              </a:lnSpc>
+              <a:buFont typeface="+mj-lt"/>
+              <a:buAutoNum type="arabicPeriod"/>
+            </a:pPr>
+            <a:r>
+              <a:rPr lang="en-US" b="1" dirty="0">
+                <a:latin typeface="Times New Roman" panose="02020603050405020304" pitchFamily="18" charset="0"/>
+                <a:cs typeface="Times New Roman" panose="02020603050405020304" pitchFamily="18" charset="0"/>
+              </a:rPr>
+              <a:t>Raw Audio Files:</a:t>
+            </a:r>
+            <a:r>
+              <a:rPr lang="en-US" dirty="0">
+                <a:latin typeface="Times New Roman" panose="02020603050405020304" pitchFamily="18" charset="0"/>
+                <a:cs typeface="Times New Roman" panose="02020603050405020304" pitchFamily="18" charset="0"/>
+              </a:rPr>
+              <a:t> Found in the "AUDIO" folder, divided into "REAL" and "FAKE" directories. 	</a:t>
+            </a:r>
+          </a:p>
+          <a:p>
+            <a:pPr lvl="1" algn="just">
+              <a:lnSpc>
+                <a:spcPct val="150000"/>
+              </a:lnSpc>
+              <a:buFont typeface="+mj-lt"/>
+              <a:buAutoNum type="arabicPeriod"/>
+            </a:pPr>
+            <a:r>
+              <a:rPr lang="en-US" b="1" dirty="0">
+                <a:latin typeface="Times New Roman" panose="02020603050405020304" pitchFamily="18" charset="0"/>
+                <a:cs typeface="Times New Roman" panose="02020603050405020304" pitchFamily="18" charset="0"/>
+              </a:rPr>
+              <a:t>Extracted Features:</a:t>
+            </a:r>
+            <a:r>
+              <a:rPr lang="en-US" dirty="0">
+                <a:latin typeface="Times New Roman" panose="02020603050405020304" pitchFamily="18" charset="0"/>
+                <a:cs typeface="Times New Roman" panose="02020603050405020304" pitchFamily="18" charset="0"/>
+              </a:rPr>
+              <a:t> Found in the "DATASET-balanced.csv" file, containing features extracted from one-second audio windows. The dataset is balanced through random sampling.</a:t>
+            </a:r>
+          </a:p>
+          <a:p>
+            <a:pPr algn="just">
+              <a:lnSpc>
+                <a:spcPct val="150000"/>
+              </a:lnSpc>
+            </a:pPr>
+            <a:r>
+              <a:rPr lang="en-US" sz="2400" dirty="0">
+                <a:latin typeface="Times New Roman" panose="02020603050405020304" pitchFamily="18" charset="0"/>
+                <a:cs typeface="Times New Roman" panose="02020603050405020304" pitchFamily="18" charset="0"/>
+              </a:rPr>
+              <a:t>The total dataset size is about 4 GB.</a:t>
+            </a:r>
+          </a:p>
+        </p:txBody>
+      </p:sp>
+      <p:sp>
+        <p:nvSpPr>
+          <p:cNvPr id="4" name="Slide Number Placeholder 3">
+            <a:extLst>
+              <a:ext uri="{FF2B5EF4-FFF2-40B4-BE49-F238E27FC236}">
+                <a16:creationId xmlns:a16="http://schemas.microsoft.com/office/drawing/2014/main" id="{EAF68E56-197F-B302-CAC4-B43E5EBBBBD4}"/>
+              </a:ext>
+            </a:extLst>
+          </p:cNvPr>
+          <p:cNvSpPr>
+            <a:spLocks noGrp="1"/>
+          </p:cNvSpPr>
+          <p:nvPr>
+            <p:ph type="sldNum" sz="quarter" idx="12"/>
+          </p:nvPr>
+        </p:nvSpPr>
+        <p:spPr>
+          <a:xfrm>
+            <a:off x="8610600" y="6477537"/>
+            <a:ext cx="2743200" cy="365125"/>
+          </a:xfrm>
+        </p:spPr>
+        <p:txBody>
+          <a:bodyPr/>
+          <a:lstStyle/>
+          <a:p>
+            <a:fld id="{6A59E652-0E2C-4FE0-9038-2A3F05EF4FDC}" type="slidenum">
+              <a:rPr lang="en-IN" sz="1600" smtClean="0">
+                <a:solidFill>
+                  <a:schemeClr val="bg1"/>
+                </a:solidFill>
+                <a:latin typeface="Times New Roman" panose="02020603050405020304" pitchFamily="18" charset="0"/>
+                <a:cs typeface="Times New Roman" panose="02020603050405020304" pitchFamily="18" charset="0"/>
+              </a:rPr>
+              <a:t>8</a:t>
+            </a:fld>
+            <a:endParaRPr lang="en-IN" sz="1600" dirty="0">
+              <a:solidFill>
+                <a:schemeClr val="bg1"/>
+              </a:solidFill>
+              <a:latin typeface="Times New Roman" panose="02020603050405020304" pitchFamily="18" charset="0"/>
+              <a:cs typeface="Times New Roman" panose="02020603050405020304" pitchFamily="18" charset="0"/>
+            </a:endParaRPr>
+          </a:p>
+        </p:txBody>
+      </p:sp>
+    </p:spTree>
+    <p:extLst>
+      <p:ext uri="{BB962C8B-B14F-4D97-AF65-F5344CB8AC3E}">
+        <p14:creationId xmlns:p14="http://schemas.microsoft.com/office/powerpoint/2010/main" val="2896479219"/>
+      </p:ext>
+    </p:extLst>
+  </p:cSld>
+  <p:clrMapOvr>
+    <a:masterClrMapping/>
+  </p:clrMapOvr>
+</p:sld>
+</file>
+
+<file path=ppt/slides/slide9.xml><?xml version="1.0" encoding="utf-8"?>
 <p:sld xmlns:a="http://schemas.openxmlformats.org/drawingml/2006/main" xmlns:r="http://schemas.openxmlformats.org/officeDocument/2006/relationships" xmlns:p="http://schemas.openxmlformats.org/presentationml/2006/main">
   <p:cSld>
     <p:spTree>
@@ -27867,7 +26514,7 @@
                 <a:latin typeface="Times New Roman" panose="02020603050405020304" pitchFamily="18" charset="0"/>
                 <a:cs typeface="Times New Roman" panose="02020603050405020304" pitchFamily="18" charset="0"/>
               </a:rPr>
-              <a:t>Proposed Model Architecture: </a:t>
+              <a:t>Block diagram of deepfake audio detection systems: </a:t>
             </a:r>
             <a:endParaRPr lang="en-IN" sz="2400" dirty="0">
               <a:latin typeface="Times New Roman" panose="02020603050405020304" pitchFamily="18" charset="0"/>
@@ -27903,17 +26550,21 @@
           <a:lstStyle/>
           <a:p>
             <a:fld id="{6A59E652-0E2C-4FE0-9038-2A3F05EF4FDC}" type="slidenum">
-              <a:rPr lang="en-IN" smtClean="0">
+              <a:rPr lang="en-IN" sz="1600" smtClean="0">
                 <a:solidFill>
                   <a:schemeClr val="bg1"/>
                 </a:solidFill>
+                <a:latin typeface="Times New Roman" panose="02020603050405020304" pitchFamily="18" charset="0"/>
+                <a:cs typeface="Times New Roman" panose="02020603050405020304" pitchFamily="18" charset="0"/>
               </a:rPr>
-              <a:t>7</a:t>
+              <a:t>9</a:t>
             </a:fld>
             <a:endParaRPr lang="en-IN" dirty="0">
               <a:solidFill>
                 <a:schemeClr val="bg1"/>
               </a:solidFill>
+              <a:latin typeface="Times New Roman" panose="02020603050405020304" pitchFamily="18" charset="0"/>
+              <a:cs typeface="Times New Roman" panose="02020603050405020304" pitchFamily="18" charset="0"/>
             </a:endParaRPr>
           </a:p>
         </p:txBody>
@@ -27948,13 +26599,13 @@
           <a:p>
             <a:pPr algn="ctr"/>
             <a:r>
-              <a:rPr lang="en-US" sz="3600" dirty="0">
+              <a:rPr lang="en-US" sz="3600" b="1" dirty="0">
                 <a:latin typeface="Times New Roman" panose="02020603050405020304" pitchFamily="18" charset="0"/>
                 <a:cs typeface="Times New Roman" panose="02020603050405020304" pitchFamily="18" charset="0"/>
               </a:rPr>
-              <a:t>Proposed Model Architecture</a:t>
+              <a:t>Block Diagram </a:t>
             </a:r>
-            <a:endParaRPr lang="en-IN" sz="3600" dirty="0">
+            <a:endParaRPr lang="en-IN" sz="3600" b="1" dirty="0">
               <a:latin typeface="Times New Roman" panose="02020603050405020304" pitchFamily="18" charset="0"/>
               <a:cs typeface="Times New Roman" panose="02020603050405020304" pitchFamily="18" charset="0"/>
             </a:endParaRPr>
@@ -27997,7 +26648,7 @@
               <a:rPr lang="en-US" dirty="0">
                 <a:hlinkClick r:id="rId2"/>
               </a:rPr>
-              <a:t>nature.com</a:t>
+              <a:t>arxiv</a:t>
             </a:r>
             <a:endParaRPr lang="en-IN" dirty="0"/>
           </a:p>
@@ -28005,7 +26656,7 @@
       </p:sp>
       <p:pic>
         <p:nvPicPr>
-          <p:cNvPr id="1026" name="Picture 2" descr="Figure 3">
+          <p:cNvPr id="1026" name="Picture 2">
             <a:extLst>
               <a:ext uri="{FF2B5EF4-FFF2-40B4-BE49-F238E27FC236}">
                 <a16:creationId xmlns:a16="http://schemas.microsoft.com/office/drawing/2014/main" id="{BC029FDB-E3AA-181F-2990-5AE1904A881B}"/>
@@ -28018,21 +26669,13 @@
           <p:nvPr/>
         </p:nvPicPr>
         <p:blipFill>
-          <a:blip r:embed="rId3">
-            <a:extLst>
-              <a:ext uri="{28A0092B-C50C-407E-A947-70E740481C1C}">
-                <a14:useLocalDpi xmlns:a14="http://schemas.microsoft.com/office/drawing/2010/main" val="0"/>
-              </a:ext>
-            </a:extLst>
-          </a:blip>
+          <a:blip r:embed="rId3"/>
           <a:srcRect/>
-          <a:stretch>
-            <a:fillRect/>
-          </a:stretch>
+          <a:stretch/>
         </p:blipFill>
         <p:spPr bwMode="auto">
           <a:xfrm>
-            <a:off x="838201" y="1938969"/>
+            <a:off x="838200" y="2027105"/>
             <a:ext cx="10515600" cy="3811837"/>
           </a:xfrm>
           <a:prstGeom prst="rect">
@@ -28054,832 +26697,6 @@
     <p:extLst>
       <p:ext uri="{BB962C8B-B14F-4D97-AF65-F5344CB8AC3E}">
         <p14:creationId xmlns:p14="http://schemas.microsoft.com/office/powerpoint/2010/main" val="1005242243"/>
-      </p:ext>
-    </p:extLst>
-  </p:cSld>
-  <p:clrMapOvr>
-    <a:masterClrMapping/>
-  </p:clrMapOvr>
-</p:sld>
-</file>
-
-<file path=ppt/slides/slide8.xml><?xml version="1.0" encoding="utf-8"?>
-<p:sld xmlns:a="http://schemas.openxmlformats.org/drawingml/2006/main" xmlns:r="http://schemas.openxmlformats.org/officeDocument/2006/relationships" xmlns:p="http://schemas.openxmlformats.org/presentationml/2006/main">
-  <p:cSld>
-    <p:spTree>
-      <p:nvGrpSpPr>
-        <p:cNvPr id="1" name=""/>
-        <p:cNvGrpSpPr/>
-        <p:nvPr/>
-      </p:nvGrpSpPr>
-      <p:grpSpPr>
-        <a:xfrm>
-          <a:off x="0" y="0"/>
-          <a:ext cx="0" cy="0"/>
-          <a:chOff x="0" y="0"/>
-          <a:chExt cx="0" cy="0"/>
-        </a:xfrm>
-      </p:grpSpPr>
-      <p:sp>
-        <p:nvSpPr>
-          <p:cNvPr id="2" name="TextBox 1">
-            <a:extLst>
-              <a:ext uri="{FF2B5EF4-FFF2-40B4-BE49-F238E27FC236}">
-                <a16:creationId xmlns:a16="http://schemas.microsoft.com/office/drawing/2014/main" id="{F97F1639-177B-F478-52DB-7F2D3413EC14}"/>
-              </a:ext>
-            </a:extLst>
-          </p:cNvPr>
-          <p:cNvSpPr txBox="1"/>
-          <p:nvPr/>
-        </p:nvSpPr>
-        <p:spPr>
-          <a:xfrm>
-            <a:off x="601775" y="538260"/>
-            <a:ext cx="7385454" cy="579967"/>
-          </a:xfrm>
-          <a:prstGeom prst="rect">
-            <a:avLst/>
-          </a:prstGeom>
-          <a:noFill/>
-        </p:spPr>
-        <p:txBody>
-          <a:bodyPr wrap="square" rtlCol="0">
-            <a:spAutoFit/>
-          </a:bodyPr>
-          <a:lstStyle/>
-          <a:p>
-            <a:pPr marL="285750" indent="-285750" algn="just">
-              <a:lnSpc>
-                <a:spcPct val="150000"/>
-              </a:lnSpc>
-              <a:buFont typeface="Wingdings" panose="05000000000000000000" pitchFamily="2" charset="2"/>
-              <a:buChar char="Ø"/>
-            </a:pPr>
-            <a:r>
-              <a:rPr lang="en-IN" sz="2400" dirty="0">
-                <a:latin typeface="Times New Roman" panose="02020603050405020304" pitchFamily="18" charset="0"/>
-                <a:cs typeface="Times New Roman" panose="02020603050405020304" pitchFamily="18" charset="0"/>
-              </a:rPr>
-              <a:t>Model: Convolutional Neural Network  Architecture:</a:t>
-            </a:r>
-          </a:p>
-        </p:txBody>
-      </p:sp>
-      <p:sp>
-        <p:nvSpPr>
-          <p:cNvPr id="26" name="TextBox 25">
-            <a:extLst>
-              <a:ext uri="{FF2B5EF4-FFF2-40B4-BE49-F238E27FC236}">
-                <a16:creationId xmlns:a16="http://schemas.microsoft.com/office/drawing/2014/main" id="{5A4B5506-97F8-1EE7-3798-DBB449B8B978}"/>
-              </a:ext>
-            </a:extLst>
-          </p:cNvPr>
-          <p:cNvSpPr txBox="1"/>
-          <p:nvPr/>
-        </p:nvSpPr>
-        <p:spPr>
-          <a:xfrm>
-            <a:off x="9144000" y="5928839"/>
-            <a:ext cx="2743200" cy="369332"/>
-          </a:xfrm>
-          <a:prstGeom prst="rect">
-            <a:avLst/>
-          </a:prstGeom>
-          <a:noFill/>
-        </p:spPr>
-        <p:txBody>
-          <a:bodyPr wrap="square">
-            <a:spAutoFit/>
-          </a:bodyPr>
-          <a:lstStyle/>
-          <a:p>
-            <a:r>
-              <a:rPr lang="en-US" dirty="0"/>
-              <a:t>credit: </a:t>
-            </a:r>
-            <a:r>
-              <a:rPr lang="en-US" dirty="0">
-                <a:hlinkClick r:id="rId3"/>
-              </a:rPr>
-              <a:t>towardsdatascience</a:t>
-            </a:r>
-            <a:endParaRPr lang="en-IN" dirty="0"/>
-          </a:p>
-        </p:txBody>
-      </p:sp>
-      <p:sp>
-        <p:nvSpPr>
-          <p:cNvPr id="3" name="Slide Number Placeholder 2">
-            <a:extLst>
-              <a:ext uri="{FF2B5EF4-FFF2-40B4-BE49-F238E27FC236}">
-                <a16:creationId xmlns:a16="http://schemas.microsoft.com/office/drawing/2014/main" id="{799BC092-C13C-4F06-1297-5EC1CBAB1AE2}"/>
-              </a:ext>
-            </a:extLst>
-          </p:cNvPr>
-          <p:cNvSpPr>
-            <a:spLocks noGrp="1"/>
-          </p:cNvSpPr>
-          <p:nvPr>
-            <p:ph type="sldNum" sz="quarter" idx="12"/>
-          </p:nvPr>
-        </p:nvSpPr>
-        <p:spPr>
-          <a:xfrm>
-            <a:off x="8610600" y="6478901"/>
-            <a:ext cx="2743200" cy="365125"/>
-          </a:xfrm>
-        </p:spPr>
-        <p:txBody>
-          <a:bodyPr/>
-          <a:lstStyle/>
-          <a:p>
-            <a:fld id="{6A59E652-0E2C-4FE0-9038-2A3F05EF4FDC}" type="slidenum">
-              <a:rPr lang="en-IN" sz="1400" smtClean="0">
-                <a:solidFill>
-                  <a:schemeClr val="bg1"/>
-                </a:solidFill>
-              </a:rPr>
-              <a:t>8</a:t>
-            </a:fld>
-            <a:endParaRPr lang="en-IN" sz="1400" dirty="0">
-              <a:solidFill>
-                <a:schemeClr val="bg1"/>
-              </a:solidFill>
-            </a:endParaRPr>
-          </a:p>
-        </p:txBody>
-      </p:sp>
-      <p:pic>
-        <p:nvPicPr>
-          <p:cNvPr id="1026" name="Picture 2" descr="How to Easily Draw Neural Network Architecture Diagrams | by Kenneth Leung  | Towards Data Science">
-            <a:extLst>
-              <a:ext uri="{FF2B5EF4-FFF2-40B4-BE49-F238E27FC236}">
-                <a16:creationId xmlns:a16="http://schemas.microsoft.com/office/drawing/2014/main" id="{C1B9FB03-04C7-4B1C-4CEE-E3DC32064419}"/>
-              </a:ext>
-            </a:extLst>
-          </p:cNvPr>
-          <p:cNvPicPr>
-            <a:picLocks noChangeAspect="1" noChangeArrowheads="1"/>
-          </p:cNvPicPr>
-          <p:nvPr/>
-        </p:nvPicPr>
-        <p:blipFill>
-          <a:blip r:embed="rId4">
-            <a:extLst>
-              <a:ext uri="{28A0092B-C50C-407E-A947-70E740481C1C}">
-                <a14:useLocalDpi xmlns:a14="http://schemas.microsoft.com/office/drawing/2010/main" val="0"/>
-              </a:ext>
-            </a:extLst>
-          </a:blip>
-          <a:srcRect/>
-          <a:stretch>
-            <a:fillRect/>
-          </a:stretch>
-        </p:blipFill>
-        <p:spPr bwMode="auto">
-          <a:xfrm>
-            <a:off x="601776" y="1287536"/>
-            <a:ext cx="10752023" cy="4648200"/>
-          </a:xfrm>
-          <a:prstGeom prst="rect">
-            <a:avLst/>
-          </a:prstGeom>
-          <a:noFill/>
-          <a:extLst>
-            <a:ext uri="{909E8E84-426E-40DD-AFC4-6F175D3DCCD1}">
-              <a14:hiddenFill xmlns:a14="http://schemas.microsoft.com/office/drawing/2010/main">
-                <a:solidFill>
-                  <a:srgbClr val="FFFFFF"/>
-                </a:solidFill>
-              </a14:hiddenFill>
-            </a:ext>
-          </a:extLst>
-        </p:spPr>
-      </p:pic>
-    </p:spTree>
-    <p:extLst>
-      <p:ext uri="{BB962C8B-B14F-4D97-AF65-F5344CB8AC3E}">
-        <p14:creationId xmlns:p14="http://schemas.microsoft.com/office/powerpoint/2010/main" val="1630654450"/>
-      </p:ext>
-    </p:extLst>
-  </p:cSld>
-  <p:clrMapOvr>
-    <a:masterClrMapping/>
-  </p:clrMapOvr>
-</p:sld>
-</file>
-
-<file path=ppt/slides/slide9.xml><?xml version="1.0" encoding="utf-8"?>
-<p:sld xmlns:a="http://schemas.openxmlformats.org/drawingml/2006/main" xmlns:r="http://schemas.openxmlformats.org/officeDocument/2006/relationships" xmlns:p="http://schemas.openxmlformats.org/presentationml/2006/main">
-  <p:cSld>
-    <p:spTree>
-      <p:nvGrpSpPr>
-        <p:cNvPr id="1" name=""/>
-        <p:cNvGrpSpPr/>
-        <p:nvPr/>
-      </p:nvGrpSpPr>
-      <p:grpSpPr>
-        <a:xfrm>
-          <a:off x="0" y="0"/>
-          <a:ext cx="0" cy="0"/>
-          <a:chOff x="0" y="0"/>
-          <a:chExt cx="0" cy="0"/>
-        </a:xfrm>
-      </p:grpSpPr>
-      <p:sp>
-        <p:nvSpPr>
-          <p:cNvPr id="2" name="Title 1"/>
-          <p:cNvSpPr>
-            <a:spLocks noGrp="1"/>
-          </p:cNvSpPr>
-          <p:nvPr>
-            <p:ph type="title"/>
-          </p:nvPr>
-        </p:nvSpPr>
-        <p:spPr>
-          <a:xfrm>
-            <a:off x="838200" y="104881"/>
-            <a:ext cx="10455111" cy="965477"/>
-          </a:xfrm>
-        </p:spPr>
-        <p:txBody>
-          <a:bodyPr>
-            <a:normAutofit/>
-          </a:bodyPr>
-          <a:lstStyle/>
-          <a:p>
-            <a:pPr algn="ctr"/>
-            <a:r>
-              <a:rPr lang="en-US" sz="3600" dirty="0">
-                <a:latin typeface="Arial" panose="020B0604020202020204" pitchFamily="34" charset="0"/>
-                <a:cs typeface="Arial" panose="020B0604020202020204" pitchFamily="34" charset="0"/>
-              </a:rPr>
-              <a:t>Results </a:t>
-            </a:r>
-          </a:p>
-        </p:txBody>
-      </p:sp>
-      <p:sp>
-        <p:nvSpPr>
-          <p:cNvPr id="3" name="Slide Number Placeholder 2">
-            <a:extLst>
-              <a:ext uri="{FF2B5EF4-FFF2-40B4-BE49-F238E27FC236}">
-                <a16:creationId xmlns:a16="http://schemas.microsoft.com/office/drawing/2014/main" id="{672D51D7-0AF1-4FED-97DA-2D0625A2EC95}"/>
-              </a:ext>
-            </a:extLst>
-          </p:cNvPr>
-          <p:cNvSpPr>
-            <a:spLocks noGrp="1"/>
-          </p:cNvSpPr>
-          <p:nvPr>
-            <p:ph type="sldNum" sz="quarter" idx="12"/>
-          </p:nvPr>
-        </p:nvSpPr>
-        <p:spPr>
-          <a:xfrm>
-            <a:off x="8610600" y="6497753"/>
-            <a:ext cx="2743200" cy="365125"/>
-          </a:xfrm>
-        </p:spPr>
-        <p:txBody>
-          <a:bodyPr/>
-          <a:lstStyle/>
-          <a:p>
-            <a:fld id="{6A59E652-0E2C-4FE0-9038-2A3F05EF4FDC}" type="slidenum">
-              <a:rPr lang="en-IN" sz="1400" smtClean="0">
-                <a:solidFill>
-                  <a:schemeClr val="bg1"/>
-                </a:solidFill>
-              </a:rPr>
-              <a:t>9</a:t>
-            </a:fld>
-            <a:endParaRPr lang="en-IN" dirty="0">
-              <a:solidFill>
-                <a:schemeClr val="bg1"/>
-              </a:solidFill>
-            </a:endParaRPr>
-          </a:p>
-        </p:txBody>
-      </p:sp>
-      <p:graphicFrame>
-        <p:nvGraphicFramePr>
-          <p:cNvPr id="6" name="Content Placeholder 5">
-            <a:extLst>
-              <a:ext uri="{FF2B5EF4-FFF2-40B4-BE49-F238E27FC236}">
-                <a16:creationId xmlns:a16="http://schemas.microsoft.com/office/drawing/2014/main" id="{619534AA-F415-8FB2-14AC-E497A5844FD5}"/>
-              </a:ext>
-            </a:extLst>
-          </p:cNvPr>
-          <p:cNvGraphicFramePr>
-            <a:graphicFrameLocks noGrp="1"/>
-          </p:cNvGraphicFramePr>
-          <p:nvPr>
-            <p:ph idx="1"/>
-            <p:extLst>
-              <p:ext uri="{D42A27DB-BD31-4B8C-83A1-F6EECF244321}">
-                <p14:modId xmlns:p14="http://schemas.microsoft.com/office/powerpoint/2010/main" val="1773224797"/>
-              </p:ext>
-            </p:extLst>
-          </p:nvPr>
-        </p:nvGraphicFramePr>
-        <p:xfrm>
-          <a:off x="849217" y="1323750"/>
-          <a:ext cx="10455112" cy="3932274"/>
-        </p:xfrm>
-        <a:graphic>
-          <a:graphicData uri="http://schemas.openxmlformats.org/drawingml/2006/table">
-            <a:tbl>
-              <a:tblPr firstRow="1" bandRow="1">
-                <a:tableStyleId>{5C22544A-7EE6-4342-B048-85BDC9FD1C3A}</a:tableStyleId>
-              </a:tblPr>
-              <a:tblGrid>
-                <a:gridCol w="2613778">
-                  <a:extLst>
-                    <a:ext uri="{9D8B030D-6E8A-4147-A177-3AD203B41FA5}">
-                      <a16:colId xmlns:a16="http://schemas.microsoft.com/office/drawing/2014/main" val="3028115467"/>
-                    </a:ext>
-                  </a:extLst>
-                </a:gridCol>
-                <a:gridCol w="2563232">
-                  <a:extLst>
-                    <a:ext uri="{9D8B030D-6E8A-4147-A177-3AD203B41FA5}">
-                      <a16:colId xmlns:a16="http://schemas.microsoft.com/office/drawing/2014/main" val="4061702056"/>
-                    </a:ext>
-                  </a:extLst>
-                </a:gridCol>
-                <a:gridCol w="2192356">
-                  <a:extLst>
-                    <a:ext uri="{9D8B030D-6E8A-4147-A177-3AD203B41FA5}">
-                      <a16:colId xmlns:a16="http://schemas.microsoft.com/office/drawing/2014/main" val="1887223573"/>
-                    </a:ext>
-                  </a:extLst>
-                </a:gridCol>
-                <a:gridCol w="3085746">
-                  <a:extLst>
-                    <a:ext uri="{9D8B030D-6E8A-4147-A177-3AD203B41FA5}">
-                      <a16:colId xmlns:a16="http://schemas.microsoft.com/office/drawing/2014/main" val="2931026379"/>
-                    </a:ext>
-                  </a:extLst>
-                </a:gridCol>
-              </a:tblGrid>
-              <a:tr h="444908">
-                <a:tc>
-                  <a:txBody>
-                    <a:bodyPr/>
-                    <a:lstStyle/>
-                    <a:p>
-                      <a:pPr algn="ctr"/>
-                      <a:r>
-                        <a:rPr lang="en-US" sz="2400" dirty="0">
-                          <a:latin typeface="Times New Roman" panose="02020603050405020304" pitchFamily="18" charset="0"/>
-                          <a:cs typeface="Times New Roman" panose="02020603050405020304" pitchFamily="18" charset="0"/>
-                        </a:rPr>
-                        <a:t>Model Name</a:t>
-                      </a:r>
-                    </a:p>
-                  </a:txBody>
-                  <a:tcPr/>
-                </a:tc>
-                <a:tc>
-                  <a:txBody>
-                    <a:bodyPr/>
-                    <a:lstStyle/>
-                    <a:p>
-                      <a:pPr algn="ctr"/>
-                      <a:r>
-                        <a:rPr lang="en-US" sz="2400" dirty="0">
-                          <a:latin typeface="Times New Roman" panose="02020603050405020304" pitchFamily="18" charset="0"/>
-                          <a:cs typeface="Times New Roman" panose="02020603050405020304" pitchFamily="18" charset="0"/>
-                        </a:rPr>
-                        <a:t>Train Accuracy</a:t>
-                      </a:r>
-                    </a:p>
-                  </a:txBody>
-                  <a:tcPr/>
-                </a:tc>
-                <a:tc>
-                  <a:txBody>
-                    <a:bodyPr/>
-                    <a:lstStyle/>
-                    <a:p>
-                      <a:pPr algn="ctr"/>
-                      <a:r>
-                        <a:rPr lang="en-US" sz="2400" dirty="0">
-                          <a:latin typeface="Times New Roman" panose="02020603050405020304" pitchFamily="18" charset="0"/>
-                          <a:cs typeface="Times New Roman" panose="02020603050405020304" pitchFamily="18" charset="0"/>
-                        </a:rPr>
-                        <a:t>Training Loss</a:t>
-                      </a:r>
-                    </a:p>
-                  </a:txBody>
-                  <a:tcPr/>
-                </a:tc>
-                <a:tc>
-                  <a:txBody>
-                    <a:bodyPr/>
-                    <a:lstStyle/>
-                    <a:p>
-                      <a:pPr algn="ctr"/>
-                      <a:r>
-                        <a:rPr lang="en-US" sz="2400" dirty="0">
-                          <a:latin typeface="Times New Roman" panose="02020603050405020304" pitchFamily="18" charset="0"/>
-                          <a:cs typeface="Times New Roman" panose="02020603050405020304" pitchFamily="18" charset="0"/>
-                        </a:rPr>
-                        <a:t>Validation Accuracy</a:t>
-                      </a:r>
-                    </a:p>
-                  </a:txBody>
-                  <a:tcPr/>
-                </a:tc>
-                <a:extLst>
-                  <a:ext uri="{0D108BD9-81ED-4DB2-BD59-A6C34878D82A}">
-                    <a16:rowId xmlns:a16="http://schemas.microsoft.com/office/drawing/2014/main" val="2391009894"/>
-                  </a:ext>
-                </a:extLst>
-              </a:tr>
-              <a:tr h="640559">
-                <a:tc>
-                  <a:txBody>
-                    <a:bodyPr/>
-                    <a:lstStyle/>
-                    <a:p>
-                      <a:pPr algn="ctr"/>
-                      <a:r>
-                        <a:rPr lang="en-US" sz="2400" dirty="0">
-                          <a:latin typeface="Times New Roman" panose="02020603050405020304" pitchFamily="18" charset="0"/>
-                          <a:cs typeface="Times New Roman" panose="02020603050405020304" pitchFamily="18" charset="0"/>
-                        </a:rPr>
-                        <a:t>DNN</a:t>
-                      </a:r>
-                    </a:p>
-                  </a:txBody>
-                  <a:tcPr/>
-                </a:tc>
-                <a:tc>
-                  <a:txBody>
-                    <a:bodyPr/>
-                    <a:lstStyle/>
-                    <a:p>
-                      <a:pPr algn="ctr"/>
-                      <a:r>
-                        <a:rPr lang="en-US" sz="2400" dirty="0">
-                          <a:latin typeface="Times New Roman" panose="02020603050405020304" pitchFamily="18" charset="0"/>
-                          <a:cs typeface="Times New Roman" panose="02020603050405020304" pitchFamily="18" charset="0"/>
-                        </a:rPr>
-                        <a:t>68.43%</a:t>
-                      </a:r>
-                    </a:p>
-                  </a:txBody>
-                  <a:tcPr/>
-                </a:tc>
-                <a:tc>
-                  <a:txBody>
-                    <a:bodyPr/>
-                    <a:lstStyle/>
-                    <a:p>
-                      <a:pPr algn="ctr"/>
-                      <a:r>
-                        <a:rPr lang="en-US" sz="2400" dirty="0">
-                          <a:latin typeface="Times New Roman" panose="02020603050405020304" pitchFamily="18" charset="0"/>
-                          <a:cs typeface="Times New Roman" panose="02020603050405020304" pitchFamily="18" charset="0"/>
-                        </a:rPr>
-                        <a:t>78.67%</a:t>
-                      </a:r>
-                    </a:p>
-                  </a:txBody>
-                  <a:tcPr/>
-                </a:tc>
-                <a:tc>
-                  <a:txBody>
-                    <a:bodyPr/>
-                    <a:lstStyle/>
-                    <a:p>
-                      <a:pPr algn="ctr"/>
-                      <a:r>
-                        <a:rPr lang="en-US" sz="2400" dirty="0">
-                          <a:latin typeface="Times New Roman" panose="02020603050405020304" pitchFamily="18" charset="0"/>
-                          <a:cs typeface="Times New Roman" panose="02020603050405020304" pitchFamily="18" charset="0"/>
-                        </a:rPr>
-                        <a:t>68.53%</a:t>
-                      </a:r>
-                    </a:p>
-                  </a:txBody>
-                  <a:tcPr/>
-                </a:tc>
-                <a:extLst>
-                  <a:ext uri="{0D108BD9-81ED-4DB2-BD59-A6C34878D82A}">
-                    <a16:rowId xmlns:a16="http://schemas.microsoft.com/office/drawing/2014/main" val="2484010837"/>
-                  </a:ext>
-                </a:extLst>
-              </a:tr>
-              <a:tr h="605928">
-                <a:tc>
-                  <a:txBody>
-                    <a:bodyPr/>
-                    <a:lstStyle/>
-                    <a:p>
-                      <a:pPr algn="ctr"/>
-                      <a:r>
-                        <a:rPr lang="en-US" sz="2400" dirty="0">
-                          <a:latin typeface="Times New Roman" panose="02020603050405020304" pitchFamily="18" charset="0"/>
-                          <a:cs typeface="Times New Roman" panose="02020603050405020304" pitchFamily="18" charset="0"/>
-                        </a:rPr>
-                        <a:t>CNN</a:t>
-                      </a:r>
-                    </a:p>
-                  </a:txBody>
-                  <a:tcPr/>
-                </a:tc>
-                <a:tc>
-                  <a:txBody>
-                    <a:bodyPr/>
-                    <a:lstStyle/>
-                    <a:p>
-                      <a:pPr algn="ctr"/>
-                      <a:r>
-                        <a:rPr lang="en-US" sz="2400" dirty="0">
-                          <a:latin typeface="Times New Roman" panose="02020603050405020304" pitchFamily="18" charset="0"/>
-                          <a:cs typeface="Times New Roman" panose="02020603050405020304" pitchFamily="18" charset="0"/>
-                        </a:rPr>
-                        <a:t>98.18%</a:t>
-                      </a:r>
-                    </a:p>
-                  </a:txBody>
-                  <a:tcPr/>
-                </a:tc>
-                <a:tc>
-                  <a:txBody>
-                    <a:bodyPr/>
-                    <a:lstStyle/>
-                    <a:p>
-                      <a:pPr algn="ctr"/>
-                      <a:r>
-                        <a:rPr lang="en-US" sz="2400" dirty="0">
-                          <a:latin typeface="Times New Roman" panose="02020603050405020304" pitchFamily="18" charset="0"/>
-                          <a:cs typeface="Times New Roman" panose="02020603050405020304" pitchFamily="18" charset="0"/>
-                        </a:rPr>
-                        <a:t>8.81%</a:t>
-                      </a:r>
-                    </a:p>
-                  </a:txBody>
-                  <a:tcPr/>
-                </a:tc>
-                <a:tc>
-                  <a:txBody>
-                    <a:bodyPr/>
-                    <a:lstStyle/>
-                    <a:p>
-                      <a:pPr algn="ctr"/>
-                      <a:r>
-                        <a:rPr lang="en-US" sz="2400" dirty="0">
-                          <a:latin typeface="Times New Roman" panose="02020603050405020304" pitchFamily="18" charset="0"/>
-                          <a:cs typeface="Times New Roman" panose="02020603050405020304" pitchFamily="18" charset="0"/>
-                        </a:rPr>
-                        <a:t>88.60%</a:t>
-                      </a:r>
-                    </a:p>
-                  </a:txBody>
-                  <a:tcPr/>
-                </a:tc>
-                <a:extLst>
-                  <a:ext uri="{0D108BD9-81ED-4DB2-BD59-A6C34878D82A}">
-                    <a16:rowId xmlns:a16="http://schemas.microsoft.com/office/drawing/2014/main" val="3544936145"/>
-                  </a:ext>
-                </a:extLst>
-              </a:tr>
-              <a:tr h="760164">
-                <a:tc>
-                  <a:txBody>
-                    <a:bodyPr/>
-                    <a:lstStyle/>
-                    <a:p>
-                      <a:pPr algn="ctr"/>
-                      <a:r>
-                        <a:rPr lang="en-US" sz="2400" dirty="0">
-                          <a:latin typeface="Times New Roman" panose="02020603050405020304" pitchFamily="18" charset="0"/>
-                          <a:cs typeface="Times New Roman" panose="02020603050405020304" pitchFamily="18" charset="0"/>
-                        </a:rPr>
-                        <a:t>VGG16</a:t>
-                      </a:r>
-                    </a:p>
-                  </a:txBody>
-                  <a:tcPr/>
-                </a:tc>
-                <a:tc>
-                  <a:txBody>
-                    <a:bodyPr/>
-                    <a:lstStyle/>
-                    <a:p>
-                      <a:pPr algn="ctr"/>
-                      <a:r>
-                        <a:rPr lang="en-US" sz="2400" dirty="0">
-                          <a:latin typeface="Times New Roman" panose="02020603050405020304" pitchFamily="18" charset="0"/>
-                          <a:cs typeface="Times New Roman" panose="02020603050405020304" pitchFamily="18" charset="0"/>
-                        </a:rPr>
-                        <a:t>99.87%</a:t>
-                      </a:r>
-                    </a:p>
-                  </a:txBody>
-                  <a:tcPr/>
-                </a:tc>
-                <a:tc>
-                  <a:txBody>
-                    <a:bodyPr/>
-                    <a:lstStyle/>
-                    <a:p>
-                      <a:pPr algn="ctr"/>
-                      <a:r>
-                        <a:rPr lang="en-US" sz="2400" dirty="0">
-                          <a:latin typeface="Times New Roman" panose="02020603050405020304" pitchFamily="18" charset="0"/>
-                          <a:cs typeface="Times New Roman" panose="02020603050405020304" pitchFamily="18" charset="0"/>
-                        </a:rPr>
-                        <a:t>1.85%</a:t>
-                      </a:r>
-                    </a:p>
-                  </a:txBody>
-                  <a:tcPr/>
-                </a:tc>
-                <a:tc>
-                  <a:txBody>
-                    <a:bodyPr/>
-                    <a:lstStyle/>
-                    <a:p>
-                      <a:pPr algn="ctr"/>
-                      <a:r>
-                        <a:rPr lang="en-US" sz="2400" dirty="0">
-                          <a:latin typeface="Times New Roman" panose="02020603050405020304" pitchFamily="18" charset="0"/>
-                          <a:cs typeface="Times New Roman" panose="02020603050405020304" pitchFamily="18" charset="0"/>
-                        </a:rPr>
-                        <a:t>94.62%</a:t>
-                      </a:r>
-                    </a:p>
-                  </a:txBody>
-                  <a:tcPr/>
-                </a:tc>
-                <a:extLst>
-                  <a:ext uri="{0D108BD9-81ED-4DB2-BD59-A6C34878D82A}">
-                    <a16:rowId xmlns:a16="http://schemas.microsoft.com/office/drawing/2014/main" val="2213157284"/>
-                  </a:ext>
-                </a:extLst>
-              </a:tr>
-              <a:tr h="771180">
-                <a:tc>
-                  <a:txBody>
-                    <a:bodyPr/>
-                    <a:lstStyle/>
-                    <a:p>
-                      <a:pPr algn="ctr"/>
-                      <a:r>
-                        <a:rPr lang="en-US" sz="2400" dirty="0">
-                          <a:latin typeface="Times New Roman" panose="02020603050405020304" pitchFamily="18" charset="0"/>
-                          <a:cs typeface="Times New Roman" panose="02020603050405020304" pitchFamily="18" charset="0"/>
-                        </a:rPr>
-                        <a:t>VGG19</a:t>
-                      </a:r>
-                    </a:p>
-                  </a:txBody>
-                  <a:tcPr/>
-                </a:tc>
-                <a:tc>
-                  <a:txBody>
-                    <a:bodyPr/>
-                    <a:lstStyle/>
-                    <a:p>
-                      <a:pPr algn="ctr"/>
-                      <a:r>
-                        <a:rPr lang="en-US" sz="2400" dirty="0">
-                          <a:latin typeface="Times New Roman" panose="02020603050405020304" pitchFamily="18" charset="0"/>
-                          <a:cs typeface="Times New Roman" panose="02020603050405020304" pitchFamily="18" charset="0"/>
-                        </a:rPr>
-                        <a:t>90.67%</a:t>
-                      </a:r>
-                    </a:p>
-                  </a:txBody>
-                  <a:tcPr/>
-                </a:tc>
-                <a:tc>
-                  <a:txBody>
-                    <a:bodyPr/>
-                    <a:lstStyle/>
-                    <a:p>
-                      <a:pPr algn="ctr"/>
-                      <a:r>
-                        <a:rPr lang="en-US" sz="2400" dirty="0">
-                          <a:latin typeface="Times New Roman" panose="02020603050405020304" pitchFamily="18" charset="0"/>
-                          <a:cs typeface="Times New Roman" panose="02020603050405020304" pitchFamily="18" charset="0"/>
-                        </a:rPr>
-                        <a:t>28.77%</a:t>
-                      </a:r>
-                    </a:p>
-                  </a:txBody>
-                  <a:tcPr/>
-                </a:tc>
-                <a:tc>
-                  <a:txBody>
-                    <a:bodyPr/>
-                    <a:lstStyle/>
-                    <a:p>
-                      <a:pPr algn="ctr"/>
-                      <a:r>
-                        <a:rPr lang="en-US" sz="2400" dirty="0">
-                          <a:latin typeface="Times New Roman" panose="02020603050405020304" pitchFamily="18" charset="0"/>
-                          <a:cs typeface="Times New Roman" panose="02020603050405020304" pitchFamily="18" charset="0"/>
-                        </a:rPr>
-                        <a:t>87.76%</a:t>
-                      </a:r>
-                    </a:p>
-                  </a:txBody>
-                  <a:tcPr/>
-                </a:tc>
-                <a:extLst>
-                  <a:ext uri="{0D108BD9-81ED-4DB2-BD59-A6C34878D82A}">
-                    <a16:rowId xmlns:a16="http://schemas.microsoft.com/office/drawing/2014/main" val="3881381436"/>
-                  </a:ext>
-                </a:extLst>
-              </a:tr>
-              <a:tr h="697243">
-                <a:tc>
-                  <a:txBody>
-                    <a:bodyPr/>
-                    <a:lstStyle/>
-                    <a:p>
-                      <a:pPr algn="ctr"/>
-                      <a:r>
-                        <a:rPr lang="en-US" sz="2400" dirty="0">
-                          <a:latin typeface="Times New Roman" panose="02020603050405020304" pitchFamily="18" charset="0"/>
-                          <a:cs typeface="Times New Roman" panose="02020603050405020304" pitchFamily="18" charset="0"/>
-                        </a:rPr>
-                        <a:t>ResNet50</a:t>
-                      </a:r>
-                    </a:p>
-                  </a:txBody>
-                  <a:tcPr/>
-                </a:tc>
-                <a:tc>
-                  <a:txBody>
-                    <a:bodyPr/>
-                    <a:lstStyle/>
-                    <a:p>
-                      <a:pPr algn="ctr"/>
-                      <a:r>
-                        <a:rPr lang="en-US" sz="2400" dirty="0">
-                          <a:latin typeface="Times New Roman" panose="02020603050405020304" pitchFamily="18" charset="0"/>
-                          <a:cs typeface="Times New Roman" panose="02020603050405020304" pitchFamily="18" charset="0"/>
-                        </a:rPr>
-                        <a:t>37.77%</a:t>
-                      </a:r>
-                    </a:p>
-                  </a:txBody>
-                  <a:tcPr/>
-                </a:tc>
-                <a:tc>
-                  <a:txBody>
-                    <a:bodyPr/>
-                    <a:lstStyle/>
-                    <a:p>
-                      <a:pPr algn="ctr"/>
-                      <a:r>
-                        <a:rPr lang="en-US" sz="2400" dirty="0">
-                          <a:latin typeface="Times New Roman" panose="02020603050405020304" pitchFamily="18" charset="0"/>
-                          <a:cs typeface="Times New Roman" panose="02020603050405020304" pitchFamily="18" charset="0"/>
-                        </a:rPr>
-                        <a:t>188%</a:t>
-                      </a:r>
-                    </a:p>
-                  </a:txBody>
-                  <a:tcPr/>
-                </a:tc>
-                <a:tc>
-                  <a:txBody>
-                    <a:bodyPr/>
-                    <a:lstStyle/>
-                    <a:p>
-                      <a:pPr algn="ctr"/>
-                      <a:r>
-                        <a:rPr lang="en-US" sz="2400" dirty="0">
-                          <a:latin typeface="Times New Roman" panose="02020603050405020304" pitchFamily="18" charset="0"/>
-                          <a:cs typeface="Times New Roman" panose="02020603050405020304" pitchFamily="18" charset="0"/>
-                        </a:rPr>
-                        <a:t>39.37%</a:t>
-                      </a:r>
-                    </a:p>
-                  </a:txBody>
-                  <a:tcPr/>
-                </a:tc>
-                <a:extLst>
-                  <a:ext uri="{0D108BD9-81ED-4DB2-BD59-A6C34878D82A}">
-                    <a16:rowId xmlns:a16="http://schemas.microsoft.com/office/drawing/2014/main" val="1122509397"/>
-                  </a:ext>
-                </a:extLst>
-              </a:tr>
-            </a:tbl>
-          </a:graphicData>
-        </a:graphic>
-      </p:graphicFrame>
-    </p:spTree>
-    <p:extLst>
-      <p:ext uri="{BB962C8B-B14F-4D97-AF65-F5344CB8AC3E}">
-        <p14:creationId xmlns:p14="http://schemas.microsoft.com/office/powerpoint/2010/main" val="992554248"/>
       </p:ext>
     </p:extLst>
   </p:cSld>
@@ -29775,15 +27592,6 @@
 </file>
 
 <file path=customXml/item1.xml><?xml version="1.0" encoding="utf-8"?>
-<?mso-contentType ?>
-<FormTemplates xmlns="http://schemas.microsoft.com/sharepoint/v3/contenttype/forms">
-  <Display>DocumentLibraryForm</Display>
-  <Edit>DocumentLibraryForm</Edit>
-  <New>DocumentLibraryForm</New>
-</FormTemplates>
-</file>
-
-<file path=customXml/item2.xml><?xml version="1.0" encoding="utf-8"?>
 <p:properties xmlns:p="http://schemas.microsoft.com/office/2006/metadata/properties" xmlns:xsi="http://www.w3.org/2001/XMLSchema-instance" xmlns:pc="http://schemas.microsoft.com/office/infopath/2007/PartnerControls">
   <documentManagement>
     <_ip_UnifiedCompliancePolicyUIAction xmlns="http://schemas.microsoft.com/sharepoint/v3" xsi:nil="true"/>
@@ -29801,6 +27609,15 @@
     <MediaServiceKeyPoints xmlns="71af3243-3dd4-4a8d-8c0d-dd76da1f02a5" xsi:nil="true"/>
   </documentManagement>
 </p:properties>
+</file>
+
+<file path=customXml/item2.xml><?xml version="1.0" encoding="utf-8"?>
+<?mso-contentType ?>
+<FormTemplates xmlns="http://schemas.microsoft.com/sharepoint/v3/contenttype/forms">
+  <Display>DocumentLibraryForm</Display>
+  <Edit>DocumentLibraryForm</Edit>
+  <New>DocumentLibraryForm</New>
+</FormTemplates>
 </file>
 
 <file path=customXml/item3.xml><?xml version="1.0" encoding="utf-8"?>
@@ -30104,14 +27921,6 @@
 </file>
 
 <file path=customXml/itemProps1.xml><?xml version="1.0" encoding="utf-8"?>
-<ds:datastoreItem xmlns:ds="http://schemas.openxmlformats.org/officeDocument/2006/customXml" ds:itemID="{C4D21938-1F13-4699-8A6C-390EF71C7BE1}">
-  <ds:schemaRefs>
-    <ds:schemaRef ds:uri="http://schemas.microsoft.com/sharepoint/v3/contenttype/forms"/>
-  </ds:schemaRefs>
-</ds:datastoreItem>
-</file>
-
-<file path=customXml/itemProps2.xml><?xml version="1.0" encoding="utf-8"?>
 <ds:datastoreItem xmlns:ds="http://schemas.openxmlformats.org/officeDocument/2006/customXml" ds:itemID="{9945D35E-8227-46A9-BA56-FC43209CE408}">
   <ds:schemaRefs>
     <ds:schemaRef ds:uri="http://schemas.microsoft.com/office/2006/metadata/properties"/>
@@ -30119,6 +27928,14 @@
     <ds:schemaRef ds:uri="http://schemas.microsoft.com/sharepoint/v3"/>
     <ds:schemaRef ds:uri="71af3243-3dd4-4a8d-8c0d-dd76da1f02a5"/>
     <ds:schemaRef ds:uri="230e9df3-be65-4c73-a93b-d1236ebd677e"/>
+  </ds:schemaRefs>
+</ds:datastoreItem>
+</file>
+
+<file path=customXml/itemProps2.xml><?xml version="1.0" encoding="utf-8"?>
+<ds:datastoreItem xmlns:ds="http://schemas.openxmlformats.org/officeDocument/2006/customXml" ds:itemID="{C4D21938-1F13-4699-8A6C-390EF71C7BE1}">
+  <ds:schemaRefs>
+    <ds:schemaRef ds:uri="http://schemas.microsoft.com/sharepoint/v3/contenttype/forms"/>
   </ds:schemaRefs>
 </ds:datastoreItem>
 </file>
